--- a/img/images.pptx
+++ b/img/images.pptx
@@ -6,6 +6,9 @@
   </p:sldMasterIdLst>
   <p:sldIdLst>
     <p:sldId id="256" r:id="rId2"/>
+    <p:sldId id="257" r:id="rId3"/>
+    <p:sldId id="258" r:id="rId4"/>
+    <p:sldId id="259" r:id="rId5"/>
   </p:sldIdLst>
   <p:sldSz cx="9144000" cy="6858000" type="screen4x3"/>
   <p:notesSz cx="6858000" cy="9144000"/>
@@ -104,6 +107,22 @@
       </a:defRPr>
     </a:lvl9pPr>
   </p:defaultTextStyle>
+  <p:extLst>
+    <p:ext uri="{EFAFB233-063F-42B5-8137-9DF3F51BA10A}">
+      <p15:sldGuideLst xmlns:p15="http://schemas.microsoft.com/office/powerpoint/2012/main">
+        <p15:guide id="1" orient="horz" pos="2160">
+          <p15:clr>
+            <a:srgbClr val="A4A3A4"/>
+          </p15:clr>
+        </p15:guide>
+        <p15:guide id="2" pos="2880">
+          <p15:clr>
+            <a:srgbClr val="A4A3A4"/>
+          </p15:clr>
+        </p15:guide>
+      </p15:sldGuideLst>
+    </p:ext>
+  </p:extLst>
 </p:presentation>
 </file>
 
@@ -145,7 +164,7 @@
           <a:lstStyle/>
           <a:p>
             <a:r>
-              <a:rPr lang="en-US" smtClean="0"/>
+              <a:rPr lang="en-US"/>
               <a:t>Click to edit Master title style</a:t>
             </a:r>
             <a:endParaRPr lang="es-ES"/>
@@ -264,7 +283,7 @@
           </a:lstStyle>
           <a:p>
             <a:r>
-              <a:rPr lang="en-US" smtClean="0"/>
+              <a:rPr lang="en-US"/>
               <a:t>Click to edit Master subtitle style</a:t>
             </a:r>
             <a:endParaRPr lang="es-ES"/>
@@ -289,7 +308,7 @@
             <a:fld id="{AEF9A3C3-09B4-47E4-9F80-45248A623FCA}" type="datetimeFigureOut">
               <a:rPr lang="es-ES" smtClean="0"/>
               <a:pPr/>
-              <a:t>05/10/2018</a:t>
+              <a:t>25/03/2025</a:t>
             </a:fld>
             <a:endParaRPr lang="es-ES"/>
           </a:p>
@@ -332,7 +351,7 @@
             <a:fld id="{D154DFF4-DC7A-43DC-8188-DF55FC7DAC82}" type="slidenum">
               <a:rPr lang="es-ES" smtClean="0"/>
               <a:pPr/>
-              <a:t>‹#›</a:t>
+              <a:t>‹Nº›</a:t>
             </a:fld>
             <a:endParaRPr lang="es-ES"/>
           </a:p>
@@ -379,7 +398,7 @@
           <a:lstStyle/>
           <a:p>
             <a:r>
-              <a:rPr lang="en-US" smtClean="0"/>
+              <a:rPr lang="en-US"/>
               <a:t>Click to edit Master title style</a:t>
             </a:r>
             <a:endParaRPr lang="es-ES"/>
@@ -403,35 +422,35 @@
           <a:p>
             <a:pPr lvl="0"/>
             <a:r>
-              <a:rPr lang="en-US" smtClean="0"/>
+              <a:rPr lang="en-US"/>
               <a:t>Click to edit Master text styles</a:t>
             </a:r>
           </a:p>
           <a:p>
             <a:pPr lvl="1"/>
             <a:r>
-              <a:rPr lang="en-US" smtClean="0"/>
+              <a:rPr lang="en-US"/>
               <a:t>Second level</a:t>
             </a:r>
           </a:p>
           <a:p>
             <a:pPr lvl="2"/>
             <a:r>
-              <a:rPr lang="en-US" smtClean="0"/>
+              <a:rPr lang="en-US"/>
               <a:t>Third level</a:t>
             </a:r>
           </a:p>
           <a:p>
             <a:pPr lvl="3"/>
             <a:r>
-              <a:rPr lang="en-US" smtClean="0"/>
+              <a:rPr lang="en-US"/>
               <a:t>Fourth level</a:t>
             </a:r>
           </a:p>
           <a:p>
             <a:pPr lvl="4"/>
             <a:r>
-              <a:rPr lang="en-US" smtClean="0"/>
+              <a:rPr lang="en-US"/>
               <a:t>Fifth level</a:t>
             </a:r>
             <a:endParaRPr lang="es-ES"/>
@@ -456,7 +475,7 @@
             <a:fld id="{AEF9A3C3-09B4-47E4-9F80-45248A623FCA}" type="datetimeFigureOut">
               <a:rPr lang="es-ES" smtClean="0"/>
               <a:pPr/>
-              <a:t>05/10/2018</a:t>
+              <a:t>25/03/2025</a:t>
             </a:fld>
             <a:endParaRPr lang="es-ES"/>
           </a:p>
@@ -499,7 +518,7 @@
             <a:fld id="{D154DFF4-DC7A-43DC-8188-DF55FC7DAC82}" type="slidenum">
               <a:rPr lang="es-ES" smtClean="0"/>
               <a:pPr/>
-              <a:t>‹#›</a:t>
+              <a:t>‹Nº›</a:t>
             </a:fld>
             <a:endParaRPr lang="es-ES"/>
           </a:p>
@@ -551,7 +570,7 @@
           <a:lstStyle/>
           <a:p>
             <a:r>
-              <a:rPr lang="en-US" smtClean="0"/>
+              <a:rPr lang="en-US"/>
               <a:t>Click to edit Master title style</a:t>
             </a:r>
             <a:endParaRPr lang="es-ES"/>
@@ -580,35 +599,35 @@
           <a:p>
             <a:pPr lvl="0"/>
             <a:r>
-              <a:rPr lang="en-US" smtClean="0"/>
+              <a:rPr lang="en-US"/>
               <a:t>Click to edit Master text styles</a:t>
             </a:r>
           </a:p>
           <a:p>
             <a:pPr lvl="1"/>
             <a:r>
-              <a:rPr lang="en-US" smtClean="0"/>
+              <a:rPr lang="en-US"/>
               <a:t>Second level</a:t>
             </a:r>
           </a:p>
           <a:p>
             <a:pPr lvl="2"/>
             <a:r>
-              <a:rPr lang="en-US" smtClean="0"/>
+              <a:rPr lang="en-US"/>
               <a:t>Third level</a:t>
             </a:r>
           </a:p>
           <a:p>
             <a:pPr lvl="3"/>
             <a:r>
-              <a:rPr lang="en-US" smtClean="0"/>
+              <a:rPr lang="en-US"/>
               <a:t>Fourth level</a:t>
             </a:r>
           </a:p>
           <a:p>
             <a:pPr lvl="4"/>
             <a:r>
-              <a:rPr lang="en-US" smtClean="0"/>
+              <a:rPr lang="en-US"/>
               <a:t>Fifth level</a:t>
             </a:r>
             <a:endParaRPr lang="es-ES"/>
@@ -633,7 +652,7 @@
             <a:fld id="{AEF9A3C3-09B4-47E4-9F80-45248A623FCA}" type="datetimeFigureOut">
               <a:rPr lang="es-ES" smtClean="0"/>
               <a:pPr/>
-              <a:t>05/10/2018</a:t>
+              <a:t>25/03/2025</a:t>
             </a:fld>
             <a:endParaRPr lang="es-ES"/>
           </a:p>
@@ -676,7 +695,7 @@
             <a:fld id="{D154DFF4-DC7A-43DC-8188-DF55FC7DAC82}" type="slidenum">
               <a:rPr lang="es-ES" smtClean="0"/>
               <a:pPr/>
-              <a:t>‹#›</a:t>
+              <a:t>‹Nº›</a:t>
             </a:fld>
             <a:endParaRPr lang="es-ES"/>
           </a:p>
@@ -723,7 +742,7 @@
           <a:lstStyle/>
           <a:p>
             <a:r>
-              <a:rPr lang="en-US" smtClean="0"/>
+              <a:rPr lang="en-US"/>
               <a:t>Click to edit Master title style</a:t>
             </a:r>
             <a:endParaRPr lang="es-ES"/>
@@ -747,35 +766,35 @@
           <a:p>
             <a:pPr lvl="0"/>
             <a:r>
-              <a:rPr lang="en-US" smtClean="0"/>
+              <a:rPr lang="en-US"/>
               <a:t>Click to edit Master text styles</a:t>
             </a:r>
           </a:p>
           <a:p>
             <a:pPr lvl="1"/>
             <a:r>
-              <a:rPr lang="en-US" smtClean="0"/>
+              <a:rPr lang="en-US"/>
               <a:t>Second level</a:t>
             </a:r>
           </a:p>
           <a:p>
             <a:pPr lvl="2"/>
             <a:r>
-              <a:rPr lang="en-US" smtClean="0"/>
+              <a:rPr lang="en-US"/>
               <a:t>Third level</a:t>
             </a:r>
           </a:p>
           <a:p>
             <a:pPr lvl="3"/>
             <a:r>
-              <a:rPr lang="en-US" smtClean="0"/>
+              <a:rPr lang="en-US"/>
               <a:t>Fourth level</a:t>
             </a:r>
           </a:p>
           <a:p>
             <a:pPr lvl="4"/>
             <a:r>
-              <a:rPr lang="en-US" smtClean="0"/>
+              <a:rPr lang="en-US"/>
               <a:t>Fifth level</a:t>
             </a:r>
             <a:endParaRPr lang="es-ES"/>
@@ -800,7 +819,7 @@
             <a:fld id="{AEF9A3C3-09B4-47E4-9F80-45248A623FCA}" type="datetimeFigureOut">
               <a:rPr lang="es-ES" smtClean="0"/>
               <a:pPr/>
-              <a:t>05/10/2018</a:t>
+              <a:t>25/03/2025</a:t>
             </a:fld>
             <a:endParaRPr lang="es-ES"/>
           </a:p>
@@ -843,7 +862,7 @@
             <a:fld id="{D154DFF4-DC7A-43DC-8188-DF55FC7DAC82}" type="slidenum">
               <a:rPr lang="es-ES" smtClean="0"/>
               <a:pPr/>
-              <a:t>‹#›</a:t>
+              <a:t>‹Nº›</a:t>
             </a:fld>
             <a:endParaRPr lang="es-ES"/>
           </a:p>
@@ -899,7 +918,7 @@
           </a:lstStyle>
           <a:p>
             <a:r>
-              <a:rPr lang="en-US" smtClean="0"/>
+              <a:rPr lang="en-US"/>
               <a:t>Click to edit Master title style</a:t>
             </a:r>
             <a:endParaRPr lang="es-ES"/>
@@ -1019,7 +1038,7 @@
           <a:p>
             <a:pPr lvl="0"/>
             <a:r>
-              <a:rPr lang="en-US" smtClean="0"/>
+              <a:rPr lang="en-US"/>
               <a:t>Click to edit Master text styles</a:t>
             </a:r>
           </a:p>
@@ -1043,7 +1062,7 @@
             <a:fld id="{AEF9A3C3-09B4-47E4-9F80-45248A623FCA}" type="datetimeFigureOut">
               <a:rPr lang="es-ES" smtClean="0"/>
               <a:pPr/>
-              <a:t>05/10/2018</a:t>
+              <a:t>25/03/2025</a:t>
             </a:fld>
             <a:endParaRPr lang="es-ES"/>
           </a:p>
@@ -1086,7 +1105,7 @@
             <a:fld id="{D154DFF4-DC7A-43DC-8188-DF55FC7DAC82}" type="slidenum">
               <a:rPr lang="es-ES" smtClean="0"/>
               <a:pPr/>
-              <a:t>‹#›</a:t>
+              <a:t>‹Nº›</a:t>
             </a:fld>
             <a:endParaRPr lang="es-ES"/>
           </a:p>
@@ -1133,7 +1152,7 @@
           <a:lstStyle/>
           <a:p>
             <a:r>
-              <a:rPr lang="en-US" smtClean="0"/>
+              <a:rPr lang="en-US"/>
               <a:t>Click to edit Master title style</a:t>
             </a:r>
             <a:endParaRPr lang="es-ES"/>
@@ -1190,35 +1209,35 @@
           <a:p>
             <a:pPr lvl="0"/>
             <a:r>
-              <a:rPr lang="en-US" smtClean="0"/>
+              <a:rPr lang="en-US"/>
               <a:t>Click to edit Master text styles</a:t>
             </a:r>
           </a:p>
           <a:p>
             <a:pPr lvl="1"/>
             <a:r>
-              <a:rPr lang="en-US" smtClean="0"/>
+              <a:rPr lang="en-US"/>
               <a:t>Second level</a:t>
             </a:r>
           </a:p>
           <a:p>
             <a:pPr lvl="2"/>
             <a:r>
-              <a:rPr lang="en-US" smtClean="0"/>
+              <a:rPr lang="en-US"/>
               <a:t>Third level</a:t>
             </a:r>
           </a:p>
           <a:p>
             <a:pPr lvl="3"/>
             <a:r>
-              <a:rPr lang="en-US" smtClean="0"/>
+              <a:rPr lang="en-US"/>
               <a:t>Fourth level</a:t>
             </a:r>
           </a:p>
           <a:p>
             <a:pPr lvl="4"/>
             <a:r>
-              <a:rPr lang="en-US" smtClean="0"/>
+              <a:rPr lang="en-US"/>
               <a:t>Fifth level</a:t>
             </a:r>
             <a:endParaRPr lang="es-ES"/>
@@ -1275,35 +1294,35 @@
           <a:p>
             <a:pPr lvl="0"/>
             <a:r>
-              <a:rPr lang="en-US" smtClean="0"/>
+              <a:rPr lang="en-US"/>
               <a:t>Click to edit Master text styles</a:t>
             </a:r>
           </a:p>
           <a:p>
             <a:pPr lvl="1"/>
             <a:r>
-              <a:rPr lang="en-US" smtClean="0"/>
+              <a:rPr lang="en-US"/>
               <a:t>Second level</a:t>
             </a:r>
           </a:p>
           <a:p>
             <a:pPr lvl="2"/>
             <a:r>
-              <a:rPr lang="en-US" smtClean="0"/>
+              <a:rPr lang="en-US"/>
               <a:t>Third level</a:t>
             </a:r>
           </a:p>
           <a:p>
             <a:pPr lvl="3"/>
             <a:r>
-              <a:rPr lang="en-US" smtClean="0"/>
+              <a:rPr lang="en-US"/>
               <a:t>Fourth level</a:t>
             </a:r>
           </a:p>
           <a:p>
             <a:pPr lvl="4"/>
             <a:r>
-              <a:rPr lang="en-US" smtClean="0"/>
+              <a:rPr lang="en-US"/>
               <a:t>Fifth level</a:t>
             </a:r>
             <a:endParaRPr lang="es-ES"/>
@@ -1328,7 +1347,7 @@
             <a:fld id="{AEF9A3C3-09B4-47E4-9F80-45248A623FCA}" type="datetimeFigureOut">
               <a:rPr lang="es-ES" smtClean="0"/>
               <a:pPr/>
-              <a:t>05/10/2018</a:t>
+              <a:t>25/03/2025</a:t>
             </a:fld>
             <a:endParaRPr lang="es-ES"/>
           </a:p>
@@ -1371,7 +1390,7 @@
             <a:fld id="{D154DFF4-DC7A-43DC-8188-DF55FC7DAC82}" type="slidenum">
               <a:rPr lang="es-ES" smtClean="0"/>
               <a:pPr/>
-              <a:t>‹#›</a:t>
+              <a:t>‹Nº›</a:t>
             </a:fld>
             <a:endParaRPr lang="es-ES"/>
           </a:p>
@@ -1422,7 +1441,7 @@
           </a:lstStyle>
           <a:p>
             <a:r>
-              <a:rPr lang="en-US" smtClean="0"/>
+              <a:rPr lang="en-US"/>
               <a:t>Click to edit Master title style</a:t>
             </a:r>
             <a:endParaRPr lang="es-ES"/>
@@ -1488,7 +1507,7 @@
           <a:p>
             <a:pPr lvl="0"/>
             <a:r>
-              <a:rPr lang="en-US" smtClean="0"/>
+              <a:rPr lang="en-US"/>
               <a:t>Click to edit Master text styles</a:t>
             </a:r>
           </a:p>
@@ -1544,35 +1563,35 @@
           <a:p>
             <a:pPr lvl="0"/>
             <a:r>
-              <a:rPr lang="en-US" smtClean="0"/>
+              <a:rPr lang="en-US"/>
               <a:t>Click to edit Master text styles</a:t>
             </a:r>
           </a:p>
           <a:p>
             <a:pPr lvl="1"/>
             <a:r>
-              <a:rPr lang="en-US" smtClean="0"/>
+              <a:rPr lang="en-US"/>
               <a:t>Second level</a:t>
             </a:r>
           </a:p>
           <a:p>
             <a:pPr lvl="2"/>
             <a:r>
-              <a:rPr lang="en-US" smtClean="0"/>
+              <a:rPr lang="en-US"/>
               <a:t>Third level</a:t>
             </a:r>
           </a:p>
           <a:p>
             <a:pPr lvl="3"/>
             <a:r>
-              <a:rPr lang="en-US" smtClean="0"/>
+              <a:rPr lang="en-US"/>
               <a:t>Fourth level</a:t>
             </a:r>
           </a:p>
           <a:p>
             <a:pPr lvl="4"/>
             <a:r>
-              <a:rPr lang="en-US" smtClean="0"/>
+              <a:rPr lang="en-US"/>
               <a:t>Fifth level</a:t>
             </a:r>
             <a:endParaRPr lang="es-ES"/>
@@ -1638,7 +1657,7 @@
           <a:p>
             <a:pPr lvl="0"/>
             <a:r>
-              <a:rPr lang="en-US" smtClean="0"/>
+              <a:rPr lang="en-US"/>
               <a:t>Click to edit Master text styles</a:t>
             </a:r>
           </a:p>
@@ -1694,35 +1713,35 @@
           <a:p>
             <a:pPr lvl="0"/>
             <a:r>
-              <a:rPr lang="en-US" smtClean="0"/>
+              <a:rPr lang="en-US"/>
               <a:t>Click to edit Master text styles</a:t>
             </a:r>
           </a:p>
           <a:p>
             <a:pPr lvl="1"/>
             <a:r>
-              <a:rPr lang="en-US" smtClean="0"/>
+              <a:rPr lang="en-US"/>
               <a:t>Second level</a:t>
             </a:r>
           </a:p>
           <a:p>
             <a:pPr lvl="2"/>
             <a:r>
-              <a:rPr lang="en-US" smtClean="0"/>
+              <a:rPr lang="en-US"/>
               <a:t>Third level</a:t>
             </a:r>
           </a:p>
           <a:p>
             <a:pPr lvl="3"/>
             <a:r>
-              <a:rPr lang="en-US" smtClean="0"/>
+              <a:rPr lang="en-US"/>
               <a:t>Fourth level</a:t>
             </a:r>
           </a:p>
           <a:p>
             <a:pPr lvl="4"/>
             <a:r>
-              <a:rPr lang="en-US" smtClean="0"/>
+              <a:rPr lang="en-US"/>
               <a:t>Fifth level</a:t>
             </a:r>
             <a:endParaRPr lang="es-ES"/>
@@ -1747,7 +1766,7 @@
             <a:fld id="{AEF9A3C3-09B4-47E4-9F80-45248A623FCA}" type="datetimeFigureOut">
               <a:rPr lang="es-ES" smtClean="0"/>
               <a:pPr/>
-              <a:t>05/10/2018</a:t>
+              <a:t>25/03/2025</a:t>
             </a:fld>
             <a:endParaRPr lang="es-ES"/>
           </a:p>
@@ -1790,7 +1809,7 @@
             <a:fld id="{D154DFF4-DC7A-43DC-8188-DF55FC7DAC82}" type="slidenum">
               <a:rPr lang="es-ES" smtClean="0"/>
               <a:pPr/>
-              <a:t>‹#›</a:t>
+              <a:t>‹Nº›</a:t>
             </a:fld>
             <a:endParaRPr lang="es-ES"/>
           </a:p>
@@ -1837,7 +1856,7 @@
           <a:lstStyle/>
           <a:p>
             <a:r>
-              <a:rPr lang="en-US" smtClean="0"/>
+              <a:rPr lang="en-US"/>
               <a:t>Click to edit Master title style</a:t>
             </a:r>
             <a:endParaRPr lang="es-ES"/>
@@ -1862,7 +1881,7 @@
             <a:fld id="{AEF9A3C3-09B4-47E4-9F80-45248A623FCA}" type="datetimeFigureOut">
               <a:rPr lang="es-ES" smtClean="0"/>
               <a:pPr/>
-              <a:t>05/10/2018</a:t>
+              <a:t>25/03/2025</a:t>
             </a:fld>
             <a:endParaRPr lang="es-ES"/>
           </a:p>
@@ -1905,7 +1924,7 @@
             <a:fld id="{D154DFF4-DC7A-43DC-8188-DF55FC7DAC82}" type="slidenum">
               <a:rPr lang="es-ES" smtClean="0"/>
               <a:pPr/>
-              <a:t>‹#›</a:t>
+              <a:t>‹Nº›</a:t>
             </a:fld>
             <a:endParaRPr lang="es-ES"/>
           </a:p>
@@ -1954,7 +1973,7 @@
             <a:fld id="{AEF9A3C3-09B4-47E4-9F80-45248A623FCA}" type="datetimeFigureOut">
               <a:rPr lang="es-ES" smtClean="0"/>
               <a:pPr/>
-              <a:t>05/10/2018</a:t>
+              <a:t>25/03/2025</a:t>
             </a:fld>
             <a:endParaRPr lang="es-ES"/>
           </a:p>
@@ -1997,7 +2016,7 @@
             <a:fld id="{D154DFF4-DC7A-43DC-8188-DF55FC7DAC82}" type="slidenum">
               <a:rPr lang="es-ES" smtClean="0"/>
               <a:pPr/>
-              <a:t>‹#›</a:t>
+              <a:t>‹Nº›</a:t>
             </a:fld>
             <a:endParaRPr lang="es-ES"/>
           </a:p>
@@ -2053,7 +2072,7 @@
           </a:lstStyle>
           <a:p>
             <a:r>
-              <a:rPr lang="en-US" smtClean="0"/>
+              <a:rPr lang="en-US"/>
               <a:t>Click to edit Master title style</a:t>
             </a:r>
             <a:endParaRPr lang="es-ES"/>
@@ -2110,35 +2129,35 @@
           <a:p>
             <a:pPr lvl="0"/>
             <a:r>
-              <a:rPr lang="en-US" smtClean="0"/>
+              <a:rPr lang="en-US"/>
               <a:t>Click to edit Master text styles</a:t>
             </a:r>
           </a:p>
           <a:p>
             <a:pPr lvl="1"/>
             <a:r>
-              <a:rPr lang="en-US" smtClean="0"/>
+              <a:rPr lang="en-US"/>
               <a:t>Second level</a:t>
             </a:r>
           </a:p>
           <a:p>
             <a:pPr lvl="2"/>
             <a:r>
-              <a:rPr lang="en-US" smtClean="0"/>
+              <a:rPr lang="en-US"/>
               <a:t>Third level</a:t>
             </a:r>
           </a:p>
           <a:p>
             <a:pPr lvl="3"/>
             <a:r>
-              <a:rPr lang="en-US" smtClean="0"/>
+              <a:rPr lang="en-US"/>
               <a:t>Fourth level</a:t>
             </a:r>
           </a:p>
           <a:p>
             <a:pPr lvl="4"/>
             <a:r>
-              <a:rPr lang="en-US" smtClean="0"/>
+              <a:rPr lang="en-US"/>
               <a:t>Fifth level</a:t>
             </a:r>
             <a:endParaRPr lang="es-ES"/>
@@ -2204,7 +2223,7 @@
           <a:p>
             <a:pPr lvl="0"/>
             <a:r>
-              <a:rPr lang="en-US" smtClean="0"/>
+              <a:rPr lang="en-US"/>
               <a:t>Click to edit Master text styles</a:t>
             </a:r>
           </a:p>
@@ -2228,7 +2247,7 @@
             <a:fld id="{AEF9A3C3-09B4-47E4-9F80-45248A623FCA}" type="datetimeFigureOut">
               <a:rPr lang="es-ES" smtClean="0"/>
               <a:pPr/>
-              <a:t>05/10/2018</a:t>
+              <a:t>25/03/2025</a:t>
             </a:fld>
             <a:endParaRPr lang="es-ES"/>
           </a:p>
@@ -2271,7 +2290,7 @@
             <a:fld id="{D154DFF4-DC7A-43DC-8188-DF55FC7DAC82}" type="slidenum">
               <a:rPr lang="es-ES" smtClean="0"/>
               <a:pPr/>
-              <a:t>‹#›</a:t>
+              <a:t>‹Nº›</a:t>
             </a:fld>
             <a:endParaRPr lang="es-ES"/>
           </a:p>
@@ -2327,7 +2346,7 @@
           </a:lstStyle>
           <a:p>
             <a:r>
-              <a:rPr lang="en-US" smtClean="0"/>
+              <a:rPr lang="en-US"/>
               <a:t>Click to edit Master title style</a:t>
             </a:r>
             <a:endParaRPr lang="es-ES"/>
@@ -2454,7 +2473,7 @@
           <a:p>
             <a:pPr lvl="0"/>
             <a:r>
-              <a:rPr lang="en-US" smtClean="0"/>
+              <a:rPr lang="en-US"/>
               <a:t>Click to edit Master text styles</a:t>
             </a:r>
           </a:p>
@@ -2478,7 +2497,7 @@
             <a:fld id="{AEF9A3C3-09B4-47E4-9F80-45248A623FCA}" type="datetimeFigureOut">
               <a:rPr lang="es-ES" smtClean="0"/>
               <a:pPr/>
-              <a:t>05/10/2018</a:t>
+              <a:t>25/03/2025</a:t>
             </a:fld>
             <a:endParaRPr lang="es-ES"/>
           </a:p>
@@ -2521,7 +2540,7 @@
             <a:fld id="{D154DFF4-DC7A-43DC-8188-DF55FC7DAC82}" type="slidenum">
               <a:rPr lang="es-ES" smtClean="0"/>
               <a:pPr/>
-              <a:t>‹#›</a:t>
+              <a:t>‹Nº›</a:t>
             </a:fld>
             <a:endParaRPr lang="es-ES"/>
           </a:p>
@@ -2583,7 +2602,7 @@
           <a:lstStyle/>
           <a:p>
             <a:r>
-              <a:rPr lang="en-US" smtClean="0"/>
+              <a:rPr lang="en-US"/>
               <a:t>Click to edit Master title style</a:t>
             </a:r>
             <a:endParaRPr lang="es-ES"/>
@@ -2617,35 +2636,35 @@
           <a:p>
             <a:pPr lvl="0"/>
             <a:r>
-              <a:rPr lang="en-US" smtClean="0"/>
+              <a:rPr lang="en-US"/>
               <a:t>Click to edit Master text styles</a:t>
             </a:r>
           </a:p>
           <a:p>
             <a:pPr lvl="1"/>
             <a:r>
-              <a:rPr lang="en-US" smtClean="0"/>
+              <a:rPr lang="en-US"/>
               <a:t>Second level</a:t>
             </a:r>
           </a:p>
           <a:p>
             <a:pPr lvl="2"/>
             <a:r>
-              <a:rPr lang="en-US" smtClean="0"/>
+              <a:rPr lang="en-US"/>
               <a:t>Third level</a:t>
             </a:r>
           </a:p>
           <a:p>
             <a:pPr lvl="3"/>
             <a:r>
-              <a:rPr lang="en-US" smtClean="0"/>
+              <a:rPr lang="en-US"/>
               <a:t>Fourth level</a:t>
             </a:r>
           </a:p>
           <a:p>
             <a:pPr lvl="4"/>
             <a:r>
-              <a:rPr lang="en-US" smtClean="0"/>
+              <a:rPr lang="en-US"/>
               <a:t>Fifth level</a:t>
             </a:r>
             <a:endParaRPr lang="es-ES"/>
@@ -2688,7 +2707,7 @@
             <a:fld id="{AEF9A3C3-09B4-47E4-9F80-45248A623FCA}" type="datetimeFigureOut">
               <a:rPr lang="es-ES" smtClean="0"/>
               <a:pPr/>
-              <a:t>05/10/2018</a:t>
+              <a:t>25/03/2025</a:t>
             </a:fld>
             <a:endParaRPr lang="es-ES"/>
           </a:p>
@@ -2767,7 +2786,7 @@
             <a:fld id="{D154DFF4-DC7A-43DC-8188-DF55FC7DAC82}" type="slidenum">
               <a:rPr lang="es-ES" smtClean="0"/>
               <a:pPr/>
-              <a:t>‹#›</a:t>
+              <a:t>‹Nº›</a:t>
             </a:fld>
             <a:endParaRPr lang="es-ES"/>
           </a:p>
@@ -3132,7 +3151,7 @@
               <a:p>
                 <a:pPr algn="ctr"/>
                 <a:r>
-                  <a:rPr lang="es-ES" sz="1600" dirty="0" err="1" smtClean="0">
+                  <a:rPr lang="es-ES" sz="1600" dirty="0" err="1">
                     <a:solidFill>
                       <a:schemeClr val="tx1"/>
                     </a:solidFill>
@@ -3227,10 +3246,10 @@
             <a:lstStyle/>
             <a:p>
               <a:r>
-                <a:rPr lang="es-ES" sz="2400" dirty="0" smtClean="0"/>
+                <a:rPr lang="es-ES" sz="2400" dirty="0"/>
                 <a:t>52.142857142857146</a:t>
               </a:r>
-              <a:endParaRPr lang="en-US" sz="2200" dirty="0" smtClean="0">
+              <a:endParaRPr lang="en-US" sz="2200" dirty="0">
                 <a:solidFill>
                   <a:srgbClr val="000000"/>
                 </a:solidFill>
@@ -3307,7 +3326,7 @@
             <a:lstStyle/>
             <a:p>
               <a:r>
-                <a:rPr lang="en-US" sz="2200" dirty="0" smtClean="0">
+                <a:rPr lang="en-US" sz="2200" dirty="0">
                   <a:solidFill>
                     <a:srgbClr val="000000"/>
                   </a:solidFill>
@@ -3355,11 +3374,6 @@
                 </a:rPr>
                 <a:t>7</a:t>
               </a:r>
-              <a:endParaRPr lang="en-US" sz="2200" dirty="0" smtClean="0">
-                <a:solidFill>
-                  <a:srgbClr val="000000"/>
-                </a:solidFill>
-              </a:endParaRPr>
             </a:p>
           </p:txBody>
         </p:sp>
@@ -3423,18 +3437,13 @@
               <a:lstStyle/>
               <a:p>
                 <a:r>
-                  <a:rPr lang="en-US" sz="2200" dirty="0" smtClean="0">
+                  <a:rPr lang="en-US" sz="2200" dirty="0">
                     <a:solidFill>
                       <a:srgbClr val="000000"/>
                     </a:solidFill>
                   </a:rPr>
                   <a:t>1234</a:t>
                 </a:r>
-                <a:endParaRPr lang="en-US" sz="2200" dirty="0" smtClean="0">
-                  <a:solidFill>
-                    <a:srgbClr val="000000"/>
-                  </a:solidFill>
-                </a:endParaRPr>
               </a:p>
             </p:txBody>
           </p:sp>
@@ -3461,10 +3470,9 @@
               <a:p>
                 <a:pPr algn="ctr"/>
                 <a:r>
-                  <a:rPr lang="es-ES" dirty="0" smtClean="0"/>
+                  <a:rPr lang="es-ES" dirty="0"/>
                   <a:t>a</a:t>
                 </a:r>
-                <a:endParaRPr lang="es-ES" dirty="0"/>
               </a:p>
             </p:txBody>
           </p:sp>
@@ -3499,18 +3507,13 @@
               <a:lstStyle/>
               <a:p>
                 <a:r>
-                  <a:rPr lang="en-US" sz="2200" dirty="0" smtClean="0">
+                  <a:rPr lang="en-US" sz="2200" dirty="0">
                     <a:solidFill>
                       <a:srgbClr val="000000"/>
                     </a:solidFill>
                   </a:rPr>
                   <a:t>1234</a:t>
                 </a:r>
-                <a:endParaRPr lang="en-US" sz="2200" dirty="0" smtClean="0">
-                  <a:solidFill>
-                    <a:srgbClr val="000000"/>
-                  </a:solidFill>
-                </a:endParaRPr>
               </a:p>
             </p:txBody>
           </p:sp>
@@ -3537,10 +3540,9 @@
               <a:p>
                 <a:pPr algn="ctr"/>
                 <a:r>
-                  <a:rPr lang="es-ES" dirty="0" smtClean="0"/>
+                  <a:rPr lang="es-ES" dirty="0"/>
                   <a:t>b</a:t>
                 </a:r>
-                <a:endParaRPr lang="es-ES" dirty="0"/>
               </a:p>
             </p:txBody>
           </p:sp>
@@ -3618,18 +3620,13 @@
                 <a:p>
                   <a:pPr algn="ctr"/>
                   <a:r>
-                    <a:rPr lang="es-ES" sz="1600" dirty="0" smtClean="0">
+                    <a:rPr lang="es-ES" sz="1600" dirty="0">
                       <a:solidFill>
                         <a:schemeClr val="tx1"/>
                       </a:solidFill>
                     </a:rPr>
                     <a:t>a</a:t>
                   </a:r>
-                  <a:endParaRPr lang="es-ES" sz="1600" dirty="0">
-                    <a:solidFill>
-                      <a:schemeClr val="tx1"/>
-                    </a:solidFill>
-                  </a:endParaRPr>
                 </a:p>
               </p:txBody>
             </p:sp>
@@ -3713,10 +3710,10 @@
               <a:lstStyle/>
               <a:p>
                 <a:r>
-                  <a:rPr lang="es-ES" sz="2400" dirty="0" smtClean="0"/>
+                  <a:rPr lang="es-ES" sz="2400" dirty="0"/>
                   <a:t>1234</a:t>
                 </a:r>
-                <a:endParaRPr lang="en-US" sz="2200" dirty="0" smtClean="0">
+                <a:endParaRPr lang="en-US" sz="2200" dirty="0">
                   <a:solidFill>
                     <a:srgbClr val="000000"/>
                   </a:solidFill>
@@ -3821,18 +3818,13 @@
                 <a:p>
                   <a:pPr algn="ctr"/>
                   <a:r>
-                    <a:rPr lang="es-ES" sz="1600" dirty="0" smtClean="0">
+                    <a:rPr lang="es-ES" sz="1600" dirty="0">
                       <a:solidFill>
                         <a:schemeClr val="tx1"/>
                       </a:solidFill>
                     </a:rPr>
                     <a:t>b</a:t>
                   </a:r>
-                  <a:endParaRPr lang="es-ES" sz="1600" dirty="0">
-                    <a:solidFill>
-                      <a:schemeClr val="tx1"/>
-                    </a:solidFill>
-                  </a:endParaRPr>
                 </a:p>
               </p:txBody>
             </p:sp>
@@ -4063,18 +4055,13 @@
               <a:lstStyle/>
               <a:p>
                 <a:r>
-                  <a:rPr lang="en-US" sz="2200" dirty="0" smtClean="0">
+                  <a:rPr lang="en-US" sz="2200" dirty="0">
                     <a:solidFill>
                       <a:schemeClr val="accent6"/>
                     </a:solidFill>
                   </a:rPr>
                   <a:t>1234</a:t>
                 </a:r>
-                <a:endParaRPr lang="en-US" sz="2200" dirty="0" smtClean="0">
-                  <a:solidFill>
-                    <a:schemeClr val="accent6"/>
-                  </a:solidFill>
-                </a:endParaRPr>
               </a:p>
             </p:txBody>
           </p:sp>
@@ -4101,10 +4088,9 @@
               <a:p>
                 <a:pPr algn="ctr"/>
                 <a:r>
-                  <a:rPr lang="es-ES" dirty="0" smtClean="0"/>
+                  <a:rPr lang="es-ES" dirty="0"/>
                   <a:t>a</a:t>
                 </a:r>
-                <a:endParaRPr lang="es-ES" dirty="0"/>
               </a:p>
             </p:txBody>
           </p:sp>
@@ -4139,18 +4125,13 @@
               <a:lstStyle/>
               <a:p>
                 <a:r>
-                  <a:rPr lang="en-US" sz="2200" dirty="0" smtClean="0">
+                  <a:rPr lang="en-US" sz="2200" dirty="0">
                     <a:solidFill>
                       <a:srgbClr val="000000"/>
                     </a:solidFill>
                   </a:rPr>
                   <a:t>1234</a:t>
                 </a:r>
-                <a:endParaRPr lang="en-US" sz="2200" dirty="0" smtClean="0">
-                  <a:solidFill>
-                    <a:srgbClr val="000000"/>
-                  </a:solidFill>
-                </a:endParaRPr>
               </a:p>
             </p:txBody>
           </p:sp>
@@ -4177,10 +4158,9 @@
               <a:p>
                 <a:pPr algn="ctr"/>
                 <a:r>
-                  <a:rPr lang="es-ES" dirty="0" smtClean="0"/>
+                  <a:rPr lang="es-ES" dirty="0"/>
                   <a:t>b</a:t>
                 </a:r>
-                <a:endParaRPr lang="es-ES" dirty="0"/>
               </a:p>
             </p:txBody>
           </p:sp>
@@ -4258,18 +4238,13 @@
                 <a:p>
                   <a:pPr algn="ctr"/>
                   <a:r>
-                    <a:rPr lang="es-ES" sz="1600" dirty="0" smtClean="0">
+                    <a:rPr lang="es-ES" sz="1600" dirty="0">
                       <a:solidFill>
                         <a:schemeClr val="tx1"/>
                       </a:solidFill>
                     </a:rPr>
                     <a:t>a</a:t>
                   </a:r>
-                  <a:endParaRPr lang="es-ES" sz="1600" dirty="0">
-                    <a:solidFill>
-                      <a:schemeClr val="tx1"/>
-                    </a:solidFill>
-                  </a:endParaRPr>
                 </a:p>
               </p:txBody>
             </p:sp>
@@ -4353,14 +4328,14 @@
               <a:lstStyle/>
               <a:p>
                 <a:r>
-                  <a:rPr lang="es-ES" sz="2400" dirty="0" smtClean="0">
+                  <a:rPr lang="es-ES" sz="2400" dirty="0">
                     <a:solidFill>
                       <a:schemeClr val="accent6"/>
                     </a:solidFill>
                   </a:rPr>
                   <a:t>1234</a:t>
                 </a:r>
-                <a:endParaRPr lang="en-US" sz="2200" dirty="0" smtClean="0">
+                <a:endParaRPr lang="en-US" sz="2200" dirty="0">
                   <a:solidFill>
                     <a:schemeClr val="accent6"/>
                   </a:solidFill>
@@ -4465,18 +4440,13 @@
                 <a:p>
                   <a:pPr algn="ctr"/>
                   <a:r>
-                    <a:rPr lang="es-ES" sz="1600" dirty="0" smtClean="0">
+                    <a:rPr lang="es-ES" sz="1600" dirty="0">
                       <a:solidFill>
                         <a:schemeClr val="tx1"/>
                       </a:solidFill>
                     </a:rPr>
                     <a:t>b</a:t>
                   </a:r>
-                  <a:endParaRPr lang="es-ES" sz="1600" dirty="0">
-                    <a:solidFill>
-                      <a:schemeClr val="tx1"/>
-                    </a:solidFill>
-                  </a:endParaRPr>
                 </a:p>
               </p:txBody>
             </p:sp>
@@ -4656,6 +4626,6960 @@
 </p:sld>
 </file>
 
+<file path=ppt/slides/slide2.xml><?xml version="1.0" encoding="utf-8"?>
+<p:sld xmlns:a="http://schemas.openxmlformats.org/drawingml/2006/main" xmlns:r="http://schemas.openxmlformats.org/officeDocument/2006/relationships" xmlns:p="http://schemas.openxmlformats.org/presentationml/2006/main">
+  <p:cSld>
+    <p:spTree>
+      <p:nvGrpSpPr>
+        <p:cNvPr id="1" name=""/>
+        <p:cNvGrpSpPr/>
+        <p:nvPr/>
+      </p:nvGrpSpPr>
+      <p:grpSpPr>
+        <a:xfrm>
+          <a:off x="0" y="0"/>
+          <a:ext cx="0" cy="0"/>
+          <a:chOff x="0" y="0"/>
+          <a:chExt cx="0" cy="0"/>
+        </a:xfrm>
+      </p:grpSpPr>
+      <p:sp>
+        <p:nvSpPr>
+          <p:cNvPr id="4" name="Rectángulo 3">
+            <a:extLst>
+              <a:ext uri="{FF2B5EF4-FFF2-40B4-BE49-F238E27FC236}">
+                <a16:creationId xmlns:a16="http://schemas.microsoft.com/office/drawing/2014/main" id="{B2E53CC5-3BA9-035C-19B6-37672C616C36}"/>
+              </a:ext>
+            </a:extLst>
+          </p:cNvPr>
+          <p:cNvSpPr/>
+          <p:nvPr/>
+        </p:nvSpPr>
+        <p:spPr>
+          <a:xfrm>
+            <a:off x="906011" y="1103152"/>
+            <a:ext cx="1119930" cy="348143"/>
+          </a:xfrm>
+          <a:prstGeom prst="rect">
+            <a:avLst/>
+          </a:prstGeom>
+          <a:solidFill>
+            <a:srgbClr val="00B050"/>
+          </a:solidFill>
+        </p:spPr>
+        <p:style>
+          <a:lnRef idx="2">
+            <a:schemeClr val="accent1">
+              <a:shade val="15000"/>
+            </a:schemeClr>
+          </a:lnRef>
+          <a:fillRef idx="1">
+            <a:schemeClr val="accent1"/>
+          </a:fillRef>
+          <a:effectRef idx="0">
+            <a:schemeClr val="accent1"/>
+          </a:effectRef>
+          <a:fontRef idx="minor">
+            <a:schemeClr val="lt1"/>
+          </a:fontRef>
+        </p:style>
+        <p:txBody>
+          <a:bodyPr rtlCol="0" anchor="ctr"/>
+          <a:lstStyle/>
+          <a:p>
+            <a:pPr algn="ctr"/>
+            <a:r>
+              <a:rPr lang="es-ES" dirty="0"/>
+              <a:t>Ane</a:t>
+            </a:r>
+          </a:p>
+        </p:txBody>
+      </p:sp>
+      <p:sp>
+        <p:nvSpPr>
+          <p:cNvPr id="5" name="Rectángulo 4">
+            <a:extLst>
+              <a:ext uri="{FF2B5EF4-FFF2-40B4-BE49-F238E27FC236}">
+                <a16:creationId xmlns:a16="http://schemas.microsoft.com/office/drawing/2014/main" id="{D087A9BD-C846-A20D-1AC5-14A1F44566F8}"/>
+              </a:ext>
+            </a:extLst>
+          </p:cNvPr>
+          <p:cNvSpPr/>
+          <p:nvPr/>
+        </p:nvSpPr>
+        <p:spPr>
+          <a:xfrm>
+            <a:off x="906011" y="1658223"/>
+            <a:ext cx="1119930" cy="348143"/>
+          </a:xfrm>
+          <a:prstGeom prst="rect">
+            <a:avLst/>
+          </a:prstGeom>
+          <a:solidFill>
+            <a:srgbClr val="00B050"/>
+          </a:solidFill>
+        </p:spPr>
+        <p:style>
+          <a:lnRef idx="2">
+            <a:schemeClr val="accent1">
+              <a:shade val="15000"/>
+            </a:schemeClr>
+          </a:lnRef>
+          <a:fillRef idx="1">
+            <a:schemeClr val="accent1"/>
+          </a:fillRef>
+          <a:effectRef idx="0">
+            <a:schemeClr val="accent1"/>
+          </a:effectRef>
+          <a:fontRef idx="minor">
+            <a:schemeClr val="lt1"/>
+          </a:fontRef>
+        </p:style>
+        <p:txBody>
+          <a:bodyPr rtlCol="0" anchor="ctr"/>
+          <a:lstStyle/>
+          <a:p>
+            <a:pPr algn="ctr"/>
+            <a:r>
+              <a:rPr lang="es-ES" dirty="0"/>
+              <a:t>Jon</a:t>
+            </a:r>
+          </a:p>
+        </p:txBody>
+      </p:sp>
+      <p:sp>
+        <p:nvSpPr>
+          <p:cNvPr id="6" name="Rectángulo 5">
+            <a:extLst>
+              <a:ext uri="{FF2B5EF4-FFF2-40B4-BE49-F238E27FC236}">
+                <a16:creationId xmlns:a16="http://schemas.microsoft.com/office/drawing/2014/main" id="{679F98D5-AE39-12E5-D03F-96E7A20849AE}"/>
+              </a:ext>
+            </a:extLst>
+          </p:cNvPr>
+          <p:cNvSpPr/>
+          <p:nvPr/>
+        </p:nvSpPr>
+        <p:spPr>
+          <a:xfrm>
+            <a:off x="878747" y="2213294"/>
+            <a:ext cx="1119930" cy="348143"/>
+          </a:xfrm>
+          <a:prstGeom prst="rect">
+            <a:avLst/>
+          </a:prstGeom>
+          <a:solidFill>
+            <a:srgbClr val="00B050"/>
+          </a:solidFill>
+        </p:spPr>
+        <p:style>
+          <a:lnRef idx="2">
+            <a:schemeClr val="accent1">
+              <a:shade val="15000"/>
+            </a:schemeClr>
+          </a:lnRef>
+          <a:fillRef idx="1">
+            <a:schemeClr val="accent1"/>
+          </a:fillRef>
+          <a:effectRef idx="0">
+            <a:schemeClr val="accent1"/>
+          </a:effectRef>
+          <a:fontRef idx="minor">
+            <a:schemeClr val="lt1"/>
+          </a:fontRef>
+        </p:style>
+        <p:txBody>
+          <a:bodyPr rtlCol="0" anchor="ctr"/>
+          <a:lstStyle/>
+          <a:p>
+            <a:pPr algn="ctr"/>
+            <a:r>
+              <a:rPr lang="es-ES" dirty="0"/>
+              <a:t>Miren</a:t>
+            </a:r>
+          </a:p>
+        </p:txBody>
+      </p:sp>
+      <p:sp>
+        <p:nvSpPr>
+          <p:cNvPr id="7" name="Rectángulo 6">
+            <a:extLst>
+              <a:ext uri="{FF2B5EF4-FFF2-40B4-BE49-F238E27FC236}">
+                <a16:creationId xmlns:a16="http://schemas.microsoft.com/office/drawing/2014/main" id="{5B47CFB0-096E-FB57-FB65-06A9103E061D}"/>
+              </a:ext>
+            </a:extLst>
+          </p:cNvPr>
+          <p:cNvSpPr/>
+          <p:nvPr/>
+        </p:nvSpPr>
+        <p:spPr>
+          <a:xfrm>
+            <a:off x="878747" y="2768365"/>
+            <a:ext cx="1119930" cy="348143"/>
+          </a:xfrm>
+          <a:prstGeom prst="rect">
+            <a:avLst/>
+          </a:prstGeom>
+          <a:solidFill>
+            <a:srgbClr val="00B050"/>
+          </a:solidFill>
+        </p:spPr>
+        <p:style>
+          <a:lnRef idx="2">
+            <a:schemeClr val="accent1">
+              <a:shade val="15000"/>
+            </a:schemeClr>
+          </a:lnRef>
+          <a:fillRef idx="1">
+            <a:schemeClr val="accent1"/>
+          </a:fillRef>
+          <a:effectRef idx="0">
+            <a:schemeClr val="accent1"/>
+          </a:effectRef>
+          <a:fontRef idx="minor">
+            <a:schemeClr val="lt1"/>
+          </a:fontRef>
+        </p:style>
+        <p:txBody>
+          <a:bodyPr rtlCol="0" anchor="ctr"/>
+          <a:lstStyle/>
+          <a:p>
+            <a:pPr algn="ctr"/>
+            <a:r>
+              <a:rPr lang="es-ES" dirty="0"/>
+              <a:t>Asier</a:t>
+            </a:r>
+          </a:p>
+        </p:txBody>
+      </p:sp>
+      <p:sp>
+        <p:nvSpPr>
+          <p:cNvPr id="8" name="Rectángulo 7">
+            <a:extLst>
+              <a:ext uri="{FF2B5EF4-FFF2-40B4-BE49-F238E27FC236}">
+                <a16:creationId xmlns:a16="http://schemas.microsoft.com/office/drawing/2014/main" id="{E53112ED-1393-807B-4BF6-64867079E4C4}"/>
+              </a:ext>
+            </a:extLst>
+          </p:cNvPr>
+          <p:cNvSpPr/>
+          <p:nvPr/>
+        </p:nvSpPr>
+        <p:spPr>
+          <a:xfrm>
+            <a:off x="878747" y="3323436"/>
+            <a:ext cx="1119930" cy="348143"/>
+          </a:xfrm>
+          <a:prstGeom prst="rect">
+            <a:avLst/>
+          </a:prstGeom>
+          <a:solidFill>
+            <a:srgbClr val="00B050"/>
+          </a:solidFill>
+        </p:spPr>
+        <p:style>
+          <a:lnRef idx="2">
+            <a:schemeClr val="accent1">
+              <a:shade val="15000"/>
+            </a:schemeClr>
+          </a:lnRef>
+          <a:fillRef idx="1">
+            <a:schemeClr val="accent1"/>
+          </a:fillRef>
+          <a:effectRef idx="0">
+            <a:schemeClr val="accent1"/>
+          </a:effectRef>
+          <a:fontRef idx="minor">
+            <a:schemeClr val="lt1"/>
+          </a:fontRef>
+        </p:style>
+        <p:txBody>
+          <a:bodyPr rtlCol="0" anchor="ctr"/>
+          <a:lstStyle/>
+          <a:p>
+            <a:pPr algn="ctr"/>
+            <a:r>
+              <a:rPr lang="es-ES" dirty="0"/>
+              <a:t>Nora</a:t>
+            </a:r>
+          </a:p>
+        </p:txBody>
+      </p:sp>
+      <p:sp>
+        <p:nvSpPr>
+          <p:cNvPr id="9" name="CuadroTexto 8">
+            <a:extLst>
+              <a:ext uri="{FF2B5EF4-FFF2-40B4-BE49-F238E27FC236}">
+                <a16:creationId xmlns:a16="http://schemas.microsoft.com/office/drawing/2014/main" id="{304F8208-6DAD-C122-F794-EB011365F1DD}"/>
+              </a:ext>
+            </a:extLst>
+          </p:cNvPr>
+          <p:cNvSpPr txBox="1"/>
+          <p:nvPr/>
+        </p:nvSpPr>
+        <p:spPr>
+          <a:xfrm>
+            <a:off x="846799" y="529391"/>
+            <a:ext cx="1301447" cy="369332"/>
+          </a:xfrm>
+          <a:prstGeom prst="rect">
+            <a:avLst/>
+          </a:prstGeom>
+          <a:noFill/>
+        </p:spPr>
+        <p:txBody>
+          <a:bodyPr wrap="none" rtlCol="0">
+            <a:spAutoFit/>
+          </a:bodyPr>
+          <a:lstStyle/>
+          <a:p>
+            <a:pPr algn="ctr"/>
+            <a:r>
+              <a:rPr lang="es-ES" dirty="0" err="1"/>
+              <a:t>elementuak</a:t>
+            </a:r>
+            <a:endParaRPr lang="es-ES" dirty="0"/>
+          </a:p>
+        </p:txBody>
+      </p:sp>
+      <p:sp>
+        <p:nvSpPr>
+          <p:cNvPr id="10" name="CuadroTexto 9">
+            <a:extLst>
+              <a:ext uri="{FF2B5EF4-FFF2-40B4-BE49-F238E27FC236}">
+                <a16:creationId xmlns:a16="http://schemas.microsoft.com/office/drawing/2014/main" id="{5EEC40AE-FF88-E9B1-C4DB-EDA71C2EFA09}"/>
+              </a:ext>
+            </a:extLst>
+          </p:cNvPr>
+          <p:cNvSpPr txBox="1"/>
+          <p:nvPr/>
+        </p:nvSpPr>
+        <p:spPr>
+          <a:xfrm>
+            <a:off x="2789773" y="390892"/>
+            <a:ext cx="950388" cy="646331"/>
+          </a:xfrm>
+          <a:prstGeom prst="rect">
+            <a:avLst/>
+          </a:prstGeom>
+          <a:noFill/>
+        </p:spPr>
+        <p:txBody>
+          <a:bodyPr wrap="none" rtlCol="0">
+            <a:spAutoFit/>
+          </a:bodyPr>
+          <a:lstStyle/>
+          <a:p>
+            <a:pPr algn="ctr"/>
+            <a:r>
+              <a:rPr lang="es-ES" dirty="0"/>
+              <a:t>hash</a:t>
+            </a:r>
+          </a:p>
+          <a:p>
+            <a:pPr algn="ctr"/>
+            <a:r>
+              <a:rPr lang="es-ES" dirty="0" err="1"/>
+              <a:t>funtzioa</a:t>
+            </a:r>
+            <a:endParaRPr lang="es-ES" dirty="0"/>
+          </a:p>
+        </p:txBody>
+      </p:sp>
+      <p:sp>
+        <p:nvSpPr>
+          <p:cNvPr id="11" name="Rectángulo 10">
+            <a:extLst>
+              <a:ext uri="{FF2B5EF4-FFF2-40B4-BE49-F238E27FC236}">
+                <a16:creationId xmlns:a16="http://schemas.microsoft.com/office/drawing/2014/main" id="{564B71F7-EFA7-C22C-EBD2-E56680C4FA44}"/>
+              </a:ext>
+            </a:extLst>
+          </p:cNvPr>
+          <p:cNvSpPr/>
+          <p:nvPr/>
+        </p:nvSpPr>
+        <p:spPr>
+          <a:xfrm>
+            <a:off x="2410691" y="1045318"/>
+            <a:ext cx="1579418" cy="2790412"/>
+          </a:xfrm>
+          <a:prstGeom prst="rect">
+            <a:avLst/>
+          </a:prstGeom>
+          <a:solidFill>
+            <a:schemeClr val="accent4">
+              <a:lumMod val="20000"/>
+              <a:lumOff val="80000"/>
+            </a:schemeClr>
+          </a:solidFill>
+          <a:ln>
+            <a:noFill/>
+          </a:ln>
+        </p:spPr>
+        <p:style>
+          <a:lnRef idx="2">
+            <a:schemeClr val="accent1">
+              <a:shade val="15000"/>
+            </a:schemeClr>
+          </a:lnRef>
+          <a:fillRef idx="1">
+            <a:schemeClr val="accent1"/>
+          </a:fillRef>
+          <a:effectRef idx="0">
+            <a:schemeClr val="accent1"/>
+          </a:effectRef>
+          <a:fontRef idx="minor">
+            <a:schemeClr val="lt1"/>
+          </a:fontRef>
+        </p:style>
+        <p:txBody>
+          <a:bodyPr rtlCol="0" anchor="ctr"/>
+          <a:lstStyle/>
+          <a:p>
+            <a:pPr algn="ctr"/>
+            <a:endParaRPr lang="es-ES"/>
+          </a:p>
+        </p:txBody>
+      </p:sp>
+      <p:sp>
+        <p:nvSpPr>
+          <p:cNvPr id="12" name="Rectángulo 11">
+            <a:extLst>
+              <a:ext uri="{FF2B5EF4-FFF2-40B4-BE49-F238E27FC236}">
+                <a16:creationId xmlns:a16="http://schemas.microsoft.com/office/drawing/2014/main" id="{70DF2580-5B45-10D8-0D71-547E25D1BC73}"/>
+              </a:ext>
+            </a:extLst>
+          </p:cNvPr>
+          <p:cNvSpPr/>
+          <p:nvPr/>
+        </p:nvSpPr>
+        <p:spPr>
+          <a:xfrm>
+            <a:off x="4300375" y="1176330"/>
+            <a:ext cx="271625" cy="233976"/>
+          </a:xfrm>
+          <a:prstGeom prst="rect">
+            <a:avLst/>
+          </a:prstGeom>
+          <a:solidFill>
+            <a:schemeClr val="bg1"/>
+          </a:solidFill>
+        </p:spPr>
+        <p:style>
+          <a:lnRef idx="2">
+            <a:schemeClr val="accent1">
+              <a:shade val="15000"/>
+            </a:schemeClr>
+          </a:lnRef>
+          <a:fillRef idx="1">
+            <a:schemeClr val="accent1"/>
+          </a:fillRef>
+          <a:effectRef idx="0">
+            <a:schemeClr val="accent1"/>
+          </a:effectRef>
+          <a:fontRef idx="minor">
+            <a:schemeClr val="lt1"/>
+          </a:fontRef>
+        </p:style>
+        <p:txBody>
+          <a:bodyPr lIns="0" tIns="0" rIns="0" bIns="0" rtlCol="0" anchor="ctr"/>
+          <a:lstStyle/>
+          <a:p>
+            <a:pPr algn="ctr"/>
+            <a:r>
+              <a:rPr lang="es-ES" sz="1000" dirty="0">
+                <a:solidFill>
+                  <a:schemeClr val="tx1"/>
+                </a:solidFill>
+              </a:rPr>
+              <a:t>0</a:t>
+            </a:r>
+          </a:p>
+        </p:txBody>
+      </p:sp>
+      <p:sp>
+        <p:nvSpPr>
+          <p:cNvPr id="13" name="Rectángulo 12">
+            <a:extLst>
+              <a:ext uri="{FF2B5EF4-FFF2-40B4-BE49-F238E27FC236}">
+                <a16:creationId xmlns:a16="http://schemas.microsoft.com/office/drawing/2014/main" id="{9D93B133-F380-4706-F7F7-BD2C6333DCDD}"/>
+              </a:ext>
+            </a:extLst>
+          </p:cNvPr>
+          <p:cNvSpPr/>
+          <p:nvPr/>
+        </p:nvSpPr>
+        <p:spPr>
+          <a:xfrm>
+            <a:off x="4572000" y="1176330"/>
+            <a:ext cx="1119930" cy="233977"/>
+          </a:xfrm>
+          <a:prstGeom prst="rect">
+            <a:avLst/>
+          </a:prstGeom>
+          <a:solidFill>
+            <a:schemeClr val="bg1"/>
+          </a:solidFill>
+        </p:spPr>
+        <p:style>
+          <a:lnRef idx="2">
+            <a:schemeClr val="accent1">
+              <a:shade val="15000"/>
+            </a:schemeClr>
+          </a:lnRef>
+          <a:fillRef idx="1">
+            <a:schemeClr val="accent1"/>
+          </a:fillRef>
+          <a:effectRef idx="0">
+            <a:schemeClr val="accent1"/>
+          </a:effectRef>
+          <a:fontRef idx="minor">
+            <a:schemeClr val="lt1"/>
+          </a:fontRef>
+        </p:style>
+        <p:txBody>
+          <a:bodyPr rtlCol="0" anchor="ctr"/>
+          <a:lstStyle/>
+          <a:p>
+            <a:pPr algn="ctr"/>
+            <a:endParaRPr lang="es-ES" sz="1600" dirty="0">
+              <a:solidFill>
+                <a:schemeClr val="tx1"/>
+              </a:solidFill>
+            </a:endParaRPr>
+          </a:p>
+        </p:txBody>
+      </p:sp>
+      <p:sp>
+        <p:nvSpPr>
+          <p:cNvPr id="14" name="Rectángulo 13">
+            <a:extLst>
+              <a:ext uri="{FF2B5EF4-FFF2-40B4-BE49-F238E27FC236}">
+                <a16:creationId xmlns:a16="http://schemas.microsoft.com/office/drawing/2014/main" id="{BAD16E7E-6659-668C-E2F3-01534D6BCA75}"/>
+              </a:ext>
+            </a:extLst>
+          </p:cNvPr>
+          <p:cNvSpPr/>
+          <p:nvPr/>
+        </p:nvSpPr>
+        <p:spPr>
+          <a:xfrm>
+            <a:off x="4300139" y="1402763"/>
+            <a:ext cx="271625" cy="233976"/>
+          </a:xfrm>
+          <a:prstGeom prst="rect">
+            <a:avLst/>
+          </a:prstGeom>
+          <a:solidFill>
+            <a:schemeClr val="accent5">
+              <a:lumMod val="20000"/>
+              <a:lumOff val="80000"/>
+            </a:schemeClr>
+          </a:solidFill>
+        </p:spPr>
+        <p:style>
+          <a:lnRef idx="2">
+            <a:schemeClr val="accent1">
+              <a:shade val="15000"/>
+            </a:schemeClr>
+          </a:lnRef>
+          <a:fillRef idx="1">
+            <a:schemeClr val="accent1"/>
+          </a:fillRef>
+          <a:effectRef idx="0">
+            <a:schemeClr val="accent1"/>
+          </a:effectRef>
+          <a:fontRef idx="minor">
+            <a:schemeClr val="lt1"/>
+          </a:fontRef>
+        </p:style>
+        <p:txBody>
+          <a:bodyPr lIns="0" tIns="0" rIns="0" bIns="0" rtlCol="0" anchor="ctr"/>
+          <a:lstStyle/>
+          <a:p>
+            <a:pPr algn="ctr"/>
+            <a:r>
+              <a:rPr lang="es-ES" sz="1000" dirty="0">
+                <a:solidFill>
+                  <a:schemeClr val="tx1"/>
+                </a:solidFill>
+              </a:rPr>
+              <a:t>1</a:t>
+            </a:r>
+          </a:p>
+        </p:txBody>
+      </p:sp>
+      <p:sp>
+        <p:nvSpPr>
+          <p:cNvPr id="15" name="Rectángulo 14">
+            <a:extLst>
+              <a:ext uri="{FF2B5EF4-FFF2-40B4-BE49-F238E27FC236}">
+                <a16:creationId xmlns:a16="http://schemas.microsoft.com/office/drawing/2014/main" id="{CC150E95-D3BF-E1B6-50E9-3CAE20DCAC7D}"/>
+              </a:ext>
+            </a:extLst>
+          </p:cNvPr>
+          <p:cNvSpPr/>
+          <p:nvPr/>
+        </p:nvSpPr>
+        <p:spPr>
+          <a:xfrm>
+            <a:off x="4571764" y="1402763"/>
+            <a:ext cx="1119930" cy="233977"/>
+          </a:xfrm>
+          <a:prstGeom prst="rect">
+            <a:avLst/>
+          </a:prstGeom>
+          <a:solidFill>
+            <a:schemeClr val="accent5">
+              <a:lumMod val="20000"/>
+              <a:lumOff val="80000"/>
+            </a:schemeClr>
+          </a:solidFill>
+        </p:spPr>
+        <p:style>
+          <a:lnRef idx="2">
+            <a:schemeClr val="accent1">
+              <a:shade val="15000"/>
+            </a:schemeClr>
+          </a:lnRef>
+          <a:fillRef idx="1">
+            <a:schemeClr val="accent1"/>
+          </a:fillRef>
+          <a:effectRef idx="0">
+            <a:schemeClr val="accent1"/>
+          </a:effectRef>
+          <a:fontRef idx="minor">
+            <a:schemeClr val="lt1"/>
+          </a:fontRef>
+        </p:style>
+        <p:txBody>
+          <a:bodyPr rtlCol="0" anchor="ctr"/>
+          <a:lstStyle/>
+          <a:p>
+            <a:pPr algn="ctr"/>
+            <a:r>
+              <a:rPr lang="es-ES" sz="1600" dirty="0">
+                <a:solidFill>
+                  <a:schemeClr val="tx1"/>
+                </a:solidFill>
+              </a:rPr>
+              <a:t>Jon</a:t>
+            </a:r>
+          </a:p>
+        </p:txBody>
+      </p:sp>
+      <p:sp>
+        <p:nvSpPr>
+          <p:cNvPr id="16" name="Rectángulo 15">
+            <a:extLst>
+              <a:ext uri="{FF2B5EF4-FFF2-40B4-BE49-F238E27FC236}">
+                <a16:creationId xmlns:a16="http://schemas.microsoft.com/office/drawing/2014/main" id="{8EF5FBBE-D157-907C-E5BA-776043516D39}"/>
+              </a:ext>
+            </a:extLst>
+          </p:cNvPr>
+          <p:cNvSpPr/>
+          <p:nvPr/>
+        </p:nvSpPr>
+        <p:spPr>
+          <a:xfrm>
+            <a:off x="4300139" y="1636739"/>
+            <a:ext cx="271625" cy="233976"/>
+          </a:xfrm>
+          <a:prstGeom prst="rect">
+            <a:avLst/>
+          </a:prstGeom>
+          <a:solidFill>
+            <a:schemeClr val="bg1"/>
+          </a:solidFill>
+        </p:spPr>
+        <p:style>
+          <a:lnRef idx="2">
+            <a:schemeClr val="accent1">
+              <a:shade val="15000"/>
+            </a:schemeClr>
+          </a:lnRef>
+          <a:fillRef idx="1">
+            <a:schemeClr val="accent1"/>
+          </a:fillRef>
+          <a:effectRef idx="0">
+            <a:schemeClr val="accent1"/>
+          </a:effectRef>
+          <a:fontRef idx="minor">
+            <a:schemeClr val="lt1"/>
+          </a:fontRef>
+        </p:style>
+        <p:txBody>
+          <a:bodyPr lIns="0" tIns="0" rIns="0" bIns="0" rtlCol="0" anchor="ctr"/>
+          <a:lstStyle/>
+          <a:p>
+            <a:pPr algn="ctr"/>
+            <a:r>
+              <a:rPr lang="es-ES" sz="1000" dirty="0">
+                <a:solidFill>
+                  <a:schemeClr val="tx1"/>
+                </a:solidFill>
+              </a:rPr>
+              <a:t>2</a:t>
+            </a:r>
+          </a:p>
+        </p:txBody>
+      </p:sp>
+      <p:sp>
+        <p:nvSpPr>
+          <p:cNvPr id="17" name="Rectángulo 16">
+            <a:extLst>
+              <a:ext uri="{FF2B5EF4-FFF2-40B4-BE49-F238E27FC236}">
+                <a16:creationId xmlns:a16="http://schemas.microsoft.com/office/drawing/2014/main" id="{E44B86C6-9780-723C-6CD8-EAD41CCD50C8}"/>
+              </a:ext>
+            </a:extLst>
+          </p:cNvPr>
+          <p:cNvSpPr/>
+          <p:nvPr/>
+        </p:nvSpPr>
+        <p:spPr>
+          <a:xfrm>
+            <a:off x="4571764" y="1636739"/>
+            <a:ext cx="1119930" cy="233977"/>
+          </a:xfrm>
+          <a:prstGeom prst="rect">
+            <a:avLst/>
+          </a:prstGeom>
+          <a:solidFill>
+            <a:schemeClr val="bg1"/>
+          </a:solidFill>
+        </p:spPr>
+        <p:style>
+          <a:lnRef idx="2">
+            <a:schemeClr val="accent1">
+              <a:shade val="15000"/>
+            </a:schemeClr>
+          </a:lnRef>
+          <a:fillRef idx="1">
+            <a:schemeClr val="accent1"/>
+          </a:fillRef>
+          <a:effectRef idx="0">
+            <a:schemeClr val="accent1"/>
+          </a:effectRef>
+          <a:fontRef idx="minor">
+            <a:schemeClr val="lt1"/>
+          </a:fontRef>
+        </p:style>
+        <p:txBody>
+          <a:bodyPr rtlCol="0" anchor="ctr"/>
+          <a:lstStyle/>
+          <a:p>
+            <a:pPr algn="ctr"/>
+            <a:endParaRPr lang="es-ES" sz="1600" dirty="0">
+              <a:solidFill>
+                <a:schemeClr val="tx1"/>
+              </a:solidFill>
+            </a:endParaRPr>
+          </a:p>
+        </p:txBody>
+      </p:sp>
+      <p:sp>
+        <p:nvSpPr>
+          <p:cNvPr id="18" name="Rectángulo 17">
+            <a:extLst>
+              <a:ext uri="{FF2B5EF4-FFF2-40B4-BE49-F238E27FC236}">
+                <a16:creationId xmlns:a16="http://schemas.microsoft.com/office/drawing/2014/main" id="{BBCA7540-27D6-76E1-9BE4-92DF6E30C4AA}"/>
+              </a:ext>
+            </a:extLst>
+          </p:cNvPr>
+          <p:cNvSpPr/>
+          <p:nvPr/>
+        </p:nvSpPr>
+        <p:spPr>
+          <a:xfrm>
+            <a:off x="4299903" y="1863172"/>
+            <a:ext cx="271625" cy="233976"/>
+          </a:xfrm>
+          <a:prstGeom prst="rect">
+            <a:avLst/>
+          </a:prstGeom>
+          <a:solidFill>
+            <a:schemeClr val="bg1"/>
+          </a:solidFill>
+        </p:spPr>
+        <p:style>
+          <a:lnRef idx="2">
+            <a:schemeClr val="accent1">
+              <a:shade val="15000"/>
+            </a:schemeClr>
+          </a:lnRef>
+          <a:fillRef idx="1">
+            <a:schemeClr val="accent1"/>
+          </a:fillRef>
+          <a:effectRef idx="0">
+            <a:schemeClr val="accent1"/>
+          </a:effectRef>
+          <a:fontRef idx="minor">
+            <a:schemeClr val="lt1"/>
+          </a:fontRef>
+        </p:style>
+        <p:txBody>
+          <a:bodyPr lIns="0" tIns="0" rIns="0" bIns="0" rtlCol="0" anchor="ctr"/>
+          <a:lstStyle/>
+          <a:p>
+            <a:pPr algn="ctr"/>
+            <a:r>
+              <a:rPr lang="es-ES" sz="1000" dirty="0">
+                <a:solidFill>
+                  <a:schemeClr val="tx1"/>
+                </a:solidFill>
+              </a:rPr>
+              <a:t>3</a:t>
+            </a:r>
+          </a:p>
+        </p:txBody>
+      </p:sp>
+      <p:sp>
+        <p:nvSpPr>
+          <p:cNvPr id="19" name="Rectángulo 18">
+            <a:extLst>
+              <a:ext uri="{FF2B5EF4-FFF2-40B4-BE49-F238E27FC236}">
+                <a16:creationId xmlns:a16="http://schemas.microsoft.com/office/drawing/2014/main" id="{5959DA7A-81D3-51B9-C4C6-E0C8F1FB28DE}"/>
+              </a:ext>
+            </a:extLst>
+          </p:cNvPr>
+          <p:cNvSpPr/>
+          <p:nvPr/>
+        </p:nvSpPr>
+        <p:spPr>
+          <a:xfrm>
+            <a:off x="4571528" y="1863172"/>
+            <a:ext cx="1119930" cy="233977"/>
+          </a:xfrm>
+          <a:prstGeom prst="rect">
+            <a:avLst/>
+          </a:prstGeom>
+          <a:solidFill>
+            <a:schemeClr val="bg1"/>
+          </a:solidFill>
+        </p:spPr>
+        <p:style>
+          <a:lnRef idx="2">
+            <a:schemeClr val="accent1">
+              <a:shade val="15000"/>
+            </a:schemeClr>
+          </a:lnRef>
+          <a:fillRef idx="1">
+            <a:schemeClr val="accent1"/>
+          </a:fillRef>
+          <a:effectRef idx="0">
+            <a:schemeClr val="accent1"/>
+          </a:effectRef>
+          <a:fontRef idx="minor">
+            <a:schemeClr val="lt1"/>
+          </a:fontRef>
+        </p:style>
+        <p:txBody>
+          <a:bodyPr rtlCol="0" anchor="ctr"/>
+          <a:lstStyle/>
+          <a:p>
+            <a:pPr algn="ctr"/>
+            <a:endParaRPr lang="es-ES" sz="1600" dirty="0">
+              <a:solidFill>
+                <a:schemeClr val="tx1"/>
+              </a:solidFill>
+            </a:endParaRPr>
+          </a:p>
+        </p:txBody>
+      </p:sp>
+      <p:sp>
+        <p:nvSpPr>
+          <p:cNvPr id="20" name="Rectángulo 19">
+            <a:extLst>
+              <a:ext uri="{FF2B5EF4-FFF2-40B4-BE49-F238E27FC236}">
+                <a16:creationId xmlns:a16="http://schemas.microsoft.com/office/drawing/2014/main" id="{2050CFD6-32CA-6996-EE51-6136A8A23600}"/>
+              </a:ext>
+            </a:extLst>
+          </p:cNvPr>
+          <p:cNvSpPr/>
+          <p:nvPr/>
+        </p:nvSpPr>
+        <p:spPr>
+          <a:xfrm>
+            <a:off x="4299903" y="2086058"/>
+            <a:ext cx="271625" cy="233976"/>
+          </a:xfrm>
+          <a:prstGeom prst="rect">
+            <a:avLst/>
+          </a:prstGeom>
+          <a:solidFill>
+            <a:schemeClr val="accent5">
+              <a:lumMod val="20000"/>
+              <a:lumOff val="80000"/>
+            </a:schemeClr>
+          </a:solidFill>
+        </p:spPr>
+        <p:style>
+          <a:lnRef idx="2">
+            <a:schemeClr val="accent1">
+              <a:shade val="15000"/>
+            </a:schemeClr>
+          </a:lnRef>
+          <a:fillRef idx="1">
+            <a:schemeClr val="accent1"/>
+          </a:fillRef>
+          <a:effectRef idx="0">
+            <a:schemeClr val="accent1"/>
+          </a:effectRef>
+          <a:fontRef idx="minor">
+            <a:schemeClr val="lt1"/>
+          </a:fontRef>
+        </p:style>
+        <p:txBody>
+          <a:bodyPr lIns="0" tIns="0" rIns="0" bIns="0" rtlCol="0" anchor="ctr"/>
+          <a:lstStyle/>
+          <a:p>
+            <a:pPr algn="ctr"/>
+            <a:r>
+              <a:rPr lang="es-ES" sz="1000" dirty="0">
+                <a:solidFill>
+                  <a:schemeClr val="tx1"/>
+                </a:solidFill>
+              </a:rPr>
+              <a:t>4</a:t>
+            </a:r>
+          </a:p>
+        </p:txBody>
+      </p:sp>
+      <p:sp>
+        <p:nvSpPr>
+          <p:cNvPr id="21" name="Rectángulo 20">
+            <a:extLst>
+              <a:ext uri="{FF2B5EF4-FFF2-40B4-BE49-F238E27FC236}">
+                <a16:creationId xmlns:a16="http://schemas.microsoft.com/office/drawing/2014/main" id="{3812910E-AAAD-1959-1FFE-9801C2DAA4E4}"/>
+              </a:ext>
+            </a:extLst>
+          </p:cNvPr>
+          <p:cNvSpPr/>
+          <p:nvPr/>
+        </p:nvSpPr>
+        <p:spPr>
+          <a:xfrm>
+            <a:off x="4571528" y="2086058"/>
+            <a:ext cx="1119930" cy="233977"/>
+          </a:xfrm>
+          <a:prstGeom prst="rect">
+            <a:avLst/>
+          </a:prstGeom>
+          <a:solidFill>
+            <a:schemeClr val="accent5">
+              <a:lumMod val="20000"/>
+              <a:lumOff val="80000"/>
+            </a:schemeClr>
+          </a:solidFill>
+        </p:spPr>
+        <p:style>
+          <a:lnRef idx="2">
+            <a:schemeClr val="accent1">
+              <a:shade val="15000"/>
+            </a:schemeClr>
+          </a:lnRef>
+          <a:fillRef idx="1">
+            <a:schemeClr val="accent1"/>
+          </a:fillRef>
+          <a:effectRef idx="0">
+            <a:schemeClr val="accent1"/>
+          </a:effectRef>
+          <a:fontRef idx="minor">
+            <a:schemeClr val="lt1"/>
+          </a:fontRef>
+        </p:style>
+        <p:txBody>
+          <a:bodyPr rtlCol="0" anchor="ctr"/>
+          <a:lstStyle/>
+          <a:p>
+            <a:pPr algn="ctr"/>
+            <a:r>
+              <a:rPr lang="es-ES" sz="1600" dirty="0">
+                <a:solidFill>
+                  <a:schemeClr val="tx1"/>
+                </a:solidFill>
+              </a:rPr>
+              <a:t>Ane</a:t>
+            </a:r>
+          </a:p>
+        </p:txBody>
+      </p:sp>
+      <p:sp>
+        <p:nvSpPr>
+          <p:cNvPr id="22" name="Rectángulo 21">
+            <a:extLst>
+              <a:ext uri="{FF2B5EF4-FFF2-40B4-BE49-F238E27FC236}">
+                <a16:creationId xmlns:a16="http://schemas.microsoft.com/office/drawing/2014/main" id="{862E32AE-8E1B-BAC1-B558-04A98F781098}"/>
+              </a:ext>
+            </a:extLst>
+          </p:cNvPr>
+          <p:cNvSpPr/>
+          <p:nvPr/>
+        </p:nvSpPr>
+        <p:spPr>
+          <a:xfrm>
+            <a:off x="4299667" y="2312491"/>
+            <a:ext cx="271625" cy="233976"/>
+          </a:xfrm>
+          <a:prstGeom prst="rect">
+            <a:avLst/>
+          </a:prstGeom>
+          <a:solidFill>
+            <a:schemeClr val="accent5">
+              <a:lumMod val="20000"/>
+              <a:lumOff val="80000"/>
+            </a:schemeClr>
+          </a:solidFill>
+        </p:spPr>
+        <p:style>
+          <a:lnRef idx="2">
+            <a:schemeClr val="accent1">
+              <a:shade val="15000"/>
+            </a:schemeClr>
+          </a:lnRef>
+          <a:fillRef idx="1">
+            <a:schemeClr val="accent1"/>
+          </a:fillRef>
+          <a:effectRef idx="0">
+            <a:schemeClr val="accent1"/>
+          </a:effectRef>
+          <a:fontRef idx="minor">
+            <a:schemeClr val="lt1"/>
+          </a:fontRef>
+        </p:style>
+        <p:txBody>
+          <a:bodyPr lIns="0" tIns="0" rIns="0" bIns="0" rtlCol="0" anchor="ctr"/>
+          <a:lstStyle/>
+          <a:p>
+            <a:pPr algn="ctr"/>
+            <a:r>
+              <a:rPr lang="es-ES" sz="1000" dirty="0">
+                <a:solidFill>
+                  <a:schemeClr val="tx1"/>
+                </a:solidFill>
+              </a:rPr>
+              <a:t>5</a:t>
+            </a:r>
+          </a:p>
+        </p:txBody>
+      </p:sp>
+      <p:sp>
+        <p:nvSpPr>
+          <p:cNvPr id="23" name="Rectángulo 22">
+            <a:extLst>
+              <a:ext uri="{FF2B5EF4-FFF2-40B4-BE49-F238E27FC236}">
+                <a16:creationId xmlns:a16="http://schemas.microsoft.com/office/drawing/2014/main" id="{1952D16F-38B1-92CC-7B4A-76B92E5134DF}"/>
+              </a:ext>
+            </a:extLst>
+          </p:cNvPr>
+          <p:cNvSpPr/>
+          <p:nvPr/>
+        </p:nvSpPr>
+        <p:spPr>
+          <a:xfrm>
+            <a:off x="4571292" y="2312491"/>
+            <a:ext cx="1119930" cy="233977"/>
+          </a:xfrm>
+          <a:prstGeom prst="rect">
+            <a:avLst/>
+          </a:prstGeom>
+          <a:solidFill>
+            <a:schemeClr val="accent5">
+              <a:lumMod val="20000"/>
+              <a:lumOff val="80000"/>
+            </a:schemeClr>
+          </a:solidFill>
+        </p:spPr>
+        <p:style>
+          <a:lnRef idx="2">
+            <a:schemeClr val="accent1">
+              <a:shade val="15000"/>
+            </a:schemeClr>
+          </a:lnRef>
+          <a:fillRef idx="1">
+            <a:schemeClr val="accent1"/>
+          </a:fillRef>
+          <a:effectRef idx="0">
+            <a:schemeClr val="accent1"/>
+          </a:effectRef>
+          <a:fontRef idx="minor">
+            <a:schemeClr val="lt1"/>
+          </a:fontRef>
+        </p:style>
+        <p:txBody>
+          <a:bodyPr rtlCol="0" anchor="ctr"/>
+          <a:lstStyle/>
+          <a:p>
+            <a:pPr algn="ctr"/>
+            <a:r>
+              <a:rPr lang="es-ES" sz="1600" dirty="0">
+                <a:solidFill>
+                  <a:schemeClr val="tx1"/>
+                </a:solidFill>
+              </a:rPr>
+              <a:t>Nora</a:t>
+            </a:r>
+          </a:p>
+        </p:txBody>
+      </p:sp>
+      <p:sp>
+        <p:nvSpPr>
+          <p:cNvPr id="28" name="Rectángulo 27">
+            <a:extLst>
+              <a:ext uri="{FF2B5EF4-FFF2-40B4-BE49-F238E27FC236}">
+                <a16:creationId xmlns:a16="http://schemas.microsoft.com/office/drawing/2014/main" id="{A19A3095-1F08-FCC6-511D-D204D401B910}"/>
+              </a:ext>
+            </a:extLst>
+          </p:cNvPr>
+          <p:cNvSpPr/>
+          <p:nvPr/>
+        </p:nvSpPr>
+        <p:spPr>
+          <a:xfrm>
+            <a:off x="4299431" y="2801351"/>
+            <a:ext cx="271625" cy="233976"/>
+          </a:xfrm>
+          <a:prstGeom prst="rect">
+            <a:avLst/>
+          </a:prstGeom>
+          <a:solidFill>
+            <a:schemeClr val="bg1"/>
+          </a:solidFill>
+        </p:spPr>
+        <p:style>
+          <a:lnRef idx="2">
+            <a:schemeClr val="accent1">
+              <a:shade val="15000"/>
+            </a:schemeClr>
+          </a:lnRef>
+          <a:fillRef idx="1">
+            <a:schemeClr val="accent1"/>
+          </a:fillRef>
+          <a:effectRef idx="0">
+            <a:schemeClr val="accent1"/>
+          </a:effectRef>
+          <a:fontRef idx="minor">
+            <a:schemeClr val="lt1"/>
+          </a:fontRef>
+        </p:style>
+        <p:txBody>
+          <a:bodyPr lIns="0" tIns="0" rIns="0" bIns="0" rtlCol="0" anchor="ctr"/>
+          <a:lstStyle/>
+          <a:p>
+            <a:pPr algn="ctr"/>
+            <a:r>
+              <a:rPr lang="es-ES" sz="1000" dirty="0">
+                <a:solidFill>
+                  <a:schemeClr val="tx1"/>
+                </a:solidFill>
+              </a:rPr>
+              <a:t>37</a:t>
+            </a:r>
+          </a:p>
+        </p:txBody>
+      </p:sp>
+      <p:sp>
+        <p:nvSpPr>
+          <p:cNvPr id="29" name="Rectángulo 28">
+            <a:extLst>
+              <a:ext uri="{FF2B5EF4-FFF2-40B4-BE49-F238E27FC236}">
+                <a16:creationId xmlns:a16="http://schemas.microsoft.com/office/drawing/2014/main" id="{F1A93FCA-DC5C-09BE-0F8C-010021FEF062}"/>
+              </a:ext>
+            </a:extLst>
+          </p:cNvPr>
+          <p:cNvSpPr/>
+          <p:nvPr/>
+        </p:nvSpPr>
+        <p:spPr>
+          <a:xfrm>
+            <a:off x="4571056" y="2801351"/>
+            <a:ext cx="1119930" cy="233977"/>
+          </a:xfrm>
+          <a:prstGeom prst="rect">
+            <a:avLst/>
+          </a:prstGeom>
+          <a:solidFill>
+            <a:schemeClr val="bg1"/>
+          </a:solidFill>
+        </p:spPr>
+        <p:style>
+          <a:lnRef idx="2">
+            <a:schemeClr val="accent1">
+              <a:shade val="15000"/>
+            </a:schemeClr>
+          </a:lnRef>
+          <a:fillRef idx="1">
+            <a:schemeClr val="accent1"/>
+          </a:fillRef>
+          <a:effectRef idx="0">
+            <a:schemeClr val="accent1"/>
+          </a:effectRef>
+          <a:fontRef idx="minor">
+            <a:schemeClr val="lt1"/>
+          </a:fontRef>
+        </p:style>
+        <p:txBody>
+          <a:bodyPr rtlCol="0" anchor="ctr"/>
+          <a:lstStyle/>
+          <a:p>
+            <a:pPr algn="ctr"/>
+            <a:endParaRPr lang="es-ES" sz="1600" dirty="0">
+              <a:solidFill>
+                <a:schemeClr val="tx1"/>
+              </a:solidFill>
+            </a:endParaRPr>
+          </a:p>
+        </p:txBody>
+      </p:sp>
+      <p:sp>
+        <p:nvSpPr>
+          <p:cNvPr id="30" name="Rectángulo 29">
+            <a:extLst>
+              <a:ext uri="{FF2B5EF4-FFF2-40B4-BE49-F238E27FC236}">
+                <a16:creationId xmlns:a16="http://schemas.microsoft.com/office/drawing/2014/main" id="{8FC66633-9159-E210-765E-6699978F9447}"/>
+              </a:ext>
+            </a:extLst>
+          </p:cNvPr>
+          <p:cNvSpPr/>
+          <p:nvPr/>
+        </p:nvSpPr>
+        <p:spPr>
+          <a:xfrm>
+            <a:off x="4299195" y="3027784"/>
+            <a:ext cx="271625" cy="233976"/>
+          </a:xfrm>
+          <a:prstGeom prst="rect">
+            <a:avLst/>
+          </a:prstGeom>
+          <a:solidFill>
+            <a:schemeClr val="accent5">
+              <a:lumMod val="20000"/>
+              <a:lumOff val="80000"/>
+            </a:schemeClr>
+          </a:solidFill>
+        </p:spPr>
+        <p:style>
+          <a:lnRef idx="2">
+            <a:schemeClr val="accent1">
+              <a:shade val="15000"/>
+            </a:schemeClr>
+          </a:lnRef>
+          <a:fillRef idx="1">
+            <a:schemeClr val="accent1"/>
+          </a:fillRef>
+          <a:effectRef idx="0">
+            <a:schemeClr val="accent1"/>
+          </a:effectRef>
+          <a:fontRef idx="minor">
+            <a:schemeClr val="lt1"/>
+          </a:fontRef>
+        </p:style>
+        <p:txBody>
+          <a:bodyPr lIns="0" tIns="0" rIns="0" bIns="0" rtlCol="0" anchor="ctr"/>
+          <a:lstStyle/>
+          <a:p>
+            <a:pPr algn="ctr"/>
+            <a:r>
+              <a:rPr lang="es-ES" sz="1000" dirty="0">
+                <a:solidFill>
+                  <a:schemeClr val="tx1"/>
+                </a:solidFill>
+              </a:rPr>
+              <a:t>38</a:t>
+            </a:r>
+          </a:p>
+        </p:txBody>
+      </p:sp>
+      <p:sp>
+        <p:nvSpPr>
+          <p:cNvPr id="31" name="Rectángulo 30">
+            <a:extLst>
+              <a:ext uri="{FF2B5EF4-FFF2-40B4-BE49-F238E27FC236}">
+                <a16:creationId xmlns:a16="http://schemas.microsoft.com/office/drawing/2014/main" id="{D99EAA67-60B0-9768-C657-9EF9927662A8}"/>
+              </a:ext>
+            </a:extLst>
+          </p:cNvPr>
+          <p:cNvSpPr/>
+          <p:nvPr/>
+        </p:nvSpPr>
+        <p:spPr>
+          <a:xfrm>
+            <a:off x="4570820" y="3027784"/>
+            <a:ext cx="1119930" cy="233977"/>
+          </a:xfrm>
+          <a:prstGeom prst="rect">
+            <a:avLst/>
+          </a:prstGeom>
+          <a:solidFill>
+            <a:schemeClr val="accent5">
+              <a:lumMod val="20000"/>
+              <a:lumOff val="80000"/>
+            </a:schemeClr>
+          </a:solidFill>
+        </p:spPr>
+        <p:style>
+          <a:lnRef idx="2">
+            <a:schemeClr val="accent1">
+              <a:shade val="15000"/>
+            </a:schemeClr>
+          </a:lnRef>
+          <a:fillRef idx="1">
+            <a:schemeClr val="accent1"/>
+          </a:fillRef>
+          <a:effectRef idx="0">
+            <a:schemeClr val="accent1"/>
+          </a:effectRef>
+          <a:fontRef idx="minor">
+            <a:schemeClr val="lt1"/>
+          </a:fontRef>
+        </p:style>
+        <p:txBody>
+          <a:bodyPr rtlCol="0" anchor="ctr"/>
+          <a:lstStyle/>
+          <a:p>
+            <a:pPr algn="ctr"/>
+            <a:r>
+              <a:rPr lang="es-ES" sz="1600" dirty="0">
+                <a:solidFill>
+                  <a:schemeClr val="tx1"/>
+                </a:solidFill>
+              </a:rPr>
+              <a:t>Asier</a:t>
+            </a:r>
+          </a:p>
+        </p:txBody>
+      </p:sp>
+      <p:sp>
+        <p:nvSpPr>
+          <p:cNvPr id="32" name="Rectángulo 31">
+            <a:extLst>
+              <a:ext uri="{FF2B5EF4-FFF2-40B4-BE49-F238E27FC236}">
+                <a16:creationId xmlns:a16="http://schemas.microsoft.com/office/drawing/2014/main" id="{16465F83-7B02-9C43-E044-56A020354E21}"/>
+              </a:ext>
+            </a:extLst>
+          </p:cNvPr>
+          <p:cNvSpPr/>
+          <p:nvPr/>
+        </p:nvSpPr>
+        <p:spPr>
+          <a:xfrm>
+            <a:off x="4299195" y="3261760"/>
+            <a:ext cx="271625" cy="233976"/>
+          </a:xfrm>
+          <a:prstGeom prst="rect">
+            <a:avLst/>
+          </a:prstGeom>
+          <a:solidFill>
+            <a:schemeClr val="bg1"/>
+          </a:solidFill>
+        </p:spPr>
+        <p:style>
+          <a:lnRef idx="2">
+            <a:schemeClr val="accent1">
+              <a:shade val="15000"/>
+            </a:schemeClr>
+          </a:lnRef>
+          <a:fillRef idx="1">
+            <a:schemeClr val="accent1"/>
+          </a:fillRef>
+          <a:effectRef idx="0">
+            <a:schemeClr val="accent1"/>
+          </a:effectRef>
+          <a:fontRef idx="minor">
+            <a:schemeClr val="lt1"/>
+          </a:fontRef>
+        </p:style>
+        <p:txBody>
+          <a:bodyPr lIns="0" tIns="0" rIns="0" bIns="0" rtlCol="0" anchor="ctr"/>
+          <a:lstStyle/>
+          <a:p>
+            <a:pPr algn="ctr"/>
+            <a:r>
+              <a:rPr lang="es-ES" sz="1000" dirty="0">
+                <a:solidFill>
+                  <a:schemeClr val="tx1"/>
+                </a:solidFill>
+              </a:rPr>
+              <a:t>39</a:t>
+            </a:r>
+          </a:p>
+        </p:txBody>
+      </p:sp>
+      <p:sp>
+        <p:nvSpPr>
+          <p:cNvPr id="33" name="Rectángulo 32">
+            <a:extLst>
+              <a:ext uri="{FF2B5EF4-FFF2-40B4-BE49-F238E27FC236}">
+                <a16:creationId xmlns:a16="http://schemas.microsoft.com/office/drawing/2014/main" id="{34A05FB9-5307-EB35-14D6-68901D1BFDED}"/>
+              </a:ext>
+            </a:extLst>
+          </p:cNvPr>
+          <p:cNvSpPr/>
+          <p:nvPr/>
+        </p:nvSpPr>
+        <p:spPr>
+          <a:xfrm>
+            <a:off x="4570820" y="3261760"/>
+            <a:ext cx="1119930" cy="233977"/>
+          </a:xfrm>
+          <a:prstGeom prst="rect">
+            <a:avLst/>
+          </a:prstGeom>
+          <a:solidFill>
+            <a:schemeClr val="bg1"/>
+          </a:solidFill>
+        </p:spPr>
+        <p:style>
+          <a:lnRef idx="2">
+            <a:schemeClr val="accent1">
+              <a:shade val="15000"/>
+            </a:schemeClr>
+          </a:lnRef>
+          <a:fillRef idx="1">
+            <a:schemeClr val="accent1"/>
+          </a:fillRef>
+          <a:effectRef idx="0">
+            <a:schemeClr val="accent1"/>
+          </a:effectRef>
+          <a:fontRef idx="minor">
+            <a:schemeClr val="lt1"/>
+          </a:fontRef>
+        </p:style>
+        <p:txBody>
+          <a:bodyPr rtlCol="0" anchor="ctr"/>
+          <a:lstStyle/>
+          <a:p>
+            <a:pPr algn="ctr"/>
+            <a:endParaRPr lang="es-ES" sz="1600" dirty="0">
+              <a:solidFill>
+                <a:schemeClr val="tx1"/>
+              </a:solidFill>
+            </a:endParaRPr>
+          </a:p>
+        </p:txBody>
+      </p:sp>
+      <p:sp>
+        <p:nvSpPr>
+          <p:cNvPr id="34" name="Rectángulo 33">
+            <a:extLst>
+              <a:ext uri="{FF2B5EF4-FFF2-40B4-BE49-F238E27FC236}">
+                <a16:creationId xmlns:a16="http://schemas.microsoft.com/office/drawing/2014/main" id="{B8F8DF79-45CD-BCDA-802F-F309D0CC957A}"/>
+              </a:ext>
+            </a:extLst>
+          </p:cNvPr>
+          <p:cNvSpPr/>
+          <p:nvPr/>
+        </p:nvSpPr>
+        <p:spPr>
+          <a:xfrm>
+            <a:off x="4298959" y="3488193"/>
+            <a:ext cx="271625" cy="233976"/>
+          </a:xfrm>
+          <a:prstGeom prst="rect">
+            <a:avLst/>
+          </a:prstGeom>
+          <a:solidFill>
+            <a:schemeClr val="accent5">
+              <a:lumMod val="20000"/>
+              <a:lumOff val="80000"/>
+            </a:schemeClr>
+          </a:solidFill>
+        </p:spPr>
+        <p:style>
+          <a:lnRef idx="2">
+            <a:schemeClr val="accent1">
+              <a:shade val="15000"/>
+            </a:schemeClr>
+          </a:lnRef>
+          <a:fillRef idx="1">
+            <a:schemeClr val="accent1"/>
+          </a:fillRef>
+          <a:effectRef idx="0">
+            <a:schemeClr val="accent1"/>
+          </a:effectRef>
+          <a:fontRef idx="minor">
+            <a:schemeClr val="lt1"/>
+          </a:fontRef>
+        </p:style>
+        <p:txBody>
+          <a:bodyPr lIns="0" tIns="0" rIns="0" bIns="0" rtlCol="0" anchor="ctr"/>
+          <a:lstStyle/>
+          <a:p>
+            <a:pPr algn="ctr"/>
+            <a:r>
+              <a:rPr lang="es-ES" sz="1000" dirty="0">
+                <a:solidFill>
+                  <a:schemeClr val="tx1"/>
+                </a:solidFill>
+              </a:rPr>
+              <a:t>40</a:t>
+            </a:r>
+          </a:p>
+        </p:txBody>
+      </p:sp>
+      <p:sp>
+        <p:nvSpPr>
+          <p:cNvPr id="35" name="Rectángulo 34">
+            <a:extLst>
+              <a:ext uri="{FF2B5EF4-FFF2-40B4-BE49-F238E27FC236}">
+                <a16:creationId xmlns:a16="http://schemas.microsoft.com/office/drawing/2014/main" id="{D5F897ED-09DF-7BF6-A7F2-1402B149B1E4}"/>
+              </a:ext>
+            </a:extLst>
+          </p:cNvPr>
+          <p:cNvSpPr/>
+          <p:nvPr/>
+        </p:nvSpPr>
+        <p:spPr>
+          <a:xfrm>
+            <a:off x="4570584" y="3488193"/>
+            <a:ext cx="1119930" cy="233977"/>
+          </a:xfrm>
+          <a:prstGeom prst="rect">
+            <a:avLst/>
+          </a:prstGeom>
+          <a:solidFill>
+            <a:schemeClr val="accent5">
+              <a:lumMod val="20000"/>
+              <a:lumOff val="80000"/>
+            </a:schemeClr>
+          </a:solidFill>
+        </p:spPr>
+        <p:style>
+          <a:lnRef idx="2">
+            <a:schemeClr val="accent1">
+              <a:shade val="15000"/>
+            </a:schemeClr>
+          </a:lnRef>
+          <a:fillRef idx="1">
+            <a:schemeClr val="accent1"/>
+          </a:fillRef>
+          <a:effectRef idx="0">
+            <a:schemeClr val="accent1"/>
+          </a:effectRef>
+          <a:fontRef idx="minor">
+            <a:schemeClr val="lt1"/>
+          </a:fontRef>
+        </p:style>
+        <p:txBody>
+          <a:bodyPr rtlCol="0" anchor="ctr"/>
+          <a:lstStyle/>
+          <a:p>
+            <a:pPr algn="ctr"/>
+            <a:r>
+              <a:rPr lang="es-ES" sz="1600" dirty="0">
+                <a:solidFill>
+                  <a:schemeClr val="tx1"/>
+                </a:solidFill>
+              </a:rPr>
+              <a:t>Miren</a:t>
+            </a:r>
+          </a:p>
+        </p:txBody>
+      </p:sp>
+      <p:cxnSp>
+        <p:nvCxnSpPr>
+          <p:cNvPr id="54" name="Conector recto de flecha 53">
+            <a:extLst>
+              <a:ext uri="{FF2B5EF4-FFF2-40B4-BE49-F238E27FC236}">
+                <a16:creationId xmlns:a16="http://schemas.microsoft.com/office/drawing/2014/main" id="{DE7D1ED0-6150-BDEC-9A94-0ABB32D595C6}"/>
+              </a:ext>
+            </a:extLst>
+          </p:cNvPr>
+          <p:cNvCxnSpPr>
+            <a:cxnSpLocks/>
+            <a:stCxn id="4" idx="3"/>
+            <a:endCxn id="20" idx="1"/>
+          </p:cNvCxnSpPr>
+          <p:nvPr/>
+        </p:nvCxnSpPr>
+        <p:spPr>
+          <a:xfrm>
+            <a:off x="2025941" y="1277224"/>
+            <a:ext cx="2273962" cy="925822"/>
+          </a:xfrm>
+          <a:prstGeom prst="straightConnector1">
+            <a:avLst/>
+          </a:prstGeom>
+          <a:ln w="38100">
+            <a:solidFill>
+              <a:schemeClr val="tx1">
+                <a:alpha val="50000"/>
+              </a:schemeClr>
+            </a:solidFill>
+            <a:tailEnd type="triangle" w="lg" len="lg"/>
+          </a:ln>
+        </p:spPr>
+        <p:style>
+          <a:lnRef idx="1">
+            <a:schemeClr val="accent1"/>
+          </a:lnRef>
+          <a:fillRef idx="0">
+            <a:schemeClr val="accent1"/>
+          </a:fillRef>
+          <a:effectRef idx="0">
+            <a:schemeClr val="accent1"/>
+          </a:effectRef>
+          <a:fontRef idx="minor">
+            <a:schemeClr val="tx1"/>
+          </a:fontRef>
+        </p:style>
+      </p:cxnSp>
+      <p:cxnSp>
+        <p:nvCxnSpPr>
+          <p:cNvPr id="55" name="Conector recto de flecha 54">
+            <a:extLst>
+              <a:ext uri="{FF2B5EF4-FFF2-40B4-BE49-F238E27FC236}">
+                <a16:creationId xmlns:a16="http://schemas.microsoft.com/office/drawing/2014/main" id="{00FCD486-4A58-E6AB-5A7A-6E7A1C05C6CD}"/>
+              </a:ext>
+            </a:extLst>
+          </p:cNvPr>
+          <p:cNvCxnSpPr>
+            <a:cxnSpLocks/>
+            <a:stCxn id="5" idx="3"/>
+            <a:endCxn id="14" idx="1"/>
+          </p:cNvCxnSpPr>
+          <p:nvPr/>
+        </p:nvCxnSpPr>
+        <p:spPr>
+          <a:xfrm flipV="1">
+            <a:off x="2025941" y="1519751"/>
+            <a:ext cx="2274198" cy="312544"/>
+          </a:xfrm>
+          <a:prstGeom prst="straightConnector1">
+            <a:avLst/>
+          </a:prstGeom>
+          <a:ln w="38100">
+            <a:solidFill>
+              <a:schemeClr val="tx1">
+                <a:alpha val="50000"/>
+              </a:schemeClr>
+            </a:solidFill>
+            <a:tailEnd type="triangle" w="lg" len="lg"/>
+          </a:ln>
+        </p:spPr>
+        <p:style>
+          <a:lnRef idx="1">
+            <a:schemeClr val="accent1"/>
+          </a:lnRef>
+          <a:fillRef idx="0">
+            <a:schemeClr val="accent1"/>
+          </a:fillRef>
+          <a:effectRef idx="0">
+            <a:schemeClr val="accent1"/>
+          </a:effectRef>
+          <a:fontRef idx="minor">
+            <a:schemeClr val="tx1"/>
+          </a:fontRef>
+        </p:style>
+      </p:cxnSp>
+      <p:cxnSp>
+        <p:nvCxnSpPr>
+          <p:cNvPr id="58" name="Conector recto de flecha 57">
+            <a:extLst>
+              <a:ext uri="{FF2B5EF4-FFF2-40B4-BE49-F238E27FC236}">
+                <a16:creationId xmlns:a16="http://schemas.microsoft.com/office/drawing/2014/main" id="{F27ADE22-4EA0-4F54-0289-60895110DE80}"/>
+              </a:ext>
+            </a:extLst>
+          </p:cNvPr>
+          <p:cNvCxnSpPr>
+            <a:cxnSpLocks/>
+            <a:stCxn id="6" idx="3"/>
+            <a:endCxn id="34" idx="1"/>
+          </p:cNvCxnSpPr>
+          <p:nvPr/>
+        </p:nvCxnSpPr>
+        <p:spPr>
+          <a:xfrm>
+            <a:off x="1998677" y="2387366"/>
+            <a:ext cx="2300282" cy="1217815"/>
+          </a:xfrm>
+          <a:prstGeom prst="straightConnector1">
+            <a:avLst/>
+          </a:prstGeom>
+          <a:ln w="38100">
+            <a:solidFill>
+              <a:schemeClr val="tx1">
+                <a:alpha val="50000"/>
+              </a:schemeClr>
+            </a:solidFill>
+            <a:tailEnd type="triangle" w="lg" len="lg"/>
+          </a:ln>
+        </p:spPr>
+        <p:style>
+          <a:lnRef idx="1">
+            <a:schemeClr val="accent1"/>
+          </a:lnRef>
+          <a:fillRef idx="0">
+            <a:schemeClr val="accent1"/>
+          </a:fillRef>
+          <a:effectRef idx="0">
+            <a:schemeClr val="accent1"/>
+          </a:effectRef>
+          <a:fontRef idx="minor">
+            <a:schemeClr val="tx1"/>
+          </a:fontRef>
+        </p:style>
+      </p:cxnSp>
+      <p:cxnSp>
+        <p:nvCxnSpPr>
+          <p:cNvPr id="61" name="Conector recto de flecha 60">
+            <a:extLst>
+              <a:ext uri="{FF2B5EF4-FFF2-40B4-BE49-F238E27FC236}">
+                <a16:creationId xmlns:a16="http://schemas.microsoft.com/office/drawing/2014/main" id="{A560AB2A-DE5E-18A1-6746-59FF1ABADABD}"/>
+              </a:ext>
+            </a:extLst>
+          </p:cNvPr>
+          <p:cNvCxnSpPr>
+            <a:cxnSpLocks/>
+            <a:stCxn id="7" idx="3"/>
+            <a:endCxn id="30" idx="1"/>
+          </p:cNvCxnSpPr>
+          <p:nvPr/>
+        </p:nvCxnSpPr>
+        <p:spPr>
+          <a:xfrm>
+            <a:off x="1998677" y="2942437"/>
+            <a:ext cx="2300518" cy="202335"/>
+          </a:xfrm>
+          <a:prstGeom prst="straightConnector1">
+            <a:avLst/>
+          </a:prstGeom>
+          <a:ln w="38100">
+            <a:solidFill>
+              <a:schemeClr val="tx1">
+                <a:alpha val="50000"/>
+              </a:schemeClr>
+            </a:solidFill>
+            <a:tailEnd type="triangle" w="lg" len="lg"/>
+          </a:ln>
+        </p:spPr>
+        <p:style>
+          <a:lnRef idx="1">
+            <a:schemeClr val="accent1"/>
+          </a:lnRef>
+          <a:fillRef idx="0">
+            <a:schemeClr val="accent1"/>
+          </a:fillRef>
+          <a:effectRef idx="0">
+            <a:schemeClr val="accent1"/>
+          </a:effectRef>
+          <a:fontRef idx="minor">
+            <a:schemeClr val="tx1"/>
+          </a:fontRef>
+        </p:style>
+      </p:cxnSp>
+      <p:cxnSp>
+        <p:nvCxnSpPr>
+          <p:cNvPr id="65" name="Conector recto de flecha 64">
+            <a:extLst>
+              <a:ext uri="{FF2B5EF4-FFF2-40B4-BE49-F238E27FC236}">
+                <a16:creationId xmlns:a16="http://schemas.microsoft.com/office/drawing/2014/main" id="{EE86164B-162E-891E-6FD6-47FF194A33F3}"/>
+              </a:ext>
+            </a:extLst>
+          </p:cNvPr>
+          <p:cNvCxnSpPr>
+            <a:cxnSpLocks/>
+            <a:stCxn id="8" idx="3"/>
+            <a:endCxn id="22" idx="1"/>
+          </p:cNvCxnSpPr>
+          <p:nvPr/>
+        </p:nvCxnSpPr>
+        <p:spPr>
+          <a:xfrm flipV="1">
+            <a:off x="1998677" y="2429479"/>
+            <a:ext cx="2300990" cy="1068029"/>
+          </a:xfrm>
+          <a:prstGeom prst="straightConnector1">
+            <a:avLst/>
+          </a:prstGeom>
+          <a:ln w="38100">
+            <a:solidFill>
+              <a:schemeClr val="tx1">
+                <a:alpha val="50000"/>
+              </a:schemeClr>
+            </a:solidFill>
+            <a:tailEnd type="triangle" w="lg" len="lg"/>
+          </a:ln>
+        </p:spPr>
+        <p:style>
+          <a:lnRef idx="1">
+            <a:schemeClr val="accent1"/>
+          </a:lnRef>
+          <a:fillRef idx="0">
+            <a:schemeClr val="accent1"/>
+          </a:fillRef>
+          <a:effectRef idx="0">
+            <a:schemeClr val="accent1"/>
+          </a:effectRef>
+          <a:fontRef idx="minor">
+            <a:schemeClr val="tx1"/>
+          </a:fontRef>
+        </p:style>
+      </p:cxnSp>
+      <p:cxnSp>
+        <p:nvCxnSpPr>
+          <p:cNvPr id="68" name="Conector recto de flecha 67">
+            <a:extLst>
+              <a:ext uri="{FF2B5EF4-FFF2-40B4-BE49-F238E27FC236}">
+                <a16:creationId xmlns:a16="http://schemas.microsoft.com/office/drawing/2014/main" id="{EB90519A-E72B-7E9A-B2AC-02350252853A}"/>
+              </a:ext>
+            </a:extLst>
+          </p:cNvPr>
+          <p:cNvCxnSpPr>
+            <a:cxnSpLocks/>
+            <a:stCxn id="23" idx="2"/>
+            <a:endCxn id="29" idx="0"/>
+          </p:cNvCxnSpPr>
+          <p:nvPr/>
+        </p:nvCxnSpPr>
+        <p:spPr>
+          <a:xfrm flipH="1">
+            <a:off x="5131021" y="2546468"/>
+            <a:ext cx="236" cy="254883"/>
+          </a:xfrm>
+          <a:prstGeom prst="straightConnector1">
+            <a:avLst/>
+          </a:prstGeom>
+          <a:ln w="19050">
+            <a:solidFill>
+              <a:schemeClr val="tx1"/>
+            </a:solidFill>
+            <a:prstDash val="sysDot"/>
+            <a:tailEnd type="none" w="lg" len="lg"/>
+          </a:ln>
+        </p:spPr>
+        <p:style>
+          <a:lnRef idx="1">
+            <a:schemeClr val="accent1"/>
+          </a:lnRef>
+          <a:fillRef idx="0">
+            <a:schemeClr val="accent1"/>
+          </a:fillRef>
+          <a:effectRef idx="0">
+            <a:schemeClr val="accent1"/>
+          </a:effectRef>
+          <a:fontRef idx="minor">
+            <a:schemeClr val="tx1"/>
+          </a:fontRef>
+        </p:style>
+      </p:cxnSp>
+      <p:cxnSp>
+        <p:nvCxnSpPr>
+          <p:cNvPr id="71" name="Conector recto de flecha 70">
+            <a:extLst>
+              <a:ext uri="{FF2B5EF4-FFF2-40B4-BE49-F238E27FC236}">
+                <a16:creationId xmlns:a16="http://schemas.microsoft.com/office/drawing/2014/main" id="{C0A9FE73-1659-D735-B6F2-2337124259B8}"/>
+              </a:ext>
+            </a:extLst>
+          </p:cNvPr>
+          <p:cNvCxnSpPr>
+            <a:cxnSpLocks/>
+            <a:stCxn id="22" idx="2"/>
+            <a:endCxn id="28" idx="0"/>
+          </p:cNvCxnSpPr>
+          <p:nvPr/>
+        </p:nvCxnSpPr>
+        <p:spPr>
+          <a:xfrm flipH="1">
+            <a:off x="4435244" y="2546467"/>
+            <a:ext cx="236" cy="254884"/>
+          </a:xfrm>
+          <a:prstGeom prst="straightConnector1">
+            <a:avLst/>
+          </a:prstGeom>
+          <a:ln w="19050">
+            <a:solidFill>
+              <a:schemeClr val="tx1"/>
+            </a:solidFill>
+            <a:prstDash val="sysDot"/>
+            <a:tailEnd type="none" w="lg" len="lg"/>
+          </a:ln>
+        </p:spPr>
+        <p:style>
+          <a:lnRef idx="1">
+            <a:schemeClr val="accent1"/>
+          </a:lnRef>
+          <a:fillRef idx="0">
+            <a:schemeClr val="accent1"/>
+          </a:fillRef>
+          <a:effectRef idx="0">
+            <a:schemeClr val="accent1"/>
+          </a:effectRef>
+          <a:fontRef idx="minor">
+            <a:schemeClr val="tx1"/>
+          </a:fontRef>
+        </p:style>
+      </p:cxnSp>
+      <p:sp>
+        <p:nvSpPr>
+          <p:cNvPr id="79" name="CuadroTexto 78">
+            <a:extLst>
+              <a:ext uri="{FF2B5EF4-FFF2-40B4-BE49-F238E27FC236}">
+                <a16:creationId xmlns:a16="http://schemas.microsoft.com/office/drawing/2014/main" id="{DE9EE2BA-205D-3A77-7DF3-77748B6CCB96}"/>
+              </a:ext>
+            </a:extLst>
+          </p:cNvPr>
+          <p:cNvSpPr txBox="1"/>
+          <p:nvPr/>
+        </p:nvSpPr>
+        <p:spPr>
+          <a:xfrm>
+            <a:off x="4688104" y="390892"/>
+            <a:ext cx="654731" cy="646331"/>
+          </a:xfrm>
+          <a:prstGeom prst="rect">
+            <a:avLst/>
+          </a:prstGeom>
+          <a:noFill/>
+        </p:spPr>
+        <p:txBody>
+          <a:bodyPr wrap="none" rtlCol="0">
+            <a:spAutoFit/>
+          </a:bodyPr>
+          <a:lstStyle/>
+          <a:p>
+            <a:pPr algn="ctr"/>
+            <a:r>
+              <a:rPr lang="es-ES" dirty="0"/>
+              <a:t>hash</a:t>
+            </a:r>
+          </a:p>
+          <a:p>
+            <a:pPr algn="ctr"/>
+            <a:r>
+              <a:rPr lang="es-ES" dirty="0"/>
+              <a:t>taula</a:t>
+            </a:r>
+          </a:p>
+        </p:txBody>
+      </p:sp>
+    </p:spTree>
+    <p:extLst>
+      <p:ext uri="{BB962C8B-B14F-4D97-AF65-F5344CB8AC3E}">
+        <p14:creationId xmlns:p14="http://schemas.microsoft.com/office/powerpoint/2010/main" val="1318168383"/>
+      </p:ext>
+    </p:extLst>
+  </p:cSld>
+  <p:clrMapOvr>
+    <a:masterClrMapping/>
+  </p:clrMapOvr>
+</p:sld>
+</file>
+
+<file path=ppt/slides/slide3.xml><?xml version="1.0" encoding="utf-8"?>
+<p:sld xmlns:a="http://schemas.openxmlformats.org/drawingml/2006/main" xmlns:r="http://schemas.openxmlformats.org/officeDocument/2006/relationships" xmlns:p="http://schemas.openxmlformats.org/presentationml/2006/main">
+  <p:cSld>
+    <p:spTree>
+      <p:nvGrpSpPr>
+        <p:cNvPr id="1" name="">
+          <a:extLst>
+            <a:ext uri="{FF2B5EF4-FFF2-40B4-BE49-F238E27FC236}">
+              <a16:creationId xmlns:a16="http://schemas.microsoft.com/office/drawing/2014/main" id="{B2EDEA54-5920-1936-C673-0667E15780B9}"/>
+            </a:ext>
+          </a:extLst>
+        </p:cNvPr>
+        <p:cNvGrpSpPr/>
+        <p:nvPr/>
+      </p:nvGrpSpPr>
+      <p:grpSpPr>
+        <a:xfrm>
+          <a:off x="0" y="0"/>
+          <a:ext cx="0" cy="0"/>
+          <a:chOff x="0" y="0"/>
+          <a:chExt cx="0" cy="0"/>
+        </a:xfrm>
+      </p:grpSpPr>
+      <p:sp>
+        <p:nvSpPr>
+          <p:cNvPr id="4" name="Rectángulo 3">
+            <a:extLst>
+              <a:ext uri="{FF2B5EF4-FFF2-40B4-BE49-F238E27FC236}">
+                <a16:creationId xmlns:a16="http://schemas.microsoft.com/office/drawing/2014/main" id="{4147571B-298F-C8B5-1D9F-4FF65DFB8FDA}"/>
+              </a:ext>
+            </a:extLst>
+          </p:cNvPr>
+          <p:cNvSpPr/>
+          <p:nvPr/>
+        </p:nvSpPr>
+        <p:spPr>
+          <a:xfrm>
+            <a:off x="906011" y="1103152"/>
+            <a:ext cx="1119930" cy="348143"/>
+          </a:xfrm>
+          <a:prstGeom prst="rect">
+            <a:avLst/>
+          </a:prstGeom>
+          <a:solidFill>
+            <a:srgbClr val="00B050"/>
+          </a:solidFill>
+        </p:spPr>
+        <p:style>
+          <a:lnRef idx="2">
+            <a:schemeClr val="accent1">
+              <a:shade val="15000"/>
+            </a:schemeClr>
+          </a:lnRef>
+          <a:fillRef idx="1">
+            <a:schemeClr val="accent1"/>
+          </a:fillRef>
+          <a:effectRef idx="0">
+            <a:schemeClr val="accent1"/>
+          </a:effectRef>
+          <a:fontRef idx="minor">
+            <a:schemeClr val="lt1"/>
+          </a:fontRef>
+        </p:style>
+        <p:txBody>
+          <a:bodyPr rtlCol="0" anchor="ctr"/>
+          <a:lstStyle/>
+          <a:p>
+            <a:pPr algn="ctr"/>
+            <a:r>
+              <a:rPr lang="es-ES" dirty="0"/>
+              <a:t>Ane</a:t>
+            </a:r>
+          </a:p>
+        </p:txBody>
+      </p:sp>
+      <p:sp>
+        <p:nvSpPr>
+          <p:cNvPr id="5" name="Rectángulo 4">
+            <a:extLst>
+              <a:ext uri="{FF2B5EF4-FFF2-40B4-BE49-F238E27FC236}">
+                <a16:creationId xmlns:a16="http://schemas.microsoft.com/office/drawing/2014/main" id="{9AD8E1E8-961E-7AE4-C38F-5A4D94E4B517}"/>
+              </a:ext>
+            </a:extLst>
+          </p:cNvPr>
+          <p:cNvSpPr/>
+          <p:nvPr/>
+        </p:nvSpPr>
+        <p:spPr>
+          <a:xfrm>
+            <a:off x="906011" y="1658223"/>
+            <a:ext cx="1119930" cy="348143"/>
+          </a:xfrm>
+          <a:prstGeom prst="rect">
+            <a:avLst/>
+          </a:prstGeom>
+          <a:solidFill>
+            <a:srgbClr val="00B050"/>
+          </a:solidFill>
+        </p:spPr>
+        <p:style>
+          <a:lnRef idx="2">
+            <a:schemeClr val="accent1">
+              <a:shade val="15000"/>
+            </a:schemeClr>
+          </a:lnRef>
+          <a:fillRef idx="1">
+            <a:schemeClr val="accent1"/>
+          </a:fillRef>
+          <a:effectRef idx="0">
+            <a:schemeClr val="accent1"/>
+          </a:effectRef>
+          <a:fontRef idx="minor">
+            <a:schemeClr val="lt1"/>
+          </a:fontRef>
+        </p:style>
+        <p:txBody>
+          <a:bodyPr rtlCol="0" anchor="ctr"/>
+          <a:lstStyle/>
+          <a:p>
+            <a:pPr algn="ctr"/>
+            <a:r>
+              <a:rPr lang="es-ES" dirty="0"/>
+              <a:t>Jon</a:t>
+            </a:r>
+          </a:p>
+        </p:txBody>
+      </p:sp>
+      <p:sp>
+        <p:nvSpPr>
+          <p:cNvPr id="6" name="Rectángulo 5">
+            <a:extLst>
+              <a:ext uri="{FF2B5EF4-FFF2-40B4-BE49-F238E27FC236}">
+                <a16:creationId xmlns:a16="http://schemas.microsoft.com/office/drawing/2014/main" id="{0971F8C6-638B-E0BE-D6E6-2072DDAD9C16}"/>
+              </a:ext>
+            </a:extLst>
+          </p:cNvPr>
+          <p:cNvSpPr/>
+          <p:nvPr/>
+        </p:nvSpPr>
+        <p:spPr>
+          <a:xfrm>
+            <a:off x="878747" y="2213294"/>
+            <a:ext cx="1119930" cy="348143"/>
+          </a:xfrm>
+          <a:prstGeom prst="rect">
+            <a:avLst/>
+          </a:prstGeom>
+          <a:solidFill>
+            <a:srgbClr val="00B050"/>
+          </a:solidFill>
+        </p:spPr>
+        <p:style>
+          <a:lnRef idx="2">
+            <a:schemeClr val="accent1">
+              <a:shade val="15000"/>
+            </a:schemeClr>
+          </a:lnRef>
+          <a:fillRef idx="1">
+            <a:schemeClr val="accent1"/>
+          </a:fillRef>
+          <a:effectRef idx="0">
+            <a:schemeClr val="accent1"/>
+          </a:effectRef>
+          <a:fontRef idx="minor">
+            <a:schemeClr val="lt1"/>
+          </a:fontRef>
+        </p:style>
+        <p:txBody>
+          <a:bodyPr rtlCol="0" anchor="ctr"/>
+          <a:lstStyle/>
+          <a:p>
+            <a:pPr algn="ctr"/>
+            <a:r>
+              <a:rPr lang="es-ES" dirty="0"/>
+              <a:t>Miren</a:t>
+            </a:r>
+          </a:p>
+        </p:txBody>
+      </p:sp>
+      <p:sp>
+        <p:nvSpPr>
+          <p:cNvPr id="7" name="Rectángulo 6">
+            <a:extLst>
+              <a:ext uri="{FF2B5EF4-FFF2-40B4-BE49-F238E27FC236}">
+                <a16:creationId xmlns:a16="http://schemas.microsoft.com/office/drawing/2014/main" id="{4876B53F-4623-D874-38EB-FCDDEE044FD6}"/>
+              </a:ext>
+            </a:extLst>
+          </p:cNvPr>
+          <p:cNvSpPr/>
+          <p:nvPr/>
+        </p:nvSpPr>
+        <p:spPr>
+          <a:xfrm>
+            <a:off x="878747" y="2768365"/>
+            <a:ext cx="1119930" cy="348143"/>
+          </a:xfrm>
+          <a:prstGeom prst="rect">
+            <a:avLst/>
+          </a:prstGeom>
+          <a:solidFill>
+            <a:srgbClr val="00B050"/>
+          </a:solidFill>
+        </p:spPr>
+        <p:style>
+          <a:lnRef idx="2">
+            <a:schemeClr val="accent1">
+              <a:shade val="15000"/>
+            </a:schemeClr>
+          </a:lnRef>
+          <a:fillRef idx="1">
+            <a:schemeClr val="accent1"/>
+          </a:fillRef>
+          <a:effectRef idx="0">
+            <a:schemeClr val="accent1"/>
+          </a:effectRef>
+          <a:fontRef idx="minor">
+            <a:schemeClr val="lt1"/>
+          </a:fontRef>
+        </p:style>
+        <p:txBody>
+          <a:bodyPr rtlCol="0" anchor="ctr"/>
+          <a:lstStyle/>
+          <a:p>
+            <a:pPr algn="ctr"/>
+            <a:r>
+              <a:rPr lang="es-ES" dirty="0"/>
+              <a:t>Asier</a:t>
+            </a:r>
+          </a:p>
+        </p:txBody>
+      </p:sp>
+      <p:sp>
+        <p:nvSpPr>
+          <p:cNvPr id="8" name="Rectángulo 7">
+            <a:extLst>
+              <a:ext uri="{FF2B5EF4-FFF2-40B4-BE49-F238E27FC236}">
+                <a16:creationId xmlns:a16="http://schemas.microsoft.com/office/drawing/2014/main" id="{0DCE8615-5406-66D9-E7F4-5BE05C072B5F}"/>
+              </a:ext>
+            </a:extLst>
+          </p:cNvPr>
+          <p:cNvSpPr/>
+          <p:nvPr/>
+        </p:nvSpPr>
+        <p:spPr>
+          <a:xfrm>
+            <a:off x="878747" y="3323436"/>
+            <a:ext cx="1119930" cy="348143"/>
+          </a:xfrm>
+          <a:prstGeom prst="rect">
+            <a:avLst/>
+          </a:prstGeom>
+          <a:solidFill>
+            <a:srgbClr val="00B050"/>
+          </a:solidFill>
+        </p:spPr>
+        <p:style>
+          <a:lnRef idx="2">
+            <a:schemeClr val="accent1">
+              <a:shade val="15000"/>
+            </a:schemeClr>
+          </a:lnRef>
+          <a:fillRef idx="1">
+            <a:schemeClr val="accent1"/>
+          </a:fillRef>
+          <a:effectRef idx="0">
+            <a:schemeClr val="accent1"/>
+          </a:effectRef>
+          <a:fontRef idx="minor">
+            <a:schemeClr val="lt1"/>
+          </a:fontRef>
+        </p:style>
+        <p:txBody>
+          <a:bodyPr rtlCol="0" anchor="ctr"/>
+          <a:lstStyle/>
+          <a:p>
+            <a:pPr algn="ctr"/>
+            <a:r>
+              <a:rPr lang="es-ES" dirty="0"/>
+              <a:t>Nora</a:t>
+            </a:r>
+          </a:p>
+        </p:txBody>
+      </p:sp>
+      <p:sp>
+        <p:nvSpPr>
+          <p:cNvPr id="9" name="CuadroTexto 8">
+            <a:extLst>
+              <a:ext uri="{FF2B5EF4-FFF2-40B4-BE49-F238E27FC236}">
+                <a16:creationId xmlns:a16="http://schemas.microsoft.com/office/drawing/2014/main" id="{FB890277-B327-9085-0AD7-9EB6DFD28BFF}"/>
+              </a:ext>
+            </a:extLst>
+          </p:cNvPr>
+          <p:cNvSpPr txBox="1"/>
+          <p:nvPr/>
+        </p:nvSpPr>
+        <p:spPr>
+          <a:xfrm>
+            <a:off x="846799" y="529391"/>
+            <a:ext cx="1301447" cy="369332"/>
+          </a:xfrm>
+          <a:prstGeom prst="rect">
+            <a:avLst/>
+          </a:prstGeom>
+          <a:noFill/>
+        </p:spPr>
+        <p:txBody>
+          <a:bodyPr wrap="none" rtlCol="0">
+            <a:spAutoFit/>
+          </a:bodyPr>
+          <a:lstStyle/>
+          <a:p>
+            <a:pPr algn="ctr"/>
+            <a:r>
+              <a:rPr lang="es-ES" dirty="0" err="1"/>
+              <a:t>elementuak</a:t>
+            </a:r>
+            <a:endParaRPr lang="es-ES" dirty="0"/>
+          </a:p>
+        </p:txBody>
+      </p:sp>
+      <p:sp>
+        <p:nvSpPr>
+          <p:cNvPr id="10" name="CuadroTexto 9">
+            <a:extLst>
+              <a:ext uri="{FF2B5EF4-FFF2-40B4-BE49-F238E27FC236}">
+                <a16:creationId xmlns:a16="http://schemas.microsoft.com/office/drawing/2014/main" id="{CA7B20BD-B86B-168A-7CDD-207E539920FC}"/>
+              </a:ext>
+            </a:extLst>
+          </p:cNvPr>
+          <p:cNvSpPr txBox="1"/>
+          <p:nvPr/>
+        </p:nvSpPr>
+        <p:spPr>
+          <a:xfrm>
+            <a:off x="2789773" y="390892"/>
+            <a:ext cx="950388" cy="646331"/>
+          </a:xfrm>
+          <a:prstGeom prst="rect">
+            <a:avLst/>
+          </a:prstGeom>
+          <a:noFill/>
+        </p:spPr>
+        <p:txBody>
+          <a:bodyPr wrap="none" rtlCol="0">
+            <a:spAutoFit/>
+          </a:bodyPr>
+          <a:lstStyle/>
+          <a:p>
+            <a:pPr algn="ctr"/>
+            <a:r>
+              <a:rPr lang="es-ES" dirty="0"/>
+              <a:t>hash</a:t>
+            </a:r>
+          </a:p>
+          <a:p>
+            <a:pPr algn="ctr"/>
+            <a:r>
+              <a:rPr lang="es-ES" dirty="0" err="1"/>
+              <a:t>funtzioa</a:t>
+            </a:r>
+            <a:endParaRPr lang="es-ES" dirty="0"/>
+          </a:p>
+        </p:txBody>
+      </p:sp>
+      <p:sp>
+        <p:nvSpPr>
+          <p:cNvPr id="11" name="Rectángulo 10">
+            <a:extLst>
+              <a:ext uri="{FF2B5EF4-FFF2-40B4-BE49-F238E27FC236}">
+                <a16:creationId xmlns:a16="http://schemas.microsoft.com/office/drawing/2014/main" id="{CEE1F2B2-B486-B679-EE35-23DDCE65092D}"/>
+              </a:ext>
+            </a:extLst>
+          </p:cNvPr>
+          <p:cNvSpPr/>
+          <p:nvPr/>
+        </p:nvSpPr>
+        <p:spPr>
+          <a:xfrm>
+            <a:off x="2410691" y="1045318"/>
+            <a:ext cx="1579418" cy="2790412"/>
+          </a:xfrm>
+          <a:prstGeom prst="rect">
+            <a:avLst/>
+          </a:prstGeom>
+          <a:solidFill>
+            <a:schemeClr val="accent4">
+              <a:lumMod val="20000"/>
+              <a:lumOff val="80000"/>
+            </a:schemeClr>
+          </a:solidFill>
+          <a:ln>
+            <a:noFill/>
+          </a:ln>
+        </p:spPr>
+        <p:style>
+          <a:lnRef idx="2">
+            <a:schemeClr val="accent1">
+              <a:shade val="15000"/>
+            </a:schemeClr>
+          </a:lnRef>
+          <a:fillRef idx="1">
+            <a:schemeClr val="accent1"/>
+          </a:fillRef>
+          <a:effectRef idx="0">
+            <a:schemeClr val="accent1"/>
+          </a:effectRef>
+          <a:fontRef idx="minor">
+            <a:schemeClr val="lt1"/>
+          </a:fontRef>
+        </p:style>
+        <p:txBody>
+          <a:bodyPr rtlCol="0" anchor="ctr"/>
+          <a:lstStyle/>
+          <a:p>
+            <a:pPr algn="ctr"/>
+            <a:endParaRPr lang="es-ES"/>
+          </a:p>
+        </p:txBody>
+      </p:sp>
+      <p:sp>
+        <p:nvSpPr>
+          <p:cNvPr id="12" name="Rectángulo 11">
+            <a:extLst>
+              <a:ext uri="{FF2B5EF4-FFF2-40B4-BE49-F238E27FC236}">
+                <a16:creationId xmlns:a16="http://schemas.microsoft.com/office/drawing/2014/main" id="{780C464E-60DD-DCA7-2AA2-1079C2E8BDEB}"/>
+              </a:ext>
+            </a:extLst>
+          </p:cNvPr>
+          <p:cNvSpPr/>
+          <p:nvPr/>
+        </p:nvSpPr>
+        <p:spPr>
+          <a:xfrm>
+            <a:off x="4300375" y="1176330"/>
+            <a:ext cx="271625" cy="233976"/>
+          </a:xfrm>
+          <a:prstGeom prst="rect">
+            <a:avLst/>
+          </a:prstGeom>
+          <a:solidFill>
+            <a:schemeClr val="bg1"/>
+          </a:solidFill>
+        </p:spPr>
+        <p:style>
+          <a:lnRef idx="2">
+            <a:schemeClr val="accent1">
+              <a:shade val="15000"/>
+            </a:schemeClr>
+          </a:lnRef>
+          <a:fillRef idx="1">
+            <a:schemeClr val="accent1"/>
+          </a:fillRef>
+          <a:effectRef idx="0">
+            <a:schemeClr val="accent1"/>
+          </a:effectRef>
+          <a:fontRef idx="minor">
+            <a:schemeClr val="lt1"/>
+          </a:fontRef>
+        </p:style>
+        <p:txBody>
+          <a:bodyPr lIns="0" tIns="0" rIns="0" bIns="0" rtlCol="0" anchor="ctr"/>
+          <a:lstStyle/>
+          <a:p>
+            <a:pPr algn="ctr"/>
+            <a:r>
+              <a:rPr lang="es-ES" sz="1000" dirty="0">
+                <a:solidFill>
+                  <a:schemeClr val="tx1"/>
+                </a:solidFill>
+              </a:rPr>
+              <a:t>0</a:t>
+            </a:r>
+          </a:p>
+        </p:txBody>
+      </p:sp>
+      <p:sp>
+        <p:nvSpPr>
+          <p:cNvPr id="13" name="Rectángulo 12">
+            <a:extLst>
+              <a:ext uri="{FF2B5EF4-FFF2-40B4-BE49-F238E27FC236}">
+                <a16:creationId xmlns:a16="http://schemas.microsoft.com/office/drawing/2014/main" id="{5E74453D-99D9-788B-06D8-9974ABFA8378}"/>
+              </a:ext>
+            </a:extLst>
+          </p:cNvPr>
+          <p:cNvSpPr/>
+          <p:nvPr/>
+        </p:nvSpPr>
+        <p:spPr>
+          <a:xfrm>
+            <a:off x="4572000" y="1176330"/>
+            <a:ext cx="1119930" cy="233977"/>
+          </a:xfrm>
+          <a:prstGeom prst="rect">
+            <a:avLst/>
+          </a:prstGeom>
+          <a:solidFill>
+            <a:schemeClr val="bg1"/>
+          </a:solidFill>
+        </p:spPr>
+        <p:style>
+          <a:lnRef idx="2">
+            <a:schemeClr val="accent1">
+              <a:shade val="15000"/>
+            </a:schemeClr>
+          </a:lnRef>
+          <a:fillRef idx="1">
+            <a:schemeClr val="accent1"/>
+          </a:fillRef>
+          <a:effectRef idx="0">
+            <a:schemeClr val="accent1"/>
+          </a:effectRef>
+          <a:fontRef idx="minor">
+            <a:schemeClr val="lt1"/>
+          </a:fontRef>
+        </p:style>
+        <p:txBody>
+          <a:bodyPr rtlCol="0" anchor="ctr"/>
+          <a:lstStyle/>
+          <a:p>
+            <a:pPr algn="ctr"/>
+            <a:endParaRPr lang="es-ES" sz="1600" dirty="0">
+              <a:solidFill>
+                <a:schemeClr val="tx1"/>
+              </a:solidFill>
+            </a:endParaRPr>
+          </a:p>
+        </p:txBody>
+      </p:sp>
+      <p:sp>
+        <p:nvSpPr>
+          <p:cNvPr id="14" name="Rectángulo 13">
+            <a:extLst>
+              <a:ext uri="{FF2B5EF4-FFF2-40B4-BE49-F238E27FC236}">
+                <a16:creationId xmlns:a16="http://schemas.microsoft.com/office/drawing/2014/main" id="{9EB8445D-1291-706B-07A3-AAD28CD03007}"/>
+              </a:ext>
+            </a:extLst>
+          </p:cNvPr>
+          <p:cNvSpPr/>
+          <p:nvPr/>
+        </p:nvSpPr>
+        <p:spPr>
+          <a:xfrm>
+            <a:off x="4300139" y="1402763"/>
+            <a:ext cx="271625" cy="233976"/>
+          </a:xfrm>
+          <a:prstGeom prst="rect">
+            <a:avLst/>
+          </a:prstGeom>
+          <a:solidFill>
+            <a:schemeClr val="accent5">
+              <a:lumMod val="20000"/>
+              <a:lumOff val="80000"/>
+            </a:schemeClr>
+          </a:solidFill>
+        </p:spPr>
+        <p:style>
+          <a:lnRef idx="2">
+            <a:schemeClr val="accent1">
+              <a:shade val="15000"/>
+            </a:schemeClr>
+          </a:lnRef>
+          <a:fillRef idx="1">
+            <a:schemeClr val="accent1"/>
+          </a:fillRef>
+          <a:effectRef idx="0">
+            <a:schemeClr val="accent1"/>
+          </a:effectRef>
+          <a:fontRef idx="minor">
+            <a:schemeClr val="lt1"/>
+          </a:fontRef>
+        </p:style>
+        <p:txBody>
+          <a:bodyPr lIns="0" tIns="0" rIns="0" bIns="0" rtlCol="0" anchor="ctr"/>
+          <a:lstStyle/>
+          <a:p>
+            <a:pPr algn="ctr"/>
+            <a:r>
+              <a:rPr lang="es-ES" sz="1000" dirty="0">
+                <a:solidFill>
+                  <a:schemeClr val="tx1"/>
+                </a:solidFill>
+              </a:rPr>
+              <a:t>1</a:t>
+            </a:r>
+          </a:p>
+        </p:txBody>
+      </p:sp>
+      <p:sp>
+        <p:nvSpPr>
+          <p:cNvPr id="15" name="Rectángulo 14">
+            <a:extLst>
+              <a:ext uri="{FF2B5EF4-FFF2-40B4-BE49-F238E27FC236}">
+                <a16:creationId xmlns:a16="http://schemas.microsoft.com/office/drawing/2014/main" id="{A463E6DC-CC3C-690B-2FA1-3346C087D840}"/>
+              </a:ext>
+            </a:extLst>
+          </p:cNvPr>
+          <p:cNvSpPr/>
+          <p:nvPr/>
+        </p:nvSpPr>
+        <p:spPr>
+          <a:xfrm>
+            <a:off x="4571764" y="1402763"/>
+            <a:ext cx="1119930" cy="233977"/>
+          </a:xfrm>
+          <a:prstGeom prst="rect">
+            <a:avLst/>
+          </a:prstGeom>
+          <a:solidFill>
+            <a:schemeClr val="accent5">
+              <a:lumMod val="20000"/>
+              <a:lumOff val="80000"/>
+            </a:schemeClr>
+          </a:solidFill>
+        </p:spPr>
+        <p:style>
+          <a:lnRef idx="2">
+            <a:schemeClr val="accent1">
+              <a:shade val="15000"/>
+            </a:schemeClr>
+          </a:lnRef>
+          <a:fillRef idx="1">
+            <a:schemeClr val="accent1"/>
+          </a:fillRef>
+          <a:effectRef idx="0">
+            <a:schemeClr val="accent1"/>
+          </a:effectRef>
+          <a:fontRef idx="minor">
+            <a:schemeClr val="lt1"/>
+          </a:fontRef>
+        </p:style>
+        <p:txBody>
+          <a:bodyPr rtlCol="0" anchor="ctr"/>
+          <a:lstStyle/>
+          <a:p>
+            <a:pPr algn="ctr"/>
+            <a:r>
+              <a:rPr lang="es-ES" sz="1600" dirty="0">
+                <a:solidFill>
+                  <a:schemeClr val="tx1"/>
+                </a:solidFill>
+              </a:rPr>
+              <a:t>Jon</a:t>
+            </a:r>
+          </a:p>
+        </p:txBody>
+      </p:sp>
+      <p:sp>
+        <p:nvSpPr>
+          <p:cNvPr id="16" name="Rectángulo 15">
+            <a:extLst>
+              <a:ext uri="{FF2B5EF4-FFF2-40B4-BE49-F238E27FC236}">
+                <a16:creationId xmlns:a16="http://schemas.microsoft.com/office/drawing/2014/main" id="{6A65353E-045E-6535-2B26-342020ED8EB3}"/>
+              </a:ext>
+            </a:extLst>
+          </p:cNvPr>
+          <p:cNvSpPr/>
+          <p:nvPr/>
+        </p:nvSpPr>
+        <p:spPr>
+          <a:xfrm>
+            <a:off x="4300139" y="1636739"/>
+            <a:ext cx="271625" cy="233976"/>
+          </a:xfrm>
+          <a:prstGeom prst="rect">
+            <a:avLst/>
+          </a:prstGeom>
+          <a:solidFill>
+            <a:schemeClr val="bg1"/>
+          </a:solidFill>
+        </p:spPr>
+        <p:style>
+          <a:lnRef idx="2">
+            <a:schemeClr val="accent1">
+              <a:shade val="15000"/>
+            </a:schemeClr>
+          </a:lnRef>
+          <a:fillRef idx="1">
+            <a:schemeClr val="accent1"/>
+          </a:fillRef>
+          <a:effectRef idx="0">
+            <a:schemeClr val="accent1"/>
+          </a:effectRef>
+          <a:fontRef idx="minor">
+            <a:schemeClr val="lt1"/>
+          </a:fontRef>
+        </p:style>
+        <p:txBody>
+          <a:bodyPr lIns="0" tIns="0" rIns="0" bIns="0" rtlCol="0" anchor="ctr"/>
+          <a:lstStyle/>
+          <a:p>
+            <a:pPr algn="ctr"/>
+            <a:r>
+              <a:rPr lang="es-ES" sz="1000" dirty="0">
+                <a:solidFill>
+                  <a:schemeClr val="tx1"/>
+                </a:solidFill>
+              </a:rPr>
+              <a:t>2</a:t>
+            </a:r>
+          </a:p>
+        </p:txBody>
+      </p:sp>
+      <p:sp>
+        <p:nvSpPr>
+          <p:cNvPr id="17" name="Rectángulo 16">
+            <a:extLst>
+              <a:ext uri="{FF2B5EF4-FFF2-40B4-BE49-F238E27FC236}">
+                <a16:creationId xmlns:a16="http://schemas.microsoft.com/office/drawing/2014/main" id="{8277A856-4CA1-18F5-3056-6BC7D67221B0}"/>
+              </a:ext>
+            </a:extLst>
+          </p:cNvPr>
+          <p:cNvSpPr/>
+          <p:nvPr/>
+        </p:nvSpPr>
+        <p:spPr>
+          <a:xfrm>
+            <a:off x="4571764" y="1636739"/>
+            <a:ext cx="1119930" cy="233977"/>
+          </a:xfrm>
+          <a:prstGeom prst="rect">
+            <a:avLst/>
+          </a:prstGeom>
+          <a:solidFill>
+            <a:schemeClr val="accent1">
+              <a:lumMod val="20000"/>
+              <a:lumOff val="80000"/>
+            </a:schemeClr>
+          </a:solidFill>
+        </p:spPr>
+        <p:style>
+          <a:lnRef idx="2">
+            <a:schemeClr val="accent1">
+              <a:shade val="15000"/>
+            </a:schemeClr>
+          </a:lnRef>
+          <a:fillRef idx="1">
+            <a:schemeClr val="accent1"/>
+          </a:fillRef>
+          <a:effectRef idx="0">
+            <a:schemeClr val="accent1"/>
+          </a:effectRef>
+          <a:fontRef idx="minor">
+            <a:schemeClr val="lt1"/>
+          </a:fontRef>
+        </p:style>
+        <p:txBody>
+          <a:bodyPr rtlCol="0" anchor="ctr"/>
+          <a:lstStyle/>
+          <a:p>
+            <a:pPr algn="ctr"/>
+            <a:r>
+              <a:rPr lang="es-ES" sz="1600" dirty="0">
+                <a:solidFill>
+                  <a:schemeClr val="tx1"/>
+                </a:solidFill>
+              </a:rPr>
+              <a:t>Nora</a:t>
+            </a:r>
+          </a:p>
+        </p:txBody>
+      </p:sp>
+      <p:sp>
+        <p:nvSpPr>
+          <p:cNvPr id="18" name="Rectángulo 17">
+            <a:extLst>
+              <a:ext uri="{FF2B5EF4-FFF2-40B4-BE49-F238E27FC236}">
+                <a16:creationId xmlns:a16="http://schemas.microsoft.com/office/drawing/2014/main" id="{3C8C9F7D-4109-3100-1C43-1E0FE22EAD06}"/>
+              </a:ext>
+            </a:extLst>
+          </p:cNvPr>
+          <p:cNvSpPr/>
+          <p:nvPr/>
+        </p:nvSpPr>
+        <p:spPr>
+          <a:xfrm>
+            <a:off x="4299903" y="1863172"/>
+            <a:ext cx="271625" cy="233976"/>
+          </a:xfrm>
+          <a:prstGeom prst="rect">
+            <a:avLst/>
+          </a:prstGeom>
+          <a:solidFill>
+            <a:schemeClr val="bg1"/>
+          </a:solidFill>
+        </p:spPr>
+        <p:style>
+          <a:lnRef idx="2">
+            <a:schemeClr val="accent1">
+              <a:shade val="15000"/>
+            </a:schemeClr>
+          </a:lnRef>
+          <a:fillRef idx="1">
+            <a:schemeClr val="accent1"/>
+          </a:fillRef>
+          <a:effectRef idx="0">
+            <a:schemeClr val="accent1"/>
+          </a:effectRef>
+          <a:fontRef idx="minor">
+            <a:schemeClr val="lt1"/>
+          </a:fontRef>
+        </p:style>
+        <p:txBody>
+          <a:bodyPr lIns="0" tIns="0" rIns="0" bIns="0" rtlCol="0" anchor="ctr"/>
+          <a:lstStyle/>
+          <a:p>
+            <a:pPr algn="ctr"/>
+            <a:r>
+              <a:rPr lang="es-ES" sz="1000" dirty="0">
+                <a:solidFill>
+                  <a:schemeClr val="tx1"/>
+                </a:solidFill>
+              </a:rPr>
+              <a:t>3</a:t>
+            </a:r>
+          </a:p>
+        </p:txBody>
+      </p:sp>
+      <p:sp>
+        <p:nvSpPr>
+          <p:cNvPr id="19" name="Rectángulo 18">
+            <a:extLst>
+              <a:ext uri="{FF2B5EF4-FFF2-40B4-BE49-F238E27FC236}">
+                <a16:creationId xmlns:a16="http://schemas.microsoft.com/office/drawing/2014/main" id="{7811AE9D-DDC9-218F-2780-22F8D9C1C4DD}"/>
+              </a:ext>
+            </a:extLst>
+          </p:cNvPr>
+          <p:cNvSpPr/>
+          <p:nvPr/>
+        </p:nvSpPr>
+        <p:spPr>
+          <a:xfrm>
+            <a:off x="4571528" y="1863172"/>
+            <a:ext cx="1119930" cy="233977"/>
+          </a:xfrm>
+          <a:prstGeom prst="rect">
+            <a:avLst/>
+          </a:prstGeom>
+          <a:solidFill>
+            <a:schemeClr val="bg1"/>
+          </a:solidFill>
+        </p:spPr>
+        <p:style>
+          <a:lnRef idx="2">
+            <a:schemeClr val="accent1">
+              <a:shade val="15000"/>
+            </a:schemeClr>
+          </a:lnRef>
+          <a:fillRef idx="1">
+            <a:schemeClr val="accent1"/>
+          </a:fillRef>
+          <a:effectRef idx="0">
+            <a:schemeClr val="accent1"/>
+          </a:effectRef>
+          <a:fontRef idx="minor">
+            <a:schemeClr val="lt1"/>
+          </a:fontRef>
+        </p:style>
+        <p:txBody>
+          <a:bodyPr rtlCol="0" anchor="ctr"/>
+          <a:lstStyle/>
+          <a:p>
+            <a:pPr algn="ctr"/>
+            <a:endParaRPr lang="es-ES" sz="1600" dirty="0">
+              <a:solidFill>
+                <a:schemeClr val="tx1"/>
+              </a:solidFill>
+            </a:endParaRPr>
+          </a:p>
+        </p:txBody>
+      </p:sp>
+      <p:sp>
+        <p:nvSpPr>
+          <p:cNvPr id="20" name="Rectángulo 19">
+            <a:extLst>
+              <a:ext uri="{FF2B5EF4-FFF2-40B4-BE49-F238E27FC236}">
+                <a16:creationId xmlns:a16="http://schemas.microsoft.com/office/drawing/2014/main" id="{C6E17742-D3B9-C82F-93A7-2F16E2327E7D}"/>
+              </a:ext>
+            </a:extLst>
+          </p:cNvPr>
+          <p:cNvSpPr/>
+          <p:nvPr/>
+        </p:nvSpPr>
+        <p:spPr>
+          <a:xfrm>
+            <a:off x="4299903" y="2086058"/>
+            <a:ext cx="271625" cy="233976"/>
+          </a:xfrm>
+          <a:prstGeom prst="rect">
+            <a:avLst/>
+          </a:prstGeom>
+          <a:solidFill>
+            <a:schemeClr val="accent5">
+              <a:lumMod val="20000"/>
+              <a:lumOff val="80000"/>
+            </a:schemeClr>
+          </a:solidFill>
+        </p:spPr>
+        <p:style>
+          <a:lnRef idx="2">
+            <a:schemeClr val="accent1">
+              <a:shade val="15000"/>
+            </a:schemeClr>
+          </a:lnRef>
+          <a:fillRef idx="1">
+            <a:schemeClr val="accent1"/>
+          </a:fillRef>
+          <a:effectRef idx="0">
+            <a:schemeClr val="accent1"/>
+          </a:effectRef>
+          <a:fontRef idx="minor">
+            <a:schemeClr val="lt1"/>
+          </a:fontRef>
+        </p:style>
+        <p:txBody>
+          <a:bodyPr lIns="0" tIns="0" rIns="0" bIns="0" rtlCol="0" anchor="ctr"/>
+          <a:lstStyle/>
+          <a:p>
+            <a:pPr algn="ctr"/>
+            <a:r>
+              <a:rPr lang="es-ES" sz="1000" dirty="0">
+                <a:solidFill>
+                  <a:schemeClr val="tx1"/>
+                </a:solidFill>
+              </a:rPr>
+              <a:t>4</a:t>
+            </a:r>
+          </a:p>
+        </p:txBody>
+      </p:sp>
+      <p:sp>
+        <p:nvSpPr>
+          <p:cNvPr id="21" name="Rectángulo 20">
+            <a:extLst>
+              <a:ext uri="{FF2B5EF4-FFF2-40B4-BE49-F238E27FC236}">
+                <a16:creationId xmlns:a16="http://schemas.microsoft.com/office/drawing/2014/main" id="{11C18331-0593-D308-AD97-561A3A029DFB}"/>
+              </a:ext>
+            </a:extLst>
+          </p:cNvPr>
+          <p:cNvSpPr/>
+          <p:nvPr/>
+        </p:nvSpPr>
+        <p:spPr>
+          <a:xfrm>
+            <a:off x="4571528" y="2086058"/>
+            <a:ext cx="1119930" cy="233977"/>
+          </a:xfrm>
+          <a:prstGeom prst="rect">
+            <a:avLst/>
+          </a:prstGeom>
+          <a:solidFill>
+            <a:schemeClr val="accent5">
+              <a:lumMod val="20000"/>
+              <a:lumOff val="80000"/>
+            </a:schemeClr>
+          </a:solidFill>
+        </p:spPr>
+        <p:style>
+          <a:lnRef idx="2">
+            <a:schemeClr val="accent1">
+              <a:shade val="15000"/>
+            </a:schemeClr>
+          </a:lnRef>
+          <a:fillRef idx="1">
+            <a:schemeClr val="accent1"/>
+          </a:fillRef>
+          <a:effectRef idx="0">
+            <a:schemeClr val="accent1"/>
+          </a:effectRef>
+          <a:fontRef idx="minor">
+            <a:schemeClr val="lt1"/>
+          </a:fontRef>
+        </p:style>
+        <p:txBody>
+          <a:bodyPr rtlCol="0" anchor="ctr"/>
+          <a:lstStyle/>
+          <a:p>
+            <a:pPr algn="ctr"/>
+            <a:r>
+              <a:rPr lang="es-ES" sz="1600" dirty="0">
+                <a:solidFill>
+                  <a:schemeClr val="tx1"/>
+                </a:solidFill>
+              </a:rPr>
+              <a:t>Ane</a:t>
+            </a:r>
+          </a:p>
+        </p:txBody>
+      </p:sp>
+      <p:sp>
+        <p:nvSpPr>
+          <p:cNvPr id="22" name="Rectángulo 21">
+            <a:extLst>
+              <a:ext uri="{FF2B5EF4-FFF2-40B4-BE49-F238E27FC236}">
+                <a16:creationId xmlns:a16="http://schemas.microsoft.com/office/drawing/2014/main" id="{33300155-89AF-C8D3-536C-25B4BC21813A}"/>
+              </a:ext>
+            </a:extLst>
+          </p:cNvPr>
+          <p:cNvSpPr/>
+          <p:nvPr/>
+        </p:nvSpPr>
+        <p:spPr>
+          <a:xfrm>
+            <a:off x="4299667" y="2312491"/>
+            <a:ext cx="271625" cy="233976"/>
+          </a:xfrm>
+          <a:prstGeom prst="rect">
+            <a:avLst/>
+          </a:prstGeom>
+          <a:solidFill>
+            <a:schemeClr val="bg1"/>
+          </a:solidFill>
+        </p:spPr>
+        <p:style>
+          <a:lnRef idx="2">
+            <a:schemeClr val="accent1">
+              <a:shade val="15000"/>
+            </a:schemeClr>
+          </a:lnRef>
+          <a:fillRef idx="1">
+            <a:schemeClr val="accent1"/>
+          </a:fillRef>
+          <a:effectRef idx="0">
+            <a:schemeClr val="accent1"/>
+          </a:effectRef>
+          <a:fontRef idx="minor">
+            <a:schemeClr val="lt1"/>
+          </a:fontRef>
+        </p:style>
+        <p:txBody>
+          <a:bodyPr lIns="0" tIns="0" rIns="0" bIns="0" rtlCol="0" anchor="ctr"/>
+          <a:lstStyle/>
+          <a:p>
+            <a:pPr algn="ctr"/>
+            <a:endParaRPr lang="es-ES" sz="1000" dirty="0">
+              <a:solidFill>
+                <a:schemeClr val="tx1"/>
+              </a:solidFill>
+            </a:endParaRPr>
+          </a:p>
+        </p:txBody>
+      </p:sp>
+      <p:sp>
+        <p:nvSpPr>
+          <p:cNvPr id="23" name="Rectángulo 22">
+            <a:extLst>
+              <a:ext uri="{FF2B5EF4-FFF2-40B4-BE49-F238E27FC236}">
+                <a16:creationId xmlns:a16="http://schemas.microsoft.com/office/drawing/2014/main" id="{72622AD4-F484-084C-9786-994A36794C76}"/>
+              </a:ext>
+            </a:extLst>
+          </p:cNvPr>
+          <p:cNvSpPr/>
+          <p:nvPr/>
+        </p:nvSpPr>
+        <p:spPr>
+          <a:xfrm>
+            <a:off x="4571292" y="2312491"/>
+            <a:ext cx="1119930" cy="233977"/>
+          </a:xfrm>
+          <a:prstGeom prst="rect">
+            <a:avLst/>
+          </a:prstGeom>
+          <a:solidFill>
+            <a:schemeClr val="bg1"/>
+          </a:solidFill>
+        </p:spPr>
+        <p:style>
+          <a:lnRef idx="2">
+            <a:schemeClr val="accent1">
+              <a:shade val="15000"/>
+            </a:schemeClr>
+          </a:lnRef>
+          <a:fillRef idx="1">
+            <a:schemeClr val="accent1"/>
+          </a:fillRef>
+          <a:effectRef idx="0">
+            <a:schemeClr val="accent1"/>
+          </a:effectRef>
+          <a:fontRef idx="minor">
+            <a:schemeClr val="lt1"/>
+          </a:fontRef>
+        </p:style>
+        <p:txBody>
+          <a:bodyPr rtlCol="0" anchor="ctr"/>
+          <a:lstStyle/>
+          <a:p>
+            <a:pPr algn="ctr"/>
+            <a:endParaRPr lang="es-ES" sz="1600" dirty="0">
+              <a:solidFill>
+                <a:schemeClr val="tx1"/>
+              </a:solidFill>
+            </a:endParaRPr>
+          </a:p>
+        </p:txBody>
+      </p:sp>
+      <p:sp>
+        <p:nvSpPr>
+          <p:cNvPr id="28" name="Rectángulo 27">
+            <a:extLst>
+              <a:ext uri="{FF2B5EF4-FFF2-40B4-BE49-F238E27FC236}">
+                <a16:creationId xmlns:a16="http://schemas.microsoft.com/office/drawing/2014/main" id="{4973F50C-8E9E-3C37-9D62-73410FB2571E}"/>
+              </a:ext>
+            </a:extLst>
+          </p:cNvPr>
+          <p:cNvSpPr/>
+          <p:nvPr/>
+        </p:nvSpPr>
+        <p:spPr>
+          <a:xfrm>
+            <a:off x="4299431" y="2801351"/>
+            <a:ext cx="271625" cy="233976"/>
+          </a:xfrm>
+          <a:prstGeom prst="rect">
+            <a:avLst/>
+          </a:prstGeom>
+          <a:solidFill>
+            <a:schemeClr val="bg1"/>
+          </a:solidFill>
+        </p:spPr>
+        <p:style>
+          <a:lnRef idx="2">
+            <a:schemeClr val="accent1">
+              <a:shade val="15000"/>
+            </a:schemeClr>
+          </a:lnRef>
+          <a:fillRef idx="1">
+            <a:schemeClr val="accent1"/>
+          </a:fillRef>
+          <a:effectRef idx="0">
+            <a:schemeClr val="accent1"/>
+          </a:effectRef>
+          <a:fontRef idx="minor">
+            <a:schemeClr val="lt1"/>
+          </a:fontRef>
+        </p:style>
+        <p:txBody>
+          <a:bodyPr lIns="0" tIns="0" rIns="0" bIns="0" rtlCol="0" anchor="ctr"/>
+          <a:lstStyle/>
+          <a:p>
+            <a:pPr algn="ctr"/>
+            <a:r>
+              <a:rPr lang="es-ES" sz="1000" dirty="0">
+                <a:solidFill>
+                  <a:schemeClr val="tx1"/>
+                </a:solidFill>
+              </a:rPr>
+              <a:t>37</a:t>
+            </a:r>
+          </a:p>
+        </p:txBody>
+      </p:sp>
+      <p:sp>
+        <p:nvSpPr>
+          <p:cNvPr id="29" name="Rectángulo 28">
+            <a:extLst>
+              <a:ext uri="{FF2B5EF4-FFF2-40B4-BE49-F238E27FC236}">
+                <a16:creationId xmlns:a16="http://schemas.microsoft.com/office/drawing/2014/main" id="{1021F915-5B63-0B68-3F1D-449C77251D89}"/>
+              </a:ext>
+            </a:extLst>
+          </p:cNvPr>
+          <p:cNvSpPr/>
+          <p:nvPr/>
+        </p:nvSpPr>
+        <p:spPr>
+          <a:xfrm>
+            <a:off x="4571056" y="2801351"/>
+            <a:ext cx="1119930" cy="233977"/>
+          </a:xfrm>
+          <a:prstGeom prst="rect">
+            <a:avLst/>
+          </a:prstGeom>
+          <a:solidFill>
+            <a:schemeClr val="bg1"/>
+          </a:solidFill>
+        </p:spPr>
+        <p:style>
+          <a:lnRef idx="2">
+            <a:schemeClr val="accent1">
+              <a:shade val="15000"/>
+            </a:schemeClr>
+          </a:lnRef>
+          <a:fillRef idx="1">
+            <a:schemeClr val="accent1"/>
+          </a:fillRef>
+          <a:effectRef idx="0">
+            <a:schemeClr val="accent1"/>
+          </a:effectRef>
+          <a:fontRef idx="minor">
+            <a:schemeClr val="lt1"/>
+          </a:fontRef>
+        </p:style>
+        <p:txBody>
+          <a:bodyPr rtlCol="0" anchor="ctr"/>
+          <a:lstStyle/>
+          <a:p>
+            <a:pPr algn="ctr"/>
+            <a:endParaRPr lang="es-ES" sz="1600" dirty="0">
+              <a:solidFill>
+                <a:schemeClr val="tx1"/>
+              </a:solidFill>
+            </a:endParaRPr>
+          </a:p>
+        </p:txBody>
+      </p:sp>
+      <p:sp>
+        <p:nvSpPr>
+          <p:cNvPr id="30" name="Rectángulo 29">
+            <a:extLst>
+              <a:ext uri="{FF2B5EF4-FFF2-40B4-BE49-F238E27FC236}">
+                <a16:creationId xmlns:a16="http://schemas.microsoft.com/office/drawing/2014/main" id="{EE3F1A3B-DADF-5DF2-6636-C4D8C2A86A4D}"/>
+              </a:ext>
+            </a:extLst>
+          </p:cNvPr>
+          <p:cNvSpPr/>
+          <p:nvPr/>
+        </p:nvSpPr>
+        <p:spPr>
+          <a:xfrm>
+            <a:off x="4299195" y="3027784"/>
+            <a:ext cx="271625" cy="233976"/>
+          </a:xfrm>
+          <a:prstGeom prst="rect">
+            <a:avLst/>
+          </a:prstGeom>
+          <a:solidFill>
+            <a:schemeClr val="accent5">
+              <a:lumMod val="20000"/>
+              <a:lumOff val="80000"/>
+            </a:schemeClr>
+          </a:solidFill>
+        </p:spPr>
+        <p:style>
+          <a:lnRef idx="2">
+            <a:schemeClr val="accent1">
+              <a:shade val="15000"/>
+            </a:schemeClr>
+          </a:lnRef>
+          <a:fillRef idx="1">
+            <a:schemeClr val="accent1"/>
+          </a:fillRef>
+          <a:effectRef idx="0">
+            <a:schemeClr val="accent1"/>
+          </a:effectRef>
+          <a:fontRef idx="minor">
+            <a:schemeClr val="lt1"/>
+          </a:fontRef>
+        </p:style>
+        <p:txBody>
+          <a:bodyPr lIns="0" tIns="0" rIns="0" bIns="0" rtlCol="0" anchor="ctr"/>
+          <a:lstStyle/>
+          <a:p>
+            <a:pPr algn="ctr"/>
+            <a:r>
+              <a:rPr lang="es-ES" sz="1000" dirty="0">
+                <a:solidFill>
+                  <a:schemeClr val="tx1"/>
+                </a:solidFill>
+              </a:rPr>
+              <a:t>38</a:t>
+            </a:r>
+          </a:p>
+        </p:txBody>
+      </p:sp>
+      <p:sp>
+        <p:nvSpPr>
+          <p:cNvPr id="31" name="Rectángulo 30">
+            <a:extLst>
+              <a:ext uri="{FF2B5EF4-FFF2-40B4-BE49-F238E27FC236}">
+                <a16:creationId xmlns:a16="http://schemas.microsoft.com/office/drawing/2014/main" id="{A8CDD978-D6E9-2A9D-90B1-AE23198EF3D3}"/>
+              </a:ext>
+            </a:extLst>
+          </p:cNvPr>
+          <p:cNvSpPr/>
+          <p:nvPr/>
+        </p:nvSpPr>
+        <p:spPr>
+          <a:xfrm>
+            <a:off x="4570820" y="3027784"/>
+            <a:ext cx="1119930" cy="233977"/>
+          </a:xfrm>
+          <a:prstGeom prst="rect">
+            <a:avLst/>
+          </a:prstGeom>
+          <a:solidFill>
+            <a:schemeClr val="accent5">
+              <a:lumMod val="20000"/>
+              <a:lumOff val="80000"/>
+            </a:schemeClr>
+          </a:solidFill>
+        </p:spPr>
+        <p:style>
+          <a:lnRef idx="2">
+            <a:schemeClr val="accent1">
+              <a:shade val="15000"/>
+            </a:schemeClr>
+          </a:lnRef>
+          <a:fillRef idx="1">
+            <a:schemeClr val="accent1"/>
+          </a:fillRef>
+          <a:effectRef idx="0">
+            <a:schemeClr val="accent1"/>
+          </a:effectRef>
+          <a:fontRef idx="minor">
+            <a:schemeClr val="lt1"/>
+          </a:fontRef>
+        </p:style>
+        <p:txBody>
+          <a:bodyPr rtlCol="0" anchor="ctr"/>
+          <a:lstStyle/>
+          <a:p>
+            <a:pPr algn="ctr"/>
+            <a:r>
+              <a:rPr lang="es-ES" sz="1600" dirty="0">
+                <a:solidFill>
+                  <a:schemeClr val="tx1"/>
+                </a:solidFill>
+              </a:rPr>
+              <a:t>Asier</a:t>
+            </a:r>
+          </a:p>
+        </p:txBody>
+      </p:sp>
+      <p:sp>
+        <p:nvSpPr>
+          <p:cNvPr id="32" name="Rectángulo 31">
+            <a:extLst>
+              <a:ext uri="{FF2B5EF4-FFF2-40B4-BE49-F238E27FC236}">
+                <a16:creationId xmlns:a16="http://schemas.microsoft.com/office/drawing/2014/main" id="{046A2847-3AF1-4235-87B0-AA132918533A}"/>
+              </a:ext>
+            </a:extLst>
+          </p:cNvPr>
+          <p:cNvSpPr/>
+          <p:nvPr/>
+        </p:nvSpPr>
+        <p:spPr>
+          <a:xfrm>
+            <a:off x="4299195" y="3261760"/>
+            <a:ext cx="271625" cy="233976"/>
+          </a:xfrm>
+          <a:prstGeom prst="rect">
+            <a:avLst/>
+          </a:prstGeom>
+          <a:solidFill>
+            <a:schemeClr val="bg1"/>
+          </a:solidFill>
+        </p:spPr>
+        <p:style>
+          <a:lnRef idx="2">
+            <a:schemeClr val="accent1">
+              <a:shade val="15000"/>
+            </a:schemeClr>
+          </a:lnRef>
+          <a:fillRef idx="1">
+            <a:schemeClr val="accent1"/>
+          </a:fillRef>
+          <a:effectRef idx="0">
+            <a:schemeClr val="accent1"/>
+          </a:effectRef>
+          <a:fontRef idx="minor">
+            <a:schemeClr val="lt1"/>
+          </a:fontRef>
+        </p:style>
+        <p:txBody>
+          <a:bodyPr lIns="0" tIns="0" rIns="0" bIns="0" rtlCol="0" anchor="ctr"/>
+          <a:lstStyle/>
+          <a:p>
+            <a:pPr algn="ctr"/>
+            <a:r>
+              <a:rPr lang="es-ES" sz="1000" dirty="0">
+                <a:solidFill>
+                  <a:schemeClr val="tx1"/>
+                </a:solidFill>
+              </a:rPr>
+              <a:t>39</a:t>
+            </a:r>
+          </a:p>
+        </p:txBody>
+      </p:sp>
+      <p:sp>
+        <p:nvSpPr>
+          <p:cNvPr id="33" name="Rectángulo 32">
+            <a:extLst>
+              <a:ext uri="{FF2B5EF4-FFF2-40B4-BE49-F238E27FC236}">
+                <a16:creationId xmlns:a16="http://schemas.microsoft.com/office/drawing/2014/main" id="{4A15198C-54DA-BE7E-CBC6-957CBB5ABB5E}"/>
+              </a:ext>
+            </a:extLst>
+          </p:cNvPr>
+          <p:cNvSpPr/>
+          <p:nvPr/>
+        </p:nvSpPr>
+        <p:spPr>
+          <a:xfrm>
+            <a:off x="4570820" y="3261760"/>
+            <a:ext cx="1119930" cy="233977"/>
+          </a:xfrm>
+          <a:prstGeom prst="rect">
+            <a:avLst/>
+          </a:prstGeom>
+          <a:solidFill>
+            <a:schemeClr val="bg1"/>
+          </a:solidFill>
+        </p:spPr>
+        <p:style>
+          <a:lnRef idx="2">
+            <a:schemeClr val="accent1">
+              <a:shade val="15000"/>
+            </a:schemeClr>
+          </a:lnRef>
+          <a:fillRef idx="1">
+            <a:schemeClr val="accent1"/>
+          </a:fillRef>
+          <a:effectRef idx="0">
+            <a:schemeClr val="accent1"/>
+          </a:effectRef>
+          <a:fontRef idx="minor">
+            <a:schemeClr val="lt1"/>
+          </a:fontRef>
+        </p:style>
+        <p:txBody>
+          <a:bodyPr rtlCol="0" anchor="ctr"/>
+          <a:lstStyle/>
+          <a:p>
+            <a:pPr algn="ctr"/>
+            <a:endParaRPr lang="es-ES" sz="1600" dirty="0">
+              <a:solidFill>
+                <a:schemeClr val="tx1"/>
+              </a:solidFill>
+            </a:endParaRPr>
+          </a:p>
+        </p:txBody>
+      </p:sp>
+      <p:sp>
+        <p:nvSpPr>
+          <p:cNvPr id="34" name="Rectángulo 33">
+            <a:extLst>
+              <a:ext uri="{FF2B5EF4-FFF2-40B4-BE49-F238E27FC236}">
+                <a16:creationId xmlns:a16="http://schemas.microsoft.com/office/drawing/2014/main" id="{D5F83442-8F79-E645-E469-36957CA673A4}"/>
+              </a:ext>
+            </a:extLst>
+          </p:cNvPr>
+          <p:cNvSpPr/>
+          <p:nvPr/>
+        </p:nvSpPr>
+        <p:spPr>
+          <a:xfrm>
+            <a:off x="4298959" y="3488193"/>
+            <a:ext cx="271625" cy="233976"/>
+          </a:xfrm>
+          <a:prstGeom prst="rect">
+            <a:avLst/>
+          </a:prstGeom>
+          <a:solidFill>
+            <a:schemeClr val="accent5">
+              <a:lumMod val="20000"/>
+              <a:lumOff val="80000"/>
+            </a:schemeClr>
+          </a:solidFill>
+        </p:spPr>
+        <p:style>
+          <a:lnRef idx="2">
+            <a:schemeClr val="accent1">
+              <a:shade val="15000"/>
+            </a:schemeClr>
+          </a:lnRef>
+          <a:fillRef idx="1">
+            <a:schemeClr val="accent1"/>
+          </a:fillRef>
+          <a:effectRef idx="0">
+            <a:schemeClr val="accent1"/>
+          </a:effectRef>
+          <a:fontRef idx="minor">
+            <a:schemeClr val="lt1"/>
+          </a:fontRef>
+        </p:style>
+        <p:txBody>
+          <a:bodyPr lIns="0" tIns="0" rIns="0" bIns="0" rtlCol="0" anchor="ctr"/>
+          <a:lstStyle/>
+          <a:p>
+            <a:pPr algn="ctr"/>
+            <a:r>
+              <a:rPr lang="es-ES" sz="1000" dirty="0">
+                <a:solidFill>
+                  <a:schemeClr val="tx1"/>
+                </a:solidFill>
+              </a:rPr>
+              <a:t>40</a:t>
+            </a:r>
+          </a:p>
+        </p:txBody>
+      </p:sp>
+      <p:sp>
+        <p:nvSpPr>
+          <p:cNvPr id="35" name="Rectángulo 34">
+            <a:extLst>
+              <a:ext uri="{FF2B5EF4-FFF2-40B4-BE49-F238E27FC236}">
+                <a16:creationId xmlns:a16="http://schemas.microsoft.com/office/drawing/2014/main" id="{0089B770-1038-F608-31FE-423FDD4A95F6}"/>
+              </a:ext>
+            </a:extLst>
+          </p:cNvPr>
+          <p:cNvSpPr/>
+          <p:nvPr/>
+        </p:nvSpPr>
+        <p:spPr>
+          <a:xfrm>
+            <a:off x="4570584" y="3488193"/>
+            <a:ext cx="1119930" cy="233977"/>
+          </a:xfrm>
+          <a:prstGeom prst="rect">
+            <a:avLst/>
+          </a:prstGeom>
+          <a:solidFill>
+            <a:schemeClr val="accent5">
+              <a:lumMod val="20000"/>
+              <a:lumOff val="80000"/>
+            </a:schemeClr>
+          </a:solidFill>
+        </p:spPr>
+        <p:style>
+          <a:lnRef idx="2">
+            <a:schemeClr val="accent1">
+              <a:shade val="15000"/>
+            </a:schemeClr>
+          </a:lnRef>
+          <a:fillRef idx="1">
+            <a:schemeClr val="accent1"/>
+          </a:fillRef>
+          <a:effectRef idx="0">
+            <a:schemeClr val="accent1"/>
+          </a:effectRef>
+          <a:fontRef idx="minor">
+            <a:schemeClr val="lt1"/>
+          </a:fontRef>
+        </p:style>
+        <p:txBody>
+          <a:bodyPr rtlCol="0" anchor="ctr"/>
+          <a:lstStyle/>
+          <a:p>
+            <a:pPr algn="ctr"/>
+            <a:r>
+              <a:rPr lang="es-ES" sz="1600" dirty="0">
+                <a:solidFill>
+                  <a:schemeClr val="tx1"/>
+                </a:solidFill>
+              </a:rPr>
+              <a:t>Miren</a:t>
+            </a:r>
+          </a:p>
+        </p:txBody>
+      </p:sp>
+      <p:cxnSp>
+        <p:nvCxnSpPr>
+          <p:cNvPr id="54" name="Conector recto de flecha 53">
+            <a:extLst>
+              <a:ext uri="{FF2B5EF4-FFF2-40B4-BE49-F238E27FC236}">
+                <a16:creationId xmlns:a16="http://schemas.microsoft.com/office/drawing/2014/main" id="{7414F3FE-00EA-2DF7-883F-988B3D8269A6}"/>
+              </a:ext>
+            </a:extLst>
+          </p:cNvPr>
+          <p:cNvCxnSpPr>
+            <a:cxnSpLocks/>
+            <a:stCxn id="4" idx="3"/>
+            <a:endCxn id="20" idx="1"/>
+          </p:cNvCxnSpPr>
+          <p:nvPr/>
+        </p:nvCxnSpPr>
+        <p:spPr>
+          <a:xfrm>
+            <a:off x="2025941" y="1277224"/>
+            <a:ext cx="2273962" cy="925822"/>
+          </a:xfrm>
+          <a:prstGeom prst="straightConnector1">
+            <a:avLst/>
+          </a:prstGeom>
+          <a:ln w="38100">
+            <a:solidFill>
+              <a:schemeClr val="tx1">
+                <a:alpha val="50000"/>
+              </a:schemeClr>
+            </a:solidFill>
+            <a:tailEnd type="triangle" w="lg" len="lg"/>
+          </a:ln>
+        </p:spPr>
+        <p:style>
+          <a:lnRef idx="1">
+            <a:schemeClr val="accent1"/>
+          </a:lnRef>
+          <a:fillRef idx="0">
+            <a:schemeClr val="accent1"/>
+          </a:fillRef>
+          <a:effectRef idx="0">
+            <a:schemeClr val="accent1"/>
+          </a:effectRef>
+          <a:fontRef idx="minor">
+            <a:schemeClr val="tx1"/>
+          </a:fontRef>
+        </p:style>
+      </p:cxnSp>
+      <p:cxnSp>
+        <p:nvCxnSpPr>
+          <p:cNvPr id="55" name="Conector recto de flecha 54">
+            <a:extLst>
+              <a:ext uri="{FF2B5EF4-FFF2-40B4-BE49-F238E27FC236}">
+                <a16:creationId xmlns:a16="http://schemas.microsoft.com/office/drawing/2014/main" id="{ED05ED1B-BBCF-C6FC-DECE-0742C844DA4D}"/>
+              </a:ext>
+            </a:extLst>
+          </p:cNvPr>
+          <p:cNvCxnSpPr>
+            <a:cxnSpLocks/>
+            <a:stCxn id="5" idx="3"/>
+            <a:endCxn id="14" idx="1"/>
+          </p:cNvCxnSpPr>
+          <p:nvPr/>
+        </p:nvCxnSpPr>
+        <p:spPr>
+          <a:xfrm flipV="1">
+            <a:off x="2025941" y="1519751"/>
+            <a:ext cx="2274198" cy="312544"/>
+          </a:xfrm>
+          <a:prstGeom prst="straightConnector1">
+            <a:avLst/>
+          </a:prstGeom>
+          <a:ln w="38100">
+            <a:solidFill>
+              <a:schemeClr val="tx1">
+                <a:alpha val="50000"/>
+              </a:schemeClr>
+            </a:solidFill>
+            <a:tailEnd type="triangle" w="lg" len="lg"/>
+          </a:ln>
+        </p:spPr>
+        <p:style>
+          <a:lnRef idx="1">
+            <a:schemeClr val="accent1"/>
+          </a:lnRef>
+          <a:fillRef idx="0">
+            <a:schemeClr val="accent1"/>
+          </a:fillRef>
+          <a:effectRef idx="0">
+            <a:schemeClr val="accent1"/>
+          </a:effectRef>
+          <a:fontRef idx="minor">
+            <a:schemeClr val="tx1"/>
+          </a:fontRef>
+        </p:style>
+      </p:cxnSp>
+      <p:cxnSp>
+        <p:nvCxnSpPr>
+          <p:cNvPr id="58" name="Conector recto de flecha 57">
+            <a:extLst>
+              <a:ext uri="{FF2B5EF4-FFF2-40B4-BE49-F238E27FC236}">
+                <a16:creationId xmlns:a16="http://schemas.microsoft.com/office/drawing/2014/main" id="{42DF911C-84E7-37B2-BA6F-14A31F448146}"/>
+              </a:ext>
+            </a:extLst>
+          </p:cNvPr>
+          <p:cNvCxnSpPr>
+            <a:cxnSpLocks/>
+            <a:stCxn id="6" idx="3"/>
+            <a:endCxn id="34" idx="1"/>
+          </p:cNvCxnSpPr>
+          <p:nvPr/>
+        </p:nvCxnSpPr>
+        <p:spPr>
+          <a:xfrm>
+            <a:off x="1998677" y="2387366"/>
+            <a:ext cx="2300282" cy="1217815"/>
+          </a:xfrm>
+          <a:prstGeom prst="straightConnector1">
+            <a:avLst/>
+          </a:prstGeom>
+          <a:ln w="38100">
+            <a:solidFill>
+              <a:schemeClr val="tx1">
+                <a:alpha val="50000"/>
+              </a:schemeClr>
+            </a:solidFill>
+            <a:tailEnd type="triangle" w="lg" len="lg"/>
+          </a:ln>
+        </p:spPr>
+        <p:style>
+          <a:lnRef idx="1">
+            <a:schemeClr val="accent1"/>
+          </a:lnRef>
+          <a:fillRef idx="0">
+            <a:schemeClr val="accent1"/>
+          </a:fillRef>
+          <a:effectRef idx="0">
+            <a:schemeClr val="accent1"/>
+          </a:effectRef>
+          <a:fontRef idx="minor">
+            <a:schemeClr val="tx1"/>
+          </a:fontRef>
+        </p:style>
+      </p:cxnSp>
+      <p:cxnSp>
+        <p:nvCxnSpPr>
+          <p:cNvPr id="61" name="Conector recto de flecha 60">
+            <a:extLst>
+              <a:ext uri="{FF2B5EF4-FFF2-40B4-BE49-F238E27FC236}">
+                <a16:creationId xmlns:a16="http://schemas.microsoft.com/office/drawing/2014/main" id="{21C1EBF4-F3F0-A0F4-E40E-E898BF1E41F9}"/>
+              </a:ext>
+            </a:extLst>
+          </p:cNvPr>
+          <p:cNvCxnSpPr>
+            <a:cxnSpLocks/>
+            <a:stCxn id="7" idx="3"/>
+            <a:endCxn id="30" idx="1"/>
+          </p:cNvCxnSpPr>
+          <p:nvPr/>
+        </p:nvCxnSpPr>
+        <p:spPr>
+          <a:xfrm>
+            <a:off x="1998677" y="2942437"/>
+            <a:ext cx="2300518" cy="202335"/>
+          </a:xfrm>
+          <a:prstGeom prst="straightConnector1">
+            <a:avLst/>
+          </a:prstGeom>
+          <a:ln w="38100">
+            <a:solidFill>
+              <a:schemeClr val="tx1">
+                <a:alpha val="50000"/>
+              </a:schemeClr>
+            </a:solidFill>
+            <a:tailEnd type="triangle" w="lg" len="lg"/>
+          </a:ln>
+        </p:spPr>
+        <p:style>
+          <a:lnRef idx="1">
+            <a:schemeClr val="accent1"/>
+          </a:lnRef>
+          <a:fillRef idx="0">
+            <a:schemeClr val="accent1"/>
+          </a:fillRef>
+          <a:effectRef idx="0">
+            <a:schemeClr val="accent1"/>
+          </a:effectRef>
+          <a:fontRef idx="minor">
+            <a:schemeClr val="tx1"/>
+          </a:fontRef>
+        </p:style>
+      </p:cxnSp>
+      <p:cxnSp>
+        <p:nvCxnSpPr>
+          <p:cNvPr id="65" name="Conector recto de flecha 64">
+            <a:extLst>
+              <a:ext uri="{FF2B5EF4-FFF2-40B4-BE49-F238E27FC236}">
+                <a16:creationId xmlns:a16="http://schemas.microsoft.com/office/drawing/2014/main" id="{1408677D-62CB-AE78-A25E-BD46067EB37D}"/>
+              </a:ext>
+            </a:extLst>
+          </p:cNvPr>
+          <p:cNvCxnSpPr>
+            <a:cxnSpLocks/>
+            <a:stCxn id="8" idx="3"/>
+            <a:endCxn id="14" idx="1"/>
+          </p:cNvCxnSpPr>
+          <p:nvPr/>
+        </p:nvCxnSpPr>
+        <p:spPr>
+          <a:xfrm flipV="1">
+            <a:off x="1998677" y="1519751"/>
+            <a:ext cx="2301462" cy="1977757"/>
+          </a:xfrm>
+          <a:prstGeom prst="straightConnector1">
+            <a:avLst/>
+          </a:prstGeom>
+          <a:ln w="38100">
+            <a:solidFill>
+              <a:schemeClr val="tx1">
+                <a:alpha val="50000"/>
+              </a:schemeClr>
+            </a:solidFill>
+            <a:tailEnd type="triangle" w="lg" len="lg"/>
+          </a:ln>
+        </p:spPr>
+        <p:style>
+          <a:lnRef idx="1">
+            <a:schemeClr val="accent1"/>
+          </a:lnRef>
+          <a:fillRef idx="0">
+            <a:schemeClr val="accent1"/>
+          </a:fillRef>
+          <a:effectRef idx="0">
+            <a:schemeClr val="accent1"/>
+          </a:effectRef>
+          <a:fontRef idx="minor">
+            <a:schemeClr val="tx1"/>
+          </a:fontRef>
+        </p:style>
+      </p:cxnSp>
+      <p:cxnSp>
+        <p:nvCxnSpPr>
+          <p:cNvPr id="68" name="Conector recto de flecha 67">
+            <a:extLst>
+              <a:ext uri="{FF2B5EF4-FFF2-40B4-BE49-F238E27FC236}">
+                <a16:creationId xmlns:a16="http://schemas.microsoft.com/office/drawing/2014/main" id="{8FFF1FBD-016F-BE5D-AFD4-84E7D0CDED70}"/>
+              </a:ext>
+            </a:extLst>
+          </p:cNvPr>
+          <p:cNvCxnSpPr>
+            <a:cxnSpLocks/>
+            <a:stCxn id="23" idx="2"/>
+            <a:endCxn id="29" idx="0"/>
+          </p:cNvCxnSpPr>
+          <p:nvPr/>
+        </p:nvCxnSpPr>
+        <p:spPr>
+          <a:xfrm flipH="1">
+            <a:off x="5131021" y="2546468"/>
+            <a:ext cx="236" cy="254883"/>
+          </a:xfrm>
+          <a:prstGeom prst="straightConnector1">
+            <a:avLst/>
+          </a:prstGeom>
+          <a:ln w="19050">
+            <a:solidFill>
+              <a:schemeClr val="tx1"/>
+            </a:solidFill>
+            <a:prstDash val="sysDot"/>
+            <a:tailEnd type="none" w="lg" len="lg"/>
+          </a:ln>
+        </p:spPr>
+        <p:style>
+          <a:lnRef idx="1">
+            <a:schemeClr val="accent1"/>
+          </a:lnRef>
+          <a:fillRef idx="0">
+            <a:schemeClr val="accent1"/>
+          </a:fillRef>
+          <a:effectRef idx="0">
+            <a:schemeClr val="accent1"/>
+          </a:effectRef>
+          <a:fontRef idx="minor">
+            <a:schemeClr val="tx1"/>
+          </a:fontRef>
+        </p:style>
+      </p:cxnSp>
+      <p:cxnSp>
+        <p:nvCxnSpPr>
+          <p:cNvPr id="71" name="Conector recto de flecha 70">
+            <a:extLst>
+              <a:ext uri="{FF2B5EF4-FFF2-40B4-BE49-F238E27FC236}">
+                <a16:creationId xmlns:a16="http://schemas.microsoft.com/office/drawing/2014/main" id="{07AEE5C1-5AB0-9118-4B03-4EA9C39833B8}"/>
+              </a:ext>
+            </a:extLst>
+          </p:cNvPr>
+          <p:cNvCxnSpPr>
+            <a:cxnSpLocks/>
+            <a:stCxn id="22" idx="2"/>
+            <a:endCxn id="28" idx="0"/>
+          </p:cNvCxnSpPr>
+          <p:nvPr/>
+        </p:nvCxnSpPr>
+        <p:spPr>
+          <a:xfrm flipH="1">
+            <a:off x="4435244" y="2546467"/>
+            <a:ext cx="236" cy="254884"/>
+          </a:xfrm>
+          <a:prstGeom prst="straightConnector1">
+            <a:avLst/>
+          </a:prstGeom>
+          <a:ln w="19050">
+            <a:solidFill>
+              <a:schemeClr val="tx1"/>
+            </a:solidFill>
+            <a:prstDash val="sysDot"/>
+            <a:tailEnd type="none" w="lg" len="lg"/>
+          </a:ln>
+        </p:spPr>
+        <p:style>
+          <a:lnRef idx="1">
+            <a:schemeClr val="accent1"/>
+          </a:lnRef>
+          <a:fillRef idx="0">
+            <a:schemeClr val="accent1"/>
+          </a:fillRef>
+          <a:effectRef idx="0">
+            <a:schemeClr val="accent1"/>
+          </a:effectRef>
+          <a:fontRef idx="minor">
+            <a:schemeClr val="tx1"/>
+          </a:fontRef>
+        </p:style>
+      </p:cxnSp>
+      <p:sp>
+        <p:nvSpPr>
+          <p:cNvPr id="79" name="CuadroTexto 78">
+            <a:extLst>
+              <a:ext uri="{FF2B5EF4-FFF2-40B4-BE49-F238E27FC236}">
+                <a16:creationId xmlns:a16="http://schemas.microsoft.com/office/drawing/2014/main" id="{39BB042B-3068-5186-0B88-C93D2EA6BAF0}"/>
+              </a:ext>
+            </a:extLst>
+          </p:cNvPr>
+          <p:cNvSpPr txBox="1"/>
+          <p:nvPr/>
+        </p:nvSpPr>
+        <p:spPr>
+          <a:xfrm>
+            <a:off x="4688104" y="390892"/>
+            <a:ext cx="654731" cy="646331"/>
+          </a:xfrm>
+          <a:prstGeom prst="rect">
+            <a:avLst/>
+          </a:prstGeom>
+          <a:noFill/>
+        </p:spPr>
+        <p:txBody>
+          <a:bodyPr wrap="none" rtlCol="0">
+            <a:spAutoFit/>
+          </a:bodyPr>
+          <a:lstStyle/>
+          <a:p>
+            <a:pPr algn="ctr"/>
+            <a:r>
+              <a:rPr lang="es-ES" dirty="0"/>
+              <a:t>hash</a:t>
+            </a:r>
+          </a:p>
+          <a:p>
+            <a:pPr algn="ctr"/>
+            <a:r>
+              <a:rPr lang="es-ES" dirty="0"/>
+              <a:t>taula</a:t>
+            </a:r>
+          </a:p>
+        </p:txBody>
+      </p:sp>
+    </p:spTree>
+    <p:extLst>
+      <p:ext uri="{BB962C8B-B14F-4D97-AF65-F5344CB8AC3E}">
+        <p14:creationId xmlns:p14="http://schemas.microsoft.com/office/powerpoint/2010/main" val="1132343523"/>
+      </p:ext>
+    </p:extLst>
+  </p:cSld>
+  <p:clrMapOvr>
+    <a:masterClrMapping/>
+  </p:clrMapOvr>
+</p:sld>
+</file>
+
+<file path=ppt/slides/slide4.xml><?xml version="1.0" encoding="utf-8"?>
+<p:sld xmlns:a="http://schemas.openxmlformats.org/drawingml/2006/main" xmlns:r="http://schemas.openxmlformats.org/officeDocument/2006/relationships" xmlns:p="http://schemas.openxmlformats.org/presentationml/2006/main">
+  <p:cSld>
+    <p:spTree>
+      <p:nvGrpSpPr>
+        <p:cNvPr id="1" name="">
+          <a:extLst>
+            <a:ext uri="{FF2B5EF4-FFF2-40B4-BE49-F238E27FC236}">
+              <a16:creationId xmlns:a16="http://schemas.microsoft.com/office/drawing/2014/main" id="{5E20C88B-7234-F7A6-CBF9-7C9DFB65AEFD}"/>
+            </a:ext>
+          </a:extLst>
+        </p:cNvPr>
+        <p:cNvGrpSpPr/>
+        <p:nvPr/>
+      </p:nvGrpSpPr>
+      <p:grpSpPr>
+        <a:xfrm>
+          <a:off x="0" y="0"/>
+          <a:ext cx="0" cy="0"/>
+          <a:chOff x="0" y="0"/>
+          <a:chExt cx="0" cy="0"/>
+        </a:xfrm>
+      </p:grpSpPr>
+      <p:sp>
+        <p:nvSpPr>
+          <p:cNvPr id="4" name="Rectángulo 3">
+            <a:extLst>
+              <a:ext uri="{FF2B5EF4-FFF2-40B4-BE49-F238E27FC236}">
+                <a16:creationId xmlns:a16="http://schemas.microsoft.com/office/drawing/2014/main" id="{6B83FC94-E2AA-983F-F9E1-45405F3260F2}"/>
+              </a:ext>
+            </a:extLst>
+          </p:cNvPr>
+          <p:cNvSpPr/>
+          <p:nvPr/>
+        </p:nvSpPr>
+        <p:spPr>
+          <a:xfrm>
+            <a:off x="906011" y="1103152"/>
+            <a:ext cx="1119930" cy="348143"/>
+          </a:xfrm>
+          <a:prstGeom prst="rect">
+            <a:avLst/>
+          </a:prstGeom>
+          <a:solidFill>
+            <a:srgbClr val="00B050"/>
+          </a:solidFill>
+        </p:spPr>
+        <p:style>
+          <a:lnRef idx="2">
+            <a:schemeClr val="accent1">
+              <a:shade val="15000"/>
+            </a:schemeClr>
+          </a:lnRef>
+          <a:fillRef idx="1">
+            <a:schemeClr val="accent1"/>
+          </a:fillRef>
+          <a:effectRef idx="0">
+            <a:schemeClr val="accent1"/>
+          </a:effectRef>
+          <a:fontRef idx="minor">
+            <a:schemeClr val="lt1"/>
+          </a:fontRef>
+        </p:style>
+        <p:txBody>
+          <a:bodyPr rtlCol="0" anchor="ctr"/>
+          <a:lstStyle/>
+          <a:p>
+            <a:pPr algn="ctr"/>
+            <a:r>
+              <a:rPr lang="es-ES" dirty="0"/>
+              <a:t>Ane</a:t>
+            </a:r>
+          </a:p>
+        </p:txBody>
+      </p:sp>
+      <p:sp>
+        <p:nvSpPr>
+          <p:cNvPr id="5" name="Rectángulo 4">
+            <a:extLst>
+              <a:ext uri="{FF2B5EF4-FFF2-40B4-BE49-F238E27FC236}">
+                <a16:creationId xmlns:a16="http://schemas.microsoft.com/office/drawing/2014/main" id="{0A921210-76D4-3C5C-D2F3-036613BAC532}"/>
+              </a:ext>
+            </a:extLst>
+          </p:cNvPr>
+          <p:cNvSpPr/>
+          <p:nvPr/>
+        </p:nvSpPr>
+        <p:spPr>
+          <a:xfrm>
+            <a:off x="906011" y="1658223"/>
+            <a:ext cx="1119930" cy="348143"/>
+          </a:xfrm>
+          <a:prstGeom prst="rect">
+            <a:avLst/>
+          </a:prstGeom>
+          <a:solidFill>
+            <a:srgbClr val="00B050"/>
+          </a:solidFill>
+        </p:spPr>
+        <p:style>
+          <a:lnRef idx="2">
+            <a:schemeClr val="accent1">
+              <a:shade val="15000"/>
+            </a:schemeClr>
+          </a:lnRef>
+          <a:fillRef idx="1">
+            <a:schemeClr val="accent1"/>
+          </a:fillRef>
+          <a:effectRef idx="0">
+            <a:schemeClr val="accent1"/>
+          </a:effectRef>
+          <a:fontRef idx="minor">
+            <a:schemeClr val="lt1"/>
+          </a:fontRef>
+        </p:style>
+        <p:txBody>
+          <a:bodyPr rtlCol="0" anchor="ctr"/>
+          <a:lstStyle/>
+          <a:p>
+            <a:pPr algn="ctr"/>
+            <a:r>
+              <a:rPr lang="es-ES" dirty="0"/>
+              <a:t>Jon</a:t>
+            </a:r>
+          </a:p>
+        </p:txBody>
+      </p:sp>
+      <p:sp>
+        <p:nvSpPr>
+          <p:cNvPr id="6" name="Rectángulo 5">
+            <a:extLst>
+              <a:ext uri="{FF2B5EF4-FFF2-40B4-BE49-F238E27FC236}">
+                <a16:creationId xmlns:a16="http://schemas.microsoft.com/office/drawing/2014/main" id="{7109D028-6CBF-F9CD-ACFB-14EB13930134}"/>
+              </a:ext>
+            </a:extLst>
+          </p:cNvPr>
+          <p:cNvSpPr/>
+          <p:nvPr/>
+        </p:nvSpPr>
+        <p:spPr>
+          <a:xfrm>
+            <a:off x="878747" y="2213294"/>
+            <a:ext cx="1119930" cy="348143"/>
+          </a:xfrm>
+          <a:prstGeom prst="rect">
+            <a:avLst/>
+          </a:prstGeom>
+          <a:solidFill>
+            <a:srgbClr val="00B050"/>
+          </a:solidFill>
+        </p:spPr>
+        <p:style>
+          <a:lnRef idx="2">
+            <a:schemeClr val="accent1">
+              <a:shade val="15000"/>
+            </a:schemeClr>
+          </a:lnRef>
+          <a:fillRef idx="1">
+            <a:schemeClr val="accent1"/>
+          </a:fillRef>
+          <a:effectRef idx="0">
+            <a:schemeClr val="accent1"/>
+          </a:effectRef>
+          <a:fontRef idx="minor">
+            <a:schemeClr val="lt1"/>
+          </a:fontRef>
+        </p:style>
+        <p:txBody>
+          <a:bodyPr rtlCol="0" anchor="ctr"/>
+          <a:lstStyle/>
+          <a:p>
+            <a:pPr algn="ctr"/>
+            <a:r>
+              <a:rPr lang="es-ES" dirty="0"/>
+              <a:t>Miren</a:t>
+            </a:r>
+          </a:p>
+        </p:txBody>
+      </p:sp>
+      <p:sp>
+        <p:nvSpPr>
+          <p:cNvPr id="7" name="Rectángulo 6">
+            <a:extLst>
+              <a:ext uri="{FF2B5EF4-FFF2-40B4-BE49-F238E27FC236}">
+                <a16:creationId xmlns:a16="http://schemas.microsoft.com/office/drawing/2014/main" id="{1A12C6AF-D179-6D56-4F46-83272F999C66}"/>
+              </a:ext>
+            </a:extLst>
+          </p:cNvPr>
+          <p:cNvSpPr/>
+          <p:nvPr/>
+        </p:nvSpPr>
+        <p:spPr>
+          <a:xfrm>
+            <a:off x="878747" y="2768365"/>
+            <a:ext cx="1119930" cy="348143"/>
+          </a:xfrm>
+          <a:prstGeom prst="rect">
+            <a:avLst/>
+          </a:prstGeom>
+          <a:solidFill>
+            <a:srgbClr val="00B050"/>
+          </a:solidFill>
+        </p:spPr>
+        <p:style>
+          <a:lnRef idx="2">
+            <a:schemeClr val="accent1">
+              <a:shade val="15000"/>
+            </a:schemeClr>
+          </a:lnRef>
+          <a:fillRef idx="1">
+            <a:schemeClr val="accent1"/>
+          </a:fillRef>
+          <a:effectRef idx="0">
+            <a:schemeClr val="accent1"/>
+          </a:effectRef>
+          <a:fontRef idx="minor">
+            <a:schemeClr val="lt1"/>
+          </a:fontRef>
+        </p:style>
+        <p:txBody>
+          <a:bodyPr rtlCol="0" anchor="ctr"/>
+          <a:lstStyle/>
+          <a:p>
+            <a:pPr algn="ctr"/>
+            <a:r>
+              <a:rPr lang="es-ES" dirty="0"/>
+              <a:t>Asier</a:t>
+            </a:r>
+          </a:p>
+        </p:txBody>
+      </p:sp>
+      <p:sp>
+        <p:nvSpPr>
+          <p:cNvPr id="8" name="Rectángulo 7">
+            <a:extLst>
+              <a:ext uri="{FF2B5EF4-FFF2-40B4-BE49-F238E27FC236}">
+                <a16:creationId xmlns:a16="http://schemas.microsoft.com/office/drawing/2014/main" id="{E4C9BBCC-4321-1153-D0E8-FF0B3B421BB7}"/>
+              </a:ext>
+            </a:extLst>
+          </p:cNvPr>
+          <p:cNvSpPr/>
+          <p:nvPr/>
+        </p:nvSpPr>
+        <p:spPr>
+          <a:xfrm>
+            <a:off x="878747" y="3323436"/>
+            <a:ext cx="1119930" cy="348143"/>
+          </a:xfrm>
+          <a:prstGeom prst="rect">
+            <a:avLst/>
+          </a:prstGeom>
+          <a:solidFill>
+            <a:srgbClr val="00B050"/>
+          </a:solidFill>
+        </p:spPr>
+        <p:style>
+          <a:lnRef idx="2">
+            <a:schemeClr val="accent1">
+              <a:shade val="15000"/>
+            </a:schemeClr>
+          </a:lnRef>
+          <a:fillRef idx="1">
+            <a:schemeClr val="accent1"/>
+          </a:fillRef>
+          <a:effectRef idx="0">
+            <a:schemeClr val="accent1"/>
+          </a:effectRef>
+          <a:fontRef idx="minor">
+            <a:schemeClr val="lt1"/>
+          </a:fontRef>
+        </p:style>
+        <p:txBody>
+          <a:bodyPr rtlCol="0" anchor="ctr"/>
+          <a:lstStyle/>
+          <a:p>
+            <a:pPr algn="ctr"/>
+            <a:r>
+              <a:rPr lang="es-ES" dirty="0"/>
+              <a:t>Nora</a:t>
+            </a:r>
+          </a:p>
+        </p:txBody>
+      </p:sp>
+      <p:sp>
+        <p:nvSpPr>
+          <p:cNvPr id="9" name="CuadroTexto 8">
+            <a:extLst>
+              <a:ext uri="{FF2B5EF4-FFF2-40B4-BE49-F238E27FC236}">
+                <a16:creationId xmlns:a16="http://schemas.microsoft.com/office/drawing/2014/main" id="{16C74BD3-A602-DFAF-F83E-9607417293A1}"/>
+              </a:ext>
+            </a:extLst>
+          </p:cNvPr>
+          <p:cNvSpPr txBox="1"/>
+          <p:nvPr/>
+        </p:nvSpPr>
+        <p:spPr>
+          <a:xfrm>
+            <a:off x="846799" y="529391"/>
+            <a:ext cx="1301447" cy="369332"/>
+          </a:xfrm>
+          <a:prstGeom prst="rect">
+            <a:avLst/>
+          </a:prstGeom>
+          <a:noFill/>
+        </p:spPr>
+        <p:txBody>
+          <a:bodyPr wrap="none" rtlCol="0">
+            <a:spAutoFit/>
+          </a:bodyPr>
+          <a:lstStyle/>
+          <a:p>
+            <a:pPr algn="ctr"/>
+            <a:r>
+              <a:rPr lang="es-ES" dirty="0" err="1"/>
+              <a:t>elementuak</a:t>
+            </a:r>
+            <a:endParaRPr lang="es-ES" dirty="0"/>
+          </a:p>
+        </p:txBody>
+      </p:sp>
+      <p:sp>
+        <p:nvSpPr>
+          <p:cNvPr id="10" name="CuadroTexto 9">
+            <a:extLst>
+              <a:ext uri="{FF2B5EF4-FFF2-40B4-BE49-F238E27FC236}">
+                <a16:creationId xmlns:a16="http://schemas.microsoft.com/office/drawing/2014/main" id="{DC3B8C05-1103-42FC-9C60-7FE3FB4B9E9D}"/>
+              </a:ext>
+            </a:extLst>
+          </p:cNvPr>
+          <p:cNvSpPr txBox="1"/>
+          <p:nvPr/>
+        </p:nvSpPr>
+        <p:spPr>
+          <a:xfrm>
+            <a:off x="2789773" y="390892"/>
+            <a:ext cx="950388" cy="646331"/>
+          </a:xfrm>
+          <a:prstGeom prst="rect">
+            <a:avLst/>
+          </a:prstGeom>
+          <a:noFill/>
+        </p:spPr>
+        <p:txBody>
+          <a:bodyPr wrap="none" rtlCol="0">
+            <a:spAutoFit/>
+          </a:bodyPr>
+          <a:lstStyle/>
+          <a:p>
+            <a:pPr algn="ctr"/>
+            <a:r>
+              <a:rPr lang="es-ES" dirty="0"/>
+              <a:t>hash</a:t>
+            </a:r>
+          </a:p>
+          <a:p>
+            <a:pPr algn="ctr"/>
+            <a:r>
+              <a:rPr lang="es-ES" dirty="0" err="1"/>
+              <a:t>funtzioa</a:t>
+            </a:r>
+            <a:endParaRPr lang="es-ES" dirty="0"/>
+          </a:p>
+        </p:txBody>
+      </p:sp>
+      <p:sp>
+        <p:nvSpPr>
+          <p:cNvPr id="11" name="Rectángulo 10">
+            <a:extLst>
+              <a:ext uri="{FF2B5EF4-FFF2-40B4-BE49-F238E27FC236}">
+                <a16:creationId xmlns:a16="http://schemas.microsoft.com/office/drawing/2014/main" id="{4FADC5D4-5094-8360-5D13-679282D7F718}"/>
+              </a:ext>
+            </a:extLst>
+          </p:cNvPr>
+          <p:cNvSpPr/>
+          <p:nvPr/>
+        </p:nvSpPr>
+        <p:spPr>
+          <a:xfrm>
+            <a:off x="2410691" y="1045318"/>
+            <a:ext cx="1579418" cy="2790412"/>
+          </a:xfrm>
+          <a:prstGeom prst="rect">
+            <a:avLst/>
+          </a:prstGeom>
+          <a:solidFill>
+            <a:schemeClr val="accent4">
+              <a:lumMod val="20000"/>
+              <a:lumOff val="80000"/>
+            </a:schemeClr>
+          </a:solidFill>
+          <a:ln>
+            <a:noFill/>
+          </a:ln>
+        </p:spPr>
+        <p:style>
+          <a:lnRef idx="2">
+            <a:schemeClr val="accent1">
+              <a:shade val="15000"/>
+            </a:schemeClr>
+          </a:lnRef>
+          <a:fillRef idx="1">
+            <a:schemeClr val="accent1"/>
+          </a:fillRef>
+          <a:effectRef idx="0">
+            <a:schemeClr val="accent1"/>
+          </a:effectRef>
+          <a:fontRef idx="minor">
+            <a:schemeClr val="lt1"/>
+          </a:fontRef>
+        </p:style>
+        <p:txBody>
+          <a:bodyPr rtlCol="0" anchor="ctr"/>
+          <a:lstStyle/>
+          <a:p>
+            <a:pPr algn="ctr"/>
+            <a:endParaRPr lang="es-ES"/>
+          </a:p>
+        </p:txBody>
+      </p:sp>
+      <p:sp>
+        <p:nvSpPr>
+          <p:cNvPr id="12" name="Rectángulo 11">
+            <a:extLst>
+              <a:ext uri="{FF2B5EF4-FFF2-40B4-BE49-F238E27FC236}">
+                <a16:creationId xmlns:a16="http://schemas.microsoft.com/office/drawing/2014/main" id="{790B9E7A-5406-E980-4995-A02CEBB0CB36}"/>
+              </a:ext>
+            </a:extLst>
+          </p:cNvPr>
+          <p:cNvSpPr/>
+          <p:nvPr/>
+        </p:nvSpPr>
+        <p:spPr>
+          <a:xfrm>
+            <a:off x="4300375" y="1176330"/>
+            <a:ext cx="271625" cy="233976"/>
+          </a:xfrm>
+          <a:prstGeom prst="rect">
+            <a:avLst/>
+          </a:prstGeom>
+          <a:solidFill>
+            <a:schemeClr val="bg1"/>
+          </a:solidFill>
+        </p:spPr>
+        <p:style>
+          <a:lnRef idx="2">
+            <a:schemeClr val="accent1">
+              <a:shade val="15000"/>
+            </a:schemeClr>
+          </a:lnRef>
+          <a:fillRef idx="1">
+            <a:schemeClr val="accent1"/>
+          </a:fillRef>
+          <a:effectRef idx="0">
+            <a:schemeClr val="accent1"/>
+          </a:effectRef>
+          <a:fontRef idx="minor">
+            <a:schemeClr val="lt1"/>
+          </a:fontRef>
+        </p:style>
+        <p:txBody>
+          <a:bodyPr lIns="0" tIns="0" rIns="0" bIns="0" rtlCol="0" anchor="ctr"/>
+          <a:lstStyle/>
+          <a:p>
+            <a:pPr algn="ctr"/>
+            <a:r>
+              <a:rPr lang="es-ES" sz="1000" dirty="0">
+                <a:solidFill>
+                  <a:schemeClr val="tx1"/>
+                </a:solidFill>
+              </a:rPr>
+              <a:t>0</a:t>
+            </a:r>
+          </a:p>
+        </p:txBody>
+      </p:sp>
+      <p:sp>
+        <p:nvSpPr>
+          <p:cNvPr id="13" name="Rectángulo 12">
+            <a:extLst>
+              <a:ext uri="{FF2B5EF4-FFF2-40B4-BE49-F238E27FC236}">
+                <a16:creationId xmlns:a16="http://schemas.microsoft.com/office/drawing/2014/main" id="{2019B622-2019-1363-F479-7F693B83A871}"/>
+              </a:ext>
+            </a:extLst>
+          </p:cNvPr>
+          <p:cNvSpPr/>
+          <p:nvPr/>
+        </p:nvSpPr>
+        <p:spPr>
+          <a:xfrm>
+            <a:off x="5243116" y="1176330"/>
+            <a:ext cx="99720" cy="233977"/>
+          </a:xfrm>
+          <a:prstGeom prst="rect">
+            <a:avLst/>
+          </a:prstGeom>
+          <a:solidFill>
+            <a:schemeClr val="bg1"/>
+          </a:solidFill>
+        </p:spPr>
+        <p:style>
+          <a:lnRef idx="2">
+            <a:schemeClr val="accent1">
+              <a:shade val="15000"/>
+            </a:schemeClr>
+          </a:lnRef>
+          <a:fillRef idx="1">
+            <a:schemeClr val="accent1"/>
+          </a:fillRef>
+          <a:effectRef idx="0">
+            <a:schemeClr val="accent1"/>
+          </a:effectRef>
+          <a:fontRef idx="minor">
+            <a:schemeClr val="lt1"/>
+          </a:fontRef>
+        </p:style>
+        <p:txBody>
+          <a:bodyPr rtlCol="0" anchor="ctr"/>
+          <a:lstStyle/>
+          <a:p>
+            <a:pPr algn="ctr"/>
+            <a:endParaRPr lang="es-ES" sz="1600" dirty="0">
+              <a:solidFill>
+                <a:schemeClr val="tx1"/>
+              </a:solidFill>
+            </a:endParaRPr>
+          </a:p>
+        </p:txBody>
+      </p:sp>
+      <p:sp>
+        <p:nvSpPr>
+          <p:cNvPr id="14" name="Rectángulo 13">
+            <a:extLst>
+              <a:ext uri="{FF2B5EF4-FFF2-40B4-BE49-F238E27FC236}">
+                <a16:creationId xmlns:a16="http://schemas.microsoft.com/office/drawing/2014/main" id="{7C5CF7CF-11B9-AD50-D255-AA2788B84C8F}"/>
+              </a:ext>
+            </a:extLst>
+          </p:cNvPr>
+          <p:cNvSpPr/>
+          <p:nvPr/>
+        </p:nvSpPr>
+        <p:spPr>
+          <a:xfrm>
+            <a:off x="4300139" y="1402763"/>
+            <a:ext cx="271625" cy="233976"/>
+          </a:xfrm>
+          <a:prstGeom prst="rect">
+            <a:avLst/>
+          </a:prstGeom>
+          <a:solidFill>
+            <a:schemeClr val="accent5">
+              <a:lumMod val="20000"/>
+              <a:lumOff val="80000"/>
+            </a:schemeClr>
+          </a:solidFill>
+        </p:spPr>
+        <p:style>
+          <a:lnRef idx="2">
+            <a:schemeClr val="accent1">
+              <a:shade val="15000"/>
+            </a:schemeClr>
+          </a:lnRef>
+          <a:fillRef idx="1">
+            <a:schemeClr val="accent1"/>
+          </a:fillRef>
+          <a:effectRef idx="0">
+            <a:schemeClr val="accent1"/>
+          </a:effectRef>
+          <a:fontRef idx="minor">
+            <a:schemeClr val="lt1"/>
+          </a:fontRef>
+        </p:style>
+        <p:txBody>
+          <a:bodyPr lIns="0" tIns="0" rIns="0" bIns="0" rtlCol="0" anchor="ctr"/>
+          <a:lstStyle/>
+          <a:p>
+            <a:pPr algn="ctr"/>
+            <a:r>
+              <a:rPr lang="es-ES" sz="1000" dirty="0">
+                <a:solidFill>
+                  <a:schemeClr val="tx1"/>
+                </a:solidFill>
+              </a:rPr>
+              <a:t>1</a:t>
+            </a:r>
+          </a:p>
+        </p:txBody>
+      </p:sp>
+      <p:sp>
+        <p:nvSpPr>
+          <p:cNvPr id="15" name="Rectángulo 14">
+            <a:extLst>
+              <a:ext uri="{FF2B5EF4-FFF2-40B4-BE49-F238E27FC236}">
+                <a16:creationId xmlns:a16="http://schemas.microsoft.com/office/drawing/2014/main" id="{E87E21AC-68AE-33A8-B8A4-CA68DD6B3A54}"/>
+              </a:ext>
+            </a:extLst>
+          </p:cNvPr>
+          <p:cNvSpPr/>
+          <p:nvPr/>
+        </p:nvSpPr>
+        <p:spPr>
+          <a:xfrm>
+            <a:off x="5242879" y="1402763"/>
+            <a:ext cx="834709" cy="233977"/>
+          </a:xfrm>
+          <a:prstGeom prst="rect">
+            <a:avLst/>
+          </a:prstGeom>
+          <a:solidFill>
+            <a:schemeClr val="accent5">
+              <a:lumMod val="20000"/>
+              <a:lumOff val="80000"/>
+            </a:schemeClr>
+          </a:solidFill>
+        </p:spPr>
+        <p:style>
+          <a:lnRef idx="2">
+            <a:schemeClr val="accent1">
+              <a:shade val="15000"/>
+            </a:schemeClr>
+          </a:lnRef>
+          <a:fillRef idx="1">
+            <a:schemeClr val="accent1"/>
+          </a:fillRef>
+          <a:effectRef idx="0">
+            <a:schemeClr val="accent1"/>
+          </a:effectRef>
+          <a:fontRef idx="minor">
+            <a:schemeClr val="lt1"/>
+          </a:fontRef>
+        </p:style>
+        <p:txBody>
+          <a:bodyPr rtlCol="0" anchor="ctr"/>
+          <a:lstStyle/>
+          <a:p>
+            <a:pPr algn="ctr"/>
+            <a:r>
+              <a:rPr lang="es-ES" sz="1600" dirty="0">
+                <a:solidFill>
+                  <a:schemeClr val="tx1"/>
+                </a:solidFill>
+              </a:rPr>
+              <a:t>Jon</a:t>
+            </a:r>
+          </a:p>
+        </p:txBody>
+      </p:sp>
+      <p:sp>
+        <p:nvSpPr>
+          <p:cNvPr id="16" name="Rectángulo 15">
+            <a:extLst>
+              <a:ext uri="{FF2B5EF4-FFF2-40B4-BE49-F238E27FC236}">
+                <a16:creationId xmlns:a16="http://schemas.microsoft.com/office/drawing/2014/main" id="{3F37AB03-C080-A839-EFAC-47418E59C92F}"/>
+              </a:ext>
+            </a:extLst>
+          </p:cNvPr>
+          <p:cNvSpPr/>
+          <p:nvPr/>
+        </p:nvSpPr>
+        <p:spPr>
+          <a:xfrm>
+            <a:off x="4300139" y="1636739"/>
+            <a:ext cx="271625" cy="233976"/>
+          </a:xfrm>
+          <a:prstGeom prst="rect">
+            <a:avLst/>
+          </a:prstGeom>
+          <a:solidFill>
+            <a:schemeClr val="bg1"/>
+          </a:solidFill>
+        </p:spPr>
+        <p:style>
+          <a:lnRef idx="2">
+            <a:schemeClr val="accent1">
+              <a:shade val="15000"/>
+            </a:schemeClr>
+          </a:lnRef>
+          <a:fillRef idx="1">
+            <a:schemeClr val="accent1"/>
+          </a:fillRef>
+          <a:effectRef idx="0">
+            <a:schemeClr val="accent1"/>
+          </a:effectRef>
+          <a:fontRef idx="minor">
+            <a:schemeClr val="lt1"/>
+          </a:fontRef>
+        </p:style>
+        <p:txBody>
+          <a:bodyPr lIns="0" tIns="0" rIns="0" bIns="0" rtlCol="0" anchor="ctr"/>
+          <a:lstStyle/>
+          <a:p>
+            <a:pPr algn="ctr"/>
+            <a:r>
+              <a:rPr lang="es-ES" sz="1000" dirty="0">
+                <a:solidFill>
+                  <a:schemeClr val="tx1"/>
+                </a:solidFill>
+              </a:rPr>
+              <a:t>2</a:t>
+            </a:r>
+          </a:p>
+        </p:txBody>
+      </p:sp>
+      <p:sp>
+        <p:nvSpPr>
+          <p:cNvPr id="17" name="Rectángulo 16">
+            <a:extLst>
+              <a:ext uri="{FF2B5EF4-FFF2-40B4-BE49-F238E27FC236}">
+                <a16:creationId xmlns:a16="http://schemas.microsoft.com/office/drawing/2014/main" id="{477E4FBE-DF24-2A22-D775-EEE9CE246F35}"/>
+              </a:ext>
+            </a:extLst>
+          </p:cNvPr>
+          <p:cNvSpPr/>
+          <p:nvPr/>
+        </p:nvSpPr>
+        <p:spPr>
+          <a:xfrm>
+            <a:off x="5242878" y="1636739"/>
+            <a:ext cx="100800" cy="233977"/>
+          </a:xfrm>
+          <a:prstGeom prst="rect">
+            <a:avLst/>
+          </a:prstGeom>
+          <a:solidFill>
+            <a:schemeClr val="bg1"/>
+          </a:solidFill>
+        </p:spPr>
+        <p:style>
+          <a:lnRef idx="2">
+            <a:schemeClr val="accent1">
+              <a:shade val="15000"/>
+            </a:schemeClr>
+          </a:lnRef>
+          <a:fillRef idx="1">
+            <a:schemeClr val="accent1"/>
+          </a:fillRef>
+          <a:effectRef idx="0">
+            <a:schemeClr val="accent1"/>
+          </a:effectRef>
+          <a:fontRef idx="minor">
+            <a:schemeClr val="lt1"/>
+          </a:fontRef>
+        </p:style>
+        <p:txBody>
+          <a:bodyPr rtlCol="0" anchor="ctr"/>
+          <a:lstStyle/>
+          <a:p>
+            <a:pPr algn="ctr"/>
+            <a:endParaRPr lang="es-ES" sz="1600" dirty="0">
+              <a:solidFill>
+                <a:schemeClr val="tx1"/>
+              </a:solidFill>
+            </a:endParaRPr>
+          </a:p>
+        </p:txBody>
+      </p:sp>
+      <p:sp>
+        <p:nvSpPr>
+          <p:cNvPr id="18" name="Rectángulo 17">
+            <a:extLst>
+              <a:ext uri="{FF2B5EF4-FFF2-40B4-BE49-F238E27FC236}">
+                <a16:creationId xmlns:a16="http://schemas.microsoft.com/office/drawing/2014/main" id="{10ECC88D-919F-90F7-0F5C-D436B7AF7436}"/>
+              </a:ext>
+            </a:extLst>
+          </p:cNvPr>
+          <p:cNvSpPr/>
+          <p:nvPr/>
+        </p:nvSpPr>
+        <p:spPr>
+          <a:xfrm>
+            <a:off x="4299903" y="1863172"/>
+            <a:ext cx="271625" cy="233976"/>
+          </a:xfrm>
+          <a:prstGeom prst="rect">
+            <a:avLst/>
+          </a:prstGeom>
+          <a:solidFill>
+            <a:schemeClr val="bg1"/>
+          </a:solidFill>
+        </p:spPr>
+        <p:style>
+          <a:lnRef idx="2">
+            <a:schemeClr val="accent1">
+              <a:shade val="15000"/>
+            </a:schemeClr>
+          </a:lnRef>
+          <a:fillRef idx="1">
+            <a:schemeClr val="accent1"/>
+          </a:fillRef>
+          <a:effectRef idx="0">
+            <a:schemeClr val="accent1"/>
+          </a:effectRef>
+          <a:fontRef idx="minor">
+            <a:schemeClr val="lt1"/>
+          </a:fontRef>
+        </p:style>
+        <p:txBody>
+          <a:bodyPr lIns="0" tIns="0" rIns="0" bIns="0" rtlCol="0" anchor="ctr"/>
+          <a:lstStyle/>
+          <a:p>
+            <a:pPr algn="ctr"/>
+            <a:r>
+              <a:rPr lang="es-ES" sz="1000" dirty="0">
+                <a:solidFill>
+                  <a:schemeClr val="tx1"/>
+                </a:solidFill>
+              </a:rPr>
+              <a:t>3</a:t>
+            </a:r>
+          </a:p>
+        </p:txBody>
+      </p:sp>
+      <p:sp>
+        <p:nvSpPr>
+          <p:cNvPr id="19" name="Rectángulo 18">
+            <a:extLst>
+              <a:ext uri="{FF2B5EF4-FFF2-40B4-BE49-F238E27FC236}">
+                <a16:creationId xmlns:a16="http://schemas.microsoft.com/office/drawing/2014/main" id="{12CC7C6F-2942-9DE0-45BB-3CF286B839C4}"/>
+              </a:ext>
+            </a:extLst>
+          </p:cNvPr>
+          <p:cNvSpPr/>
+          <p:nvPr/>
+        </p:nvSpPr>
+        <p:spPr>
+          <a:xfrm>
+            <a:off x="5242644" y="1863172"/>
+            <a:ext cx="99720" cy="233977"/>
+          </a:xfrm>
+          <a:prstGeom prst="rect">
+            <a:avLst/>
+          </a:prstGeom>
+          <a:solidFill>
+            <a:schemeClr val="bg1"/>
+          </a:solidFill>
+        </p:spPr>
+        <p:style>
+          <a:lnRef idx="2">
+            <a:schemeClr val="accent1">
+              <a:shade val="15000"/>
+            </a:schemeClr>
+          </a:lnRef>
+          <a:fillRef idx="1">
+            <a:schemeClr val="accent1"/>
+          </a:fillRef>
+          <a:effectRef idx="0">
+            <a:schemeClr val="accent1"/>
+          </a:effectRef>
+          <a:fontRef idx="minor">
+            <a:schemeClr val="lt1"/>
+          </a:fontRef>
+        </p:style>
+        <p:txBody>
+          <a:bodyPr rtlCol="0" anchor="ctr"/>
+          <a:lstStyle/>
+          <a:p>
+            <a:pPr algn="ctr"/>
+            <a:endParaRPr lang="es-ES" sz="1600" dirty="0">
+              <a:solidFill>
+                <a:schemeClr val="tx1"/>
+              </a:solidFill>
+            </a:endParaRPr>
+          </a:p>
+        </p:txBody>
+      </p:sp>
+      <p:sp>
+        <p:nvSpPr>
+          <p:cNvPr id="20" name="Rectángulo 19">
+            <a:extLst>
+              <a:ext uri="{FF2B5EF4-FFF2-40B4-BE49-F238E27FC236}">
+                <a16:creationId xmlns:a16="http://schemas.microsoft.com/office/drawing/2014/main" id="{362F9C73-E30D-1806-AE3F-4BDB73DBFC55}"/>
+              </a:ext>
+            </a:extLst>
+          </p:cNvPr>
+          <p:cNvSpPr/>
+          <p:nvPr/>
+        </p:nvSpPr>
+        <p:spPr>
+          <a:xfrm>
+            <a:off x="4299903" y="2086058"/>
+            <a:ext cx="271625" cy="233976"/>
+          </a:xfrm>
+          <a:prstGeom prst="rect">
+            <a:avLst/>
+          </a:prstGeom>
+          <a:solidFill>
+            <a:schemeClr val="accent5">
+              <a:lumMod val="20000"/>
+              <a:lumOff val="80000"/>
+            </a:schemeClr>
+          </a:solidFill>
+        </p:spPr>
+        <p:style>
+          <a:lnRef idx="2">
+            <a:schemeClr val="accent1">
+              <a:shade val="15000"/>
+            </a:schemeClr>
+          </a:lnRef>
+          <a:fillRef idx="1">
+            <a:schemeClr val="accent1"/>
+          </a:fillRef>
+          <a:effectRef idx="0">
+            <a:schemeClr val="accent1"/>
+          </a:effectRef>
+          <a:fontRef idx="minor">
+            <a:schemeClr val="lt1"/>
+          </a:fontRef>
+        </p:style>
+        <p:txBody>
+          <a:bodyPr lIns="0" tIns="0" rIns="0" bIns="0" rtlCol="0" anchor="ctr"/>
+          <a:lstStyle/>
+          <a:p>
+            <a:pPr algn="ctr"/>
+            <a:r>
+              <a:rPr lang="es-ES" sz="1000" dirty="0">
+                <a:solidFill>
+                  <a:schemeClr val="tx1"/>
+                </a:solidFill>
+              </a:rPr>
+              <a:t>4</a:t>
+            </a:r>
+          </a:p>
+        </p:txBody>
+      </p:sp>
+      <p:sp>
+        <p:nvSpPr>
+          <p:cNvPr id="21" name="Rectángulo 20">
+            <a:extLst>
+              <a:ext uri="{FF2B5EF4-FFF2-40B4-BE49-F238E27FC236}">
+                <a16:creationId xmlns:a16="http://schemas.microsoft.com/office/drawing/2014/main" id="{3472D585-A95B-26BE-83C8-11228BA15E6C}"/>
+              </a:ext>
+            </a:extLst>
+          </p:cNvPr>
+          <p:cNvSpPr/>
+          <p:nvPr/>
+        </p:nvSpPr>
+        <p:spPr>
+          <a:xfrm>
+            <a:off x="5242643" y="2086058"/>
+            <a:ext cx="834709" cy="233977"/>
+          </a:xfrm>
+          <a:prstGeom prst="rect">
+            <a:avLst/>
+          </a:prstGeom>
+          <a:solidFill>
+            <a:schemeClr val="accent5">
+              <a:lumMod val="20000"/>
+              <a:lumOff val="80000"/>
+            </a:schemeClr>
+          </a:solidFill>
+        </p:spPr>
+        <p:style>
+          <a:lnRef idx="2">
+            <a:schemeClr val="accent1">
+              <a:shade val="15000"/>
+            </a:schemeClr>
+          </a:lnRef>
+          <a:fillRef idx="1">
+            <a:schemeClr val="accent1"/>
+          </a:fillRef>
+          <a:effectRef idx="0">
+            <a:schemeClr val="accent1"/>
+          </a:effectRef>
+          <a:fontRef idx="minor">
+            <a:schemeClr val="lt1"/>
+          </a:fontRef>
+        </p:style>
+        <p:txBody>
+          <a:bodyPr rtlCol="0" anchor="ctr"/>
+          <a:lstStyle/>
+          <a:p>
+            <a:pPr algn="ctr"/>
+            <a:r>
+              <a:rPr lang="es-ES" sz="1600" dirty="0">
+                <a:solidFill>
+                  <a:schemeClr val="tx1"/>
+                </a:solidFill>
+              </a:rPr>
+              <a:t>Ane</a:t>
+            </a:r>
+          </a:p>
+        </p:txBody>
+      </p:sp>
+      <p:sp>
+        <p:nvSpPr>
+          <p:cNvPr id="22" name="Rectángulo 21">
+            <a:extLst>
+              <a:ext uri="{FF2B5EF4-FFF2-40B4-BE49-F238E27FC236}">
+                <a16:creationId xmlns:a16="http://schemas.microsoft.com/office/drawing/2014/main" id="{35DC5C59-21E2-1722-280B-25F472D9965A}"/>
+              </a:ext>
+            </a:extLst>
+          </p:cNvPr>
+          <p:cNvSpPr/>
+          <p:nvPr/>
+        </p:nvSpPr>
+        <p:spPr>
+          <a:xfrm>
+            <a:off x="4299667" y="2312491"/>
+            <a:ext cx="271625" cy="233976"/>
+          </a:xfrm>
+          <a:prstGeom prst="rect">
+            <a:avLst/>
+          </a:prstGeom>
+          <a:solidFill>
+            <a:schemeClr val="bg1"/>
+          </a:solidFill>
+        </p:spPr>
+        <p:style>
+          <a:lnRef idx="2">
+            <a:schemeClr val="accent1">
+              <a:shade val="15000"/>
+            </a:schemeClr>
+          </a:lnRef>
+          <a:fillRef idx="1">
+            <a:schemeClr val="accent1"/>
+          </a:fillRef>
+          <a:effectRef idx="0">
+            <a:schemeClr val="accent1"/>
+          </a:effectRef>
+          <a:fontRef idx="minor">
+            <a:schemeClr val="lt1"/>
+          </a:fontRef>
+        </p:style>
+        <p:txBody>
+          <a:bodyPr lIns="0" tIns="0" rIns="0" bIns="0" rtlCol="0" anchor="ctr"/>
+          <a:lstStyle/>
+          <a:p>
+            <a:pPr algn="ctr"/>
+            <a:endParaRPr lang="es-ES" sz="1000" dirty="0">
+              <a:solidFill>
+                <a:schemeClr val="tx1"/>
+              </a:solidFill>
+            </a:endParaRPr>
+          </a:p>
+        </p:txBody>
+      </p:sp>
+      <p:sp>
+        <p:nvSpPr>
+          <p:cNvPr id="23" name="Rectángulo 22">
+            <a:extLst>
+              <a:ext uri="{FF2B5EF4-FFF2-40B4-BE49-F238E27FC236}">
+                <a16:creationId xmlns:a16="http://schemas.microsoft.com/office/drawing/2014/main" id="{E76BDA9E-23D5-5FB3-0BE4-8AC6892B3E62}"/>
+              </a:ext>
+            </a:extLst>
+          </p:cNvPr>
+          <p:cNvSpPr/>
+          <p:nvPr/>
+        </p:nvSpPr>
+        <p:spPr>
+          <a:xfrm>
+            <a:off x="5242408" y="2312491"/>
+            <a:ext cx="99720" cy="233977"/>
+          </a:xfrm>
+          <a:prstGeom prst="rect">
+            <a:avLst/>
+          </a:prstGeom>
+          <a:solidFill>
+            <a:schemeClr val="bg1"/>
+          </a:solidFill>
+        </p:spPr>
+        <p:style>
+          <a:lnRef idx="2">
+            <a:schemeClr val="accent1">
+              <a:shade val="15000"/>
+            </a:schemeClr>
+          </a:lnRef>
+          <a:fillRef idx="1">
+            <a:schemeClr val="accent1"/>
+          </a:fillRef>
+          <a:effectRef idx="0">
+            <a:schemeClr val="accent1"/>
+          </a:effectRef>
+          <a:fontRef idx="minor">
+            <a:schemeClr val="lt1"/>
+          </a:fontRef>
+        </p:style>
+        <p:txBody>
+          <a:bodyPr rtlCol="0" anchor="ctr"/>
+          <a:lstStyle/>
+          <a:p>
+            <a:pPr algn="ctr"/>
+            <a:endParaRPr lang="es-ES" sz="1600" dirty="0">
+              <a:solidFill>
+                <a:schemeClr val="tx1"/>
+              </a:solidFill>
+            </a:endParaRPr>
+          </a:p>
+        </p:txBody>
+      </p:sp>
+      <p:sp>
+        <p:nvSpPr>
+          <p:cNvPr id="28" name="Rectángulo 27">
+            <a:extLst>
+              <a:ext uri="{FF2B5EF4-FFF2-40B4-BE49-F238E27FC236}">
+                <a16:creationId xmlns:a16="http://schemas.microsoft.com/office/drawing/2014/main" id="{BC883118-3F4C-2EA8-7246-EB56DA328060}"/>
+              </a:ext>
+            </a:extLst>
+          </p:cNvPr>
+          <p:cNvSpPr/>
+          <p:nvPr/>
+        </p:nvSpPr>
+        <p:spPr>
+          <a:xfrm>
+            <a:off x="4299431" y="2801351"/>
+            <a:ext cx="271625" cy="233976"/>
+          </a:xfrm>
+          <a:prstGeom prst="rect">
+            <a:avLst/>
+          </a:prstGeom>
+          <a:solidFill>
+            <a:schemeClr val="bg1"/>
+          </a:solidFill>
+        </p:spPr>
+        <p:style>
+          <a:lnRef idx="2">
+            <a:schemeClr val="accent1">
+              <a:shade val="15000"/>
+            </a:schemeClr>
+          </a:lnRef>
+          <a:fillRef idx="1">
+            <a:schemeClr val="accent1"/>
+          </a:fillRef>
+          <a:effectRef idx="0">
+            <a:schemeClr val="accent1"/>
+          </a:effectRef>
+          <a:fontRef idx="minor">
+            <a:schemeClr val="lt1"/>
+          </a:fontRef>
+        </p:style>
+        <p:txBody>
+          <a:bodyPr lIns="0" tIns="0" rIns="0" bIns="0" rtlCol="0" anchor="ctr"/>
+          <a:lstStyle/>
+          <a:p>
+            <a:pPr algn="ctr"/>
+            <a:r>
+              <a:rPr lang="es-ES" sz="1000" dirty="0">
+                <a:solidFill>
+                  <a:schemeClr val="tx1"/>
+                </a:solidFill>
+              </a:rPr>
+              <a:t>37</a:t>
+            </a:r>
+          </a:p>
+        </p:txBody>
+      </p:sp>
+      <p:sp>
+        <p:nvSpPr>
+          <p:cNvPr id="29" name="Rectángulo 28">
+            <a:extLst>
+              <a:ext uri="{FF2B5EF4-FFF2-40B4-BE49-F238E27FC236}">
+                <a16:creationId xmlns:a16="http://schemas.microsoft.com/office/drawing/2014/main" id="{27152559-647A-DA53-61D9-8CEAC1C36950}"/>
+              </a:ext>
+            </a:extLst>
+          </p:cNvPr>
+          <p:cNvSpPr/>
+          <p:nvPr/>
+        </p:nvSpPr>
+        <p:spPr>
+          <a:xfrm>
+            <a:off x="5242172" y="2801351"/>
+            <a:ext cx="99720" cy="233977"/>
+          </a:xfrm>
+          <a:prstGeom prst="rect">
+            <a:avLst/>
+          </a:prstGeom>
+          <a:solidFill>
+            <a:schemeClr val="bg1"/>
+          </a:solidFill>
+        </p:spPr>
+        <p:style>
+          <a:lnRef idx="2">
+            <a:schemeClr val="accent1">
+              <a:shade val="15000"/>
+            </a:schemeClr>
+          </a:lnRef>
+          <a:fillRef idx="1">
+            <a:schemeClr val="accent1"/>
+          </a:fillRef>
+          <a:effectRef idx="0">
+            <a:schemeClr val="accent1"/>
+          </a:effectRef>
+          <a:fontRef idx="minor">
+            <a:schemeClr val="lt1"/>
+          </a:fontRef>
+        </p:style>
+        <p:txBody>
+          <a:bodyPr rtlCol="0" anchor="ctr"/>
+          <a:lstStyle/>
+          <a:p>
+            <a:pPr algn="ctr"/>
+            <a:endParaRPr lang="es-ES" sz="1600" dirty="0">
+              <a:solidFill>
+                <a:schemeClr val="tx1"/>
+              </a:solidFill>
+            </a:endParaRPr>
+          </a:p>
+        </p:txBody>
+      </p:sp>
+      <p:sp>
+        <p:nvSpPr>
+          <p:cNvPr id="30" name="Rectángulo 29">
+            <a:extLst>
+              <a:ext uri="{FF2B5EF4-FFF2-40B4-BE49-F238E27FC236}">
+                <a16:creationId xmlns:a16="http://schemas.microsoft.com/office/drawing/2014/main" id="{D9D85ABF-B124-713B-C420-F0132046254B}"/>
+              </a:ext>
+            </a:extLst>
+          </p:cNvPr>
+          <p:cNvSpPr/>
+          <p:nvPr/>
+        </p:nvSpPr>
+        <p:spPr>
+          <a:xfrm>
+            <a:off x="4299195" y="3027784"/>
+            <a:ext cx="271625" cy="233976"/>
+          </a:xfrm>
+          <a:prstGeom prst="rect">
+            <a:avLst/>
+          </a:prstGeom>
+          <a:solidFill>
+            <a:schemeClr val="accent5">
+              <a:lumMod val="20000"/>
+              <a:lumOff val="80000"/>
+            </a:schemeClr>
+          </a:solidFill>
+        </p:spPr>
+        <p:style>
+          <a:lnRef idx="2">
+            <a:schemeClr val="accent1">
+              <a:shade val="15000"/>
+            </a:schemeClr>
+          </a:lnRef>
+          <a:fillRef idx="1">
+            <a:schemeClr val="accent1"/>
+          </a:fillRef>
+          <a:effectRef idx="0">
+            <a:schemeClr val="accent1"/>
+          </a:effectRef>
+          <a:fontRef idx="minor">
+            <a:schemeClr val="lt1"/>
+          </a:fontRef>
+        </p:style>
+        <p:txBody>
+          <a:bodyPr lIns="0" tIns="0" rIns="0" bIns="0" rtlCol="0" anchor="ctr"/>
+          <a:lstStyle/>
+          <a:p>
+            <a:pPr algn="ctr"/>
+            <a:r>
+              <a:rPr lang="es-ES" sz="1000" dirty="0">
+                <a:solidFill>
+                  <a:schemeClr val="tx1"/>
+                </a:solidFill>
+              </a:rPr>
+              <a:t>38</a:t>
+            </a:r>
+          </a:p>
+        </p:txBody>
+      </p:sp>
+      <p:sp>
+        <p:nvSpPr>
+          <p:cNvPr id="31" name="Rectángulo 30">
+            <a:extLst>
+              <a:ext uri="{FF2B5EF4-FFF2-40B4-BE49-F238E27FC236}">
+                <a16:creationId xmlns:a16="http://schemas.microsoft.com/office/drawing/2014/main" id="{E61ED07D-A645-A750-9771-1A96B3BF0661}"/>
+              </a:ext>
+            </a:extLst>
+          </p:cNvPr>
+          <p:cNvSpPr/>
+          <p:nvPr/>
+        </p:nvSpPr>
+        <p:spPr>
+          <a:xfrm>
+            <a:off x="5241935" y="3027784"/>
+            <a:ext cx="834709" cy="233977"/>
+          </a:xfrm>
+          <a:prstGeom prst="rect">
+            <a:avLst/>
+          </a:prstGeom>
+          <a:solidFill>
+            <a:schemeClr val="accent5">
+              <a:lumMod val="20000"/>
+              <a:lumOff val="80000"/>
+            </a:schemeClr>
+          </a:solidFill>
+        </p:spPr>
+        <p:style>
+          <a:lnRef idx="2">
+            <a:schemeClr val="accent1">
+              <a:shade val="15000"/>
+            </a:schemeClr>
+          </a:lnRef>
+          <a:fillRef idx="1">
+            <a:schemeClr val="accent1"/>
+          </a:fillRef>
+          <a:effectRef idx="0">
+            <a:schemeClr val="accent1"/>
+          </a:effectRef>
+          <a:fontRef idx="minor">
+            <a:schemeClr val="lt1"/>
+          </a:fontRef>
+        </p:style>
+        <p:txBody>
+          <a:bodyPr rtlCol="0" anchor="ctr"/>
+          <a:lstStyle/>
+          <a:p>
+            <a:pPr algn="ctr"/>
+            <a:r>
+              <a:rPr lang="es-ES" sz="1600" dirty="0">
+                <a:solidFill>
+                  <a:schemeClr val="tx1"/>
+                </a:solidFill>
+              </a:rPr>
+              <a:t>Asier</a:t>
+            </a:r>
+          </a:p>
+        </p:txBody>
+      </p:sp>
+      <p:sp>
+        <p:nvSpPr>
+          <p:cNvPr id="32" name="Rectángulo 31">
+            <a:extLst>
+              <a:ext uri="{FF2B5EF4-FFF2-40B4-BE49-F238E27FC236}">
+                <a16:creationId xmlns:a16="http://schemas.microsoft.com/office/drawing/2014/main" id="{FC61BF3F-0C2E-97E5-4455-2A4F67759C14}"/>
+              </a:ext>
+            </a:extLst>
+          </p:cNvPr>
+          <p:cNvSpPr/>
+          <p:nvPr/>
+        </p:nvSpPr>
+        <p:spPr>
+          <a:xfrm>
+            <a:off x="4299195" y="3261760"/>
+            <a:ext cx="271625" cy="233976"/>
+          </a:xfrm>
+          <a:prstGeom prst="rect">
+            <a:avLst/>
+          </a:prstGeom>
+          <a:solidFill>
+            <a:schemeClr val="bg1"/>
+          </a:solidFill>
+        </p:spPr>
+        <p:style>
+          <a:lnRef idx="2">
+            <a:schemeClr val="accent1">
+              <a:shade val="15000"/>
+            </a:schemeClr>
+          </a:lnRef>
+          <a:fillRef idx="1">
+            <a:schemeClr val="accent1"/>
+          </a:fillRef>
+          <a:effectRef idx="0">
+            <a:schemeClr val="accent1"/>
+          </a:effectRef>
+          <a:fontRef idx="minor">
+            <a:schemeClr val="lt1"/>
+          </a:fontRef>
+        </p:style>
+        <p:txBody>
+          <a:bodyPr lIns="0" tIns="0" rIns="0" bIns="0" rtlCol="0" anchor="ctr"/>
+          <a:lstStyle/>
+          <a:p>
+            <a:pPr algn="ctr"/>
+            <a:r>
+              <a:rPr lang="es-ES" sz="1000" dirty="0">
+                <a:solidFill>
+                  <a:schemeClr val="tx1"/>
+                </a:solidFill>
+              </a:rPr>
+              <a:t>39</a:t>
+            </a:r>
+          </a:p>
+        </p:txBody>
+      </p:sp>
+      <p:sp>
+        <p:nvSpPr>
+          <p:cNvPr id="33" name="Rectángulo 32">
+            <a:extLst>
+              <a:ext uri="{FF2B5EF4-FFF2-40B4-BE49-F238E27FC236}">
+                <a16:creationId xmlns:a16="http://schemas.microsoft.com/office/drawing/2014/main" id="{3853033D-5715-55B9-E001-CB1E410F736C}"/>
+              </a:ext>
+            </a:extLst>
+          </p:cNvPr>
+          <p:cNvSpPr/>
+          <p:nvPr/>
+        </p:nvSpPr>
+        <p:spPr>
+          <a:xfrm>
+            <a:off x="5241936" y="3261760"/>
+            <a:ext cx="99720" cy="233977"/>
+          </a:xfrm>
+          <a:prstGeom prst="rect">
+            <a:avLst/>
+          </a:prstGeom>
+          <a:solidFill>
+            <a:schemeClr val="bg1"/>
+          </a:solidFill>
+        </p:spPr>
+        <p:style>
+          <a:lnRef idx="2">
+            <a:schemeClr val="accent1">
+              <a:shade val="15000"/>
+            </a:schemeClr>
+          </a:lnRef>
+          <a:fillRef idx="1">
+            <a:schemeClr val="accent1"/>
+          </a:fillRef>
+          <a:effectRef idx="0">
+            <a:schemeClr val="accent1"/>
+          </a:effectRef>
+          <a:fontRef idx="minor">
+            <a:schemeClr val="lt1"/>
+          </a:fontRef>
+        </p:style>
+        <p:txBody>
+          <a:bodyPr rtlCol="0" anchor="ctr"/>
+          <a:lstStyle/>
+          <a:p>
+            <a:pPr algn="ctr"/>
+            <a:endParaRPr lang="es-ES" sz="1600" dirty="0">
+              <a:solidFill>
+                <a:schemeClr val="tx1"/>
+              </a:solidFill>
+            </a:endParaRPr>
+          </a:p>
+        </p:txBody>
+      </p:sp>
+      <p:sp>
+        <p:nvSpPr>
+          <p:cNvPr id="34" name="Rectángulo 33">
+            <a:extLst>
+              <a:ext uri="{FF2B5EF4-FFF2-40B4-BE49-F238E27FC236}">
+                <a16:creationId xmlns:a16="http://schemas.microsoft.com/office/drawing/2014/main" id="{08EE29C9-CECA-7BC3-5CF4-E186191F56EC}"/>
+              </a:ext>
+            </a:extLst>
+          </p:cNvPr>
+          <p:cNvSpPr/>
+          <p:nvPr/>
+        </p:nvSpPr>
+        <p:spPr>
+          <a:xfrm>
+            <a:off x="4298959" y="3488193"/>
+            <a:ext cx="271625" cy="233976"/>
+          </a:xfrm>
+          <a:prstGeom prst="rect">
+            <a:avLst/>
+          </a:prstGeom>
+          <a:solidFill>
+            <a:schemeClr val="accent5">
+              <a:lumMod val="20000"/>
+              <a:lumOff val="80000"/>
+            </a:schemeClr>
+          </a:solidFill>
+        </p:spPr>
+        <p:style>
+          <a:lnRef idx="2">
+            <a:schemeClr val="accent1">
+              <a:shade val="15000"/>
+            </a:schemeClr>
+          </a:lnRef>
+          <a:fillRef idx="1">
+            <a:schemeClr val="accent1"/>
+          </a:fillRef>
+          <a:effectRef idx="0">
+            <a:schemeClr val="accent1"/>
+          </a:effectRef>
+          <a:fontRef idx="minor">
+            <a:schemeClr val="lt1"/>
+          </a:fontRef>
+        </p:style>
+        <p:txBody>
+          <a:bodyPr lIns="0" tIns="0" rIns="0" bIns="0" rtlCol="0" anchor="ctr"/>
+          <a:lstStyle/>
+          <a:p>
+            <a:pPr algn="ctr"/>
+            <a:r>
+              <a:rPr lang="es-ES" sz="1000" dirty="0">
+                <a:solidFill>
+                  <a:schemeClr val="tx1"/>
+                </a:solidFill>
+              </a:rPr>
+              <a:t>40</a:t>
+            </a:r>
+          </a:p>
+        </p:txBody>
+      </p:sp>
+      <p:sp>
+        <p:nvSpPr>
+          <p:cNvPr id="35" name="Rectángulo 34">
+            <a:extLst>
+              <a:ext uri="{FF2B5EF4-FFF2-40B4-BE49-F238E27FC236}">
+                <a16:creationId xmlns:a16="http://schemas.microsoft.com/office/drawing/2014/main" id="{903D751B-AC44-6E77-F9AF-159BAF4551A8}"/>
+              </a:ext>
+            </a:extLst>
+          </p:cNvPr>
+          <p:cNvSpPr/>
+          <p:nvPr/>
+        </p:nvSpPr>
+        <p:spPr>
+          <a:xfrm>
+            <a:off x="5241699" y="3488193"/>
+            <a:ext cx="834709" cy="233977"/>
+          </a:xfrm>
+          <a:prstGeom prst="rect">
+            <a:avLst/>
+          </a:prstGeom>
+          <a:solidFill>
+            <a:schemeClr val="accent5">
+              <a:lumMod val="20000"/>
+              <a:lumOff val="80000"/>
+            </a:schemeClr>
+          </a:solidFill>
+        </p:spPr>
+        <p:style>
+          <a:lnRef idx="2">
+            <a:schemeClr val="accent1">
+              <a:shade val="15000"/>
+            </a:schemeClr>
+          </a:lnRef>
+          <a:fillRef idx="1">
+            <a:schemeClr val="accent1"/>
+          </a:fillRef>
+          <a:effectRef idx="0">
+            <a:schemeClr val="accent1"/>
+          </a:effectRef>
+          <a:fontRef idx="minor">
+            <a:schemeClr val="lt1"/>
+          </a:fontRef>
+        </p:style>
+        <p:txBody>
+          <a:bodyPr rtlCol="0" anchor="ctr"/>
+          <a:lstStyle/>
+          <a:p>
+            <a:pPr algn="ctr"/>
+            <a:r>
+              <a:rPr lang="es-ES" sz="1600" dirty="0">
+                <a:solidFill>
+                  <a:schemeClr val="tx1"/>
+                </a:solidFill>
+              </a:rPr>
+              <a:t>Miren</a:t>
+            </a:r>
+          </a:p>
+        </p:txBody>
+      </p:sp>
+      <p:cxnSp>
+        <p:nvCxnSpPr>
+          <p:cNvPr id="54" name="Conector recto de flecha 53">
+            <a:extLst>
+              <a:ext uri="{FF2B5EF4-FFF2-40B4-BE49-F238E27FC236}">
+                <a16:creationId xmlns:a16="http://schemas.microsoft.com/office/drawing/2014/main" id="{D1F4C02D-7D82-5A78-9E47-88B5085A99CB}"/>
+              </a:ext>
+            </a:extLst>
+          </p:cNvPr>
+          <p:cNvCxnSpPr>
+            <a:cxnSpLocks/>
+            <a:stCxn id="4" idx="3"/>
+            <a:endCxn id="20" idx="1"/>
+          </p:cNvCxnSpPr>
+          <p:nvPr/>
+        </p:nvCxnSpPr>
+        <p:spPr>
+          <a:xfrm>
+            <a:off x="2025941" y="1277224"/>
+            <a:ext cx="2273962" cy="925822"/>
+          </a:xfrm>
+          <a:prstGeom prst="straightConnector1">
+            <a:avLst/>
+          </a:prstGeom>
+          <a:ln w="38100">
+            <a:solidFill>
+              <a:schemeClr val="tx1">
+                <a:alpha val="50000"/>
+              </a:schemeClr>
+            </a:solidFill>
+            <a:tailEnd type="triangle" w="lg" len="lg"/>
+          </a:ln>
+        </p:spPr>
+        <p:style>
+          <a:lnRef idx="1">
+            <a:schemeClr val="accent1"/>
+          </a:lnRef>
+          <a:fillRef idx="0">
+            <a:schemeClr val="accent1"/>
+          </a:fillRef>
+          <a:effectRef idx="0">
+            <a:schemeClr val="accent1"/>
+          </a:effectRef>
+          <a:fontRef idx="minor">
+            <a:schemeClr val="tx1"/>
+          </a:fontRef>
+        </p:style>
+      </p:cxnSp>
+      <p:cxnSp>
+        <p:nvCxnSpPr>
+          <p:cNvPr id="55" name="Conector recto de flecha 54">
+            <a:extLst>
+              <a:ext uri="{FF2B5EF4-FFF2-40B4-BE49-F238E27FC236}">
+                <a16:creationId xmlns:a16="http://schemas.microsoft.com/office/drawing/2014/main" id="{6642E82D-FC48-2032-65E8-D75A4C1E369C}"/>
+              </a:ext>
+            </a:extLst>
+          </p:cNvPr>
+          <p:cNvCxnSpPr>
+            <a:cxnSpLocks/>
+            <a:stCxn id="5" idx="3"/>
+            <a:endCxn id="14" idx="1"/>
+          </p:cNvCxnSpPr>
+          <p:nvPr/>
+        </p:nvCxnSpPr>
+        <p:spPr>
+          <a:xfrm flipV="1">
+            <a:off x="2025941" y="1519751"/>
+            <a:ext cx="2274198" cy="312544"/>
+          </a:xfrm>
+          <a:prstGeom prst="straightConnector1">
+            <a:avLst/>
+          </a:prstGeom>
+          <a:ln w="38100">
+            <a:solidFill>
+              <a:schemeClr val="tx1">
+                <a:alpha val="50000"/>
+              </a:schemeClr>
+            </a:solidFill>
+            <a:tailEnd type="triangle" w="lg" len="lg"/>
+          </a:ln>
+        </p:spPr>
+        <p:style>
+          <a:lnRef idx="1">
+            <a:schemeClr val="accent1"/>
+          </a:lnRef>
+          <a:fillRef idx="0">
+            <a:schemeClr val="accent1"/>
+          </a:fillRef>
+          <a:effectRef idx="0">
+            <a:schemeClr val="accent1"/>
+          </a:effectRef>
+          <a:fontRef idx="minor">
+            <a:schemeClr val="tx1"/>
+          </a:fontRef>
+        </p:style>
+      </p:cxnSp>
+      <p:cxnSp>
+        <p:nvCxnSpPr>
+          <p:cNvPr id="58" name="Conector recto de flecha 57">
+            <a:extLst>
+              <a:ext uri="{FF2B5EF4-FFF2-40B4-BE49-F238E27FC236}">
+                <a16:creationId xmlns:a16="http://schemas.microsoft.com/office/drawing/2014/main" id="{4EF5F718-040F-015D-A8AE-9E795E0929A3}"/>
+              </a:ext>
+            </a:extLst>
+          </p:cNvPr>
+          <p:cNvCxnSpPr>
+            <a:cxnSpLocks/>
+            <a:stCxn id="6" idx="3"/>
+            <a:endCxn id="34" idx="1"/>
+          </p:cNvCxnSpPr>
+          <p:nvPr/>
+        </p:nvCxnSpPr>
+        <p:spPr>
+          <a:xfrm>
+            <a:off x="1998677" y="2387366"/>
+            <a:ext cx="2300282" cy="1217815"/>
+          </a:xfrm>
+          <a:prstGeom prst="straightConnector1">
+            <a:avLst/>
+          </a:prstGeom>
+          <a:ln w="38100">
+            <a:solidFill>
+              <a:schemeClr val="tx1">
+                <a:alpha val="50000"/>
+              </a:schemeClr>
+            </a:solidFill>
+            <a:tailEnd type="triangle" w="lg" len="lg"/>
+          </a:ln>
+        </p:spPr>
+        <p:style>
+          <a:lnRef idx="1">
+            <a:schemeClr val="accent1"/>
+          </a:lnRef>
+          <a:fillRef idx="0">
+            <a:schemeClr val="accent1"/>
+          </a:fillRef>
+          <a:effectRef idx="0">
+            <a:schemeClr val="accent1"/>
+          </a:effectRef>
+          <a:fontRef idx="minor">
+            <a:schemeClr val="tx1"/>
+          </a:fontRef>
+        </p:style>
+      </p:cxnSp>
+      <p:cxnSp>
+        <p:nvCxnSpPr>
+          <p:cNvPr id="61" name="Conector recto de flecha 60">
+            <a:extLst>
+              <a:ext uri="{FF2B5EF4-FFF2-40B4-BE49-F238E27FC236}">
+                <a16:creationId xmlns:a16="http://schemas.microsoft.com/office/drawing/2014/main" id="{1C8351CE-F6EC-DE18-6141-8FC02E96539E}"/>
+              </a:ext>
+            </a:extLst>
+          </p:cNvPr>
+          <p:cNvCxnSpPr>
+            <a:cxnSpLocks/>
+            <a:stCxn id="7" idx="3"/>
+            <a:endCxn id="30" idx="1"/>
+          </p:cNvCxnSpPr>
+          <p:nvPr/>
+        </p:nvCxnSpPr>
+        <p:spPr>
+          <a:xfrm>
+            <a:off x="1998677" y="2942437"/>
+            <a:ext cx="2300518" cy="202335"/>
+          </a:xfrm>
+          <a:prstGeom prst="straightConnector1">
+            <a:avLst/>
+          </a:prstGeom>
+          <a:ln w="38100">
+            <a:solidFill>
+              <a:schemeClr val="tx1">
+                <a:alpha val="50000"/>
+              </a:schemeClr>
+            </a:solidFill>
+            <a:tailEnd type="triangle" w="lg" len="lg"/>
+          </a:ln>
+        </p:spPr>
+        <p:style>
+          <a:lnRef idx="1">
+            <a:schemeClr val="accent1"/>
+          </a:lnRef>
+          <a:fillRef idx="0">
+            <a:schemeClr val="accent1"/>
+          </a:fillRef>
+          <a:effectRef idx="0">
+            <a:schemeClr val="accent1"/>
+          </a:effectRef>
+          <a:fontRef idx="minor">
+            <a:schemeClr val="tx1"/>
+          </a:fontRef>
+        </p:style>
+      </p:cxnSp>
+      <p:cxnSp>
+        <p:nvCxnSpPr>
+          <p:cNvPr id="65" name="Conector recto de flecha 64">
+            <a:extLst>
+              <a:ext uri="{FF2B5EF4-FFF2-40B4-BE49-F238E27FC236}">
+                <a16:creationId xmlns:a16="http://schemas.microsoft.com/office/drawing/2014/main" id="{AD7EA415-EB9D-08CB-172A-338BC0E32E80}"/>
+              </a:ext>
+            </a:extLst>
+          </p:cNvPr>
+          <p:cNvCxnSpPr>
+            <a:cxnSpLocks/>
+            <a:stCxn id="8" idx="3"/>
+            <a:endCxn id="14" idx="1"/>
+          </p:cNvCxnSpPr>
+          <p:nvPr/>
+        </p:nvCxnSpPr>
+        <p:spPr>
+          <a:xfrm flipV="1">
+            <a:off x="1998677" y="1519751"/>
+            <a:ext cx="2301462" cy="1977757"/>
+          </a:xfrm>
+          <a:prstGeom prst="straightConnector1">
+            <a:avLst/>
+          </a:prstGeom>
+          <a:ln w="38100">
+            <a:solidFill>
+              <a:schemeClr val="tx1">
+                <a:alpha val="50000"/>
+              </a:schemeClr>
+            </a:solidFill>
+            <a:tailEnd type="triangle" w="lg" len="lg"/>
+          </a:ln>
+        </p:spPr>
+        <p:style>
+          <a:lnRef idx="1">
+            <a:schemeClr val="accent1"/>
+          </a:lnRef>
+          <a:fillRef idx="0">
+            <a:schemeClr val="accent1"/>
+          </a:fillRef>
+          <a:effectRef idx="0">
+            <a:schemeClr val="accent1"/>
+          </a:effectRef>
+          <a:fontRef idx="minor">
+            <a:schemeClr val="tx1"/>
+          </a:fontRef>
+        </p:style>
+      </p:cxnSp>
+      <p:cxnSp>
+        <p:nvCxnSpPr>
+          <p:cNvPr id="68" name="Conector recto de flecha 67">
+            <a:extLst>
+              <a:ext uri="{FF2B5EF4-FFF2-40B4-BE49-F238E27FC236}">
+                <a16:creationId xmlns:a16="http://schemas.microsoft.com/office/drawing/2014/main" id="{66158382-232B-25BD-30B2-D3964837EFA8}"/>
+              </a:ext>
+            </a:extLst>
+          </p:cNvPr>
+          <p:cNvCxnSpPr>
+            <a:cxnSpLocks/>
+            <a:stCxn id="23" idx="2"/>
+            <a:endCxn id="29" idx="0"/>
+          </p:cNvCxnSpPr>
+          <p:nvPr/>
+        </p:nvCxnSpPr>
+        <p:spPr>
+          <a:xfrm flipH="1">
+            <a:off x="5292032" y="2546468"/>
+            <a:ext cx="236" cy="254883"/>
+          </a:xfrm>
+          <a:prstGeom prst="straightConnector1">
+            <a:avLst/>
+          </a:prstGeom>
+          <a:ln w="19050">
+            <a:solidFill>
+              <a:schemeClr val="tx1"/>
+            </a:solidFill>
+            <a:prstDash val="sysDot"/>
+            <a:tailEnd type="none" w="lg" len="lg"/>
+          </a:ln>
+        </p:spPr>
+        <p:style>
+          <a:lnRef idx="1">
+            <a:schemeClr val="accent1"/>
+          </a:lnRef>
+          <a:fillRef idx="0">
+            <a:schemeClr val="accent1"/>
+          </a:fillRef>
+          <a:effectRef idx="0">
+            <a:schemeClr val="accent1"/>
+          </a:effectRef>
+          <a:fontRef idx="minor">
+            <a:schemeClr val="tx1"/>
+          </a:fontRef>
+        </p:style>
+      </p:cxnSp>
+      <p:cxnSp>
+        <p:nvCxnSpPr>
+          <p:cNvPr id="71" name="Conector recto de flecha 70">
+            <a:extLst>
+              <a:ext uri="{FF2B5EF4-FFF2-40B4-BE49-F238E27FC236}">
+                <a16:creationId xmlns:a16="http://schemas.microsoft.com/office/drawing/2014/main" id="{7CE62159-38B9-4B03-CBA4-E6F938FA5E92}"/>
+              </a:ext>
+            </a:extLst>
+          </p:cNvPr>
+          <p:cNvCxnSpPr>
+            <a:cxnSpLocks/>
+            <a:stCxn id="22" idx="2"/>
+            <a:endCxn id="28" idx="0"/>
+          </p:cNvCxnSpPr>
+          <p:nvPr/>
+        </p:nvCxnSpPr>
+        <p:spPr>
+          <a:xfrm flipH="1">
+            <a:off x="4435244" y="2546467"/>
+            <a:ext cx="236" cy="254884"/>
+          </a:xfrm>
+          <a:prstGeom prst="straightConnector1">
+            <a:avLst/>
+          </a:prstGeom>
+          <a:ln w="19050">
+            <a:solidFill>
+              <a:schemeClr val="tx1"/>
+            </a:solidFill>
+            <a:prstDash val="sysDot"/>
+            <a:tailEnd type="none" w="lg" len="lg"/>
+          </a:ln>
+        </p:spPr>
+        <p:style>
+          <a:lnRef idx="1">
+            <a:schemeClr val="accent1"/>
+          </a:lnRef>
+          <a:fillRef idx="0">
+            <a:schemeClr val="accent1"/>
+          </a:fillRef>
+          <a:effectRef idx="0">
+            <a:schemeClr val="accent1"/>
+          </a:effectRef>
+          <a:fontRef idx="minor">
+            <a:schemeClr val="tx1"/>
+          </a:fontRef>
+        </p:style>
+      </p:cxnSp>
+      <p:sp>
+        <p:nvSpPr>
+          <p:cNvPr id="79" name="CuadroTexto 78">
+            <a:extLst>
+              <a:ext uri="{FF2B5EF4-FFF2-40B4-BE49-F238E27FC236}">
+                <a16:creationId xmlns:a16="http://schemas.microsoft.com/office/drawing/2014/main" id="{D2E7F7A9-7A94-2284-C262-71EA29A70163}"/>
+              </a:ext>
+            </a:extLst>
+          </p:cNvPr>
+          <p:cNvSpPr txBox="1"/>
+          <p:nvPr/>
+        </p:nvSpPr>
+        <p:spPr>
+          <a:xfrm>
+            <a:off x="4688104" y="390892"/>
+            <a:ext cx="654731" cy="646331"/>
+          </a:xfrm>
+          <a:prstGeom prst="rect">
+            <a:avLst/>
+          </a:prstGeom>
+          <a:noFill/>
+        </p:spPr>
+        <p:txBody>
+          <a:bodyPr wrap="none" rtlCol="0">
+            <a:spAutoFit/>
+          </a:bodyPr>
+          <a:lstStyle/>
+          <a:p>
+            <a:pPr algn="ctr"/>
+            <a:r>
+              <a:rPr lang="es-ES" dirty="0"/>
+              <a:t>hash</a:t>
+            </a:r>
+          </a:p>
+          <a:p>
+            <a:pPr algn="ctr"/>
+            <a:r>
+              <a:rPr lang="es-ES" dirty="0"/>
+              <a:t>taula</a:t>
+            </a:r>
+          </a:p>
+        </p:txBody>
+      </p:sp>
+      <p:sp>
+        <p:nvSpPr>
+          <p:cNvPr id="2" name="Rectángulo 1">
+            <a:extLst>
+              <a:ext uri="{FF2B5EF4-FFF2-40B4-BE49-F238E27FC236}">
+                <a16:creationId xmlns:a16="http://schemas.microsoft.com/office/drawing/2014/main" id="{E3237276-462B-F98E-688A-A1ED909C7D9C}"/>
+              </a:ext>
+            </a:extLst>
+          </p:cNvPr>
+          <p:cNvSpPr/>
+          <p:nvPr/>
+        </p:nvSpPr>
+        <p:spPr>
+          <a:xfrm>
+            <a:off x="4572709" y="1176330"/>
+            <a:ext cx="271625" cy="233976"/>
+          </a:xfrm>
+          <a:prstGeom prst="rect">
+            <a:avLst/>
+          </a:prstGeom>
+          <a:solidFill>
+            <a:schemeClr val="bg1"/>
+          </a:solidFill>
+        </p:spPr>
+        <p:style>
+          <a:lnRef idx="2">
+            <a:schemeClr val="accent1">
+              <a:shade val="15000"/>
+            </a:schemeClr>
+          </a:lnRef>
+          <a:fillRef idx="1">
+            <a:schemeClr val="accent1"/>
+          </a:fillRef>
+          <a:effectRef idx="0">
+            <a:schemeClr val="accent1"/>
+          </a:effectRef>
+          <a:fontRef idx="minor">
+            <a:schemeClr val="lt1"/>
+          </a:fontRef>
+        </p:style>
+        <p:txBody>
+          <a:bodyPr lIns="0" tIns="0" rIns="0" bIns="0" rtlCol="0" anchor="ctr"/>
+          <a:lstStyle/>
+          <a:p>
+            <a:pPr algn="ctr" fontAlgn="base"/>
+            <a:r>
+              <a:rPr lang="es-ES" sz="1000" b="0" i="0" dirty="0">
+                <a:solidFill>
+                  <a:srgbClr val="373637"/>
+                </a:solidFill>
+                <a:effectLst/>
+                <a:latin typeface="Source Sans Pro" panose="020B0503030403020204" pitchFamily="34" charset="0"/>
+              </a:rPr>
+              <a:t>⊙</a:t>
+            </a:r>
+          </a:p>
+        </p:txBody>
+      </p:sp>
+      <p:sp>
+        <p:nvSpPr>
+          <p:cNvPr id="3" name="Rectángulo 2">
+            <a:extLst>
+              <a:ext uri="{FF2B5EF4-FFF2-40B4-BE49-F238E27FC236}">
+                <a16:creationId xmlns:a16="http://schemas.microsoft.com/office/drawing/2014/main" id="{58BE27E6-88E1-40DE-AB18-E7707F5E1285}"/>
+              </a:ext>
+            </a:extLst>
+          </p:cNvPr>
+          <p:cNvSpPr/>
+          <p:nvPr/>
+        </p:nvSpPr>
+        <p:spPr>
+          <a:xfrm>
+            <a:off x="4572473" y="1402763"/>
+            <a:ext cx="271625" cy="233976"/>
+          </a:xfrm>
+          <a:prstGeom prst="rect">
+            <a:avLst/>
+          </a:prstGeom>
+          <a:solidFill>
+            <a:schemeClr val="bg1"/>
+          </a:solidFill>
+        </p:spPr>
+        <p:style>
+          <a:lnRef idx="2">
+            <a:schemeClr val="accent1">
+              <a:shade val="15000"/>
+            </a:schemeClr>
+          </a:lnRef>
+          <a:fillRef idx="1">
+            <a:schemeClr val="accent1"/>
+          </a:fillRef>
+          <a:effectRef idx="0">
+            <a:schemeClr val="accent1"/>
+          </a:effectRef>
+          <a:fontRef idx="minor">
+            <a:schemeClr val="lt1"/>
+          </a:fontRef>
+        </p:style>
+        <p:txBody>
+          <a:bodyPr lIns="0" tIns="0" rIns="0" bIns="0" rtlCol="0" anchor="ctr"/>
+          <a:lstStyle/>
+          <a:p>
+            <a:pPr algn="ctr" fontAlgn="base"/>
+            <a:r>
+              <a:rPr lang="es-ES" sz="1000" b="0" i="0" dirty="0">
+                <a:solidFill>
+                  <a:srgbClr val="373637"/>
+                </a:solidFill>
+                <a:effectLst/>
+                <a:latin typeface="Source Sans Pro" panose="020B0503030403020204" pitchFamily="34" charset="0"/>
+              </a:rPr>
+              <a:t>⊙</a:t>
+            </a:r>
+          </a:p>
+        </p:txBody>
+      </p:sp>
+      <p:sp>
+        <p:nvSpPr>
+          <p:cNvPr id="24" name="Rectángulo 23">
+            <a:extLst>
+              <a:ext uri="{FF2B5EF4-FFF2-40B4-BE49-F238E27FC236}">
+                <a16:creationId xmlns:a16="http://schemas.microsoft.com/office/drawing/2014/main" id="{47DB5365-B8CC-87A1-FFE1-E7750A501771}"/>
+              </a:ext>
+            </a:extLst>
+          </p:cNvPr>
+          <p:cNvSpPr/>
+          <p:nvPr/>
+        </p:nvSpPr>
+        <p:spPr>
+          <a:xfrm>
+            <a:off x="4572473" y="1636739"/>
+            <a:ext cx="271625" cy="233976"/>
+          </a:xfrm>
+          <a:prstGeom prst="rect">
+            <a:avLst/>
+          </a:prstGeom>
+          <a:solidFill>
+            <a:schemeClr val="bg1"/>
+          </a:solidFill>
+        </p:spPr>
+        <p:style>
+          <a:lnRef idx="2">
+            <a:schemeClr val="accent1">
+              <a:shade val="15000"/>
+            </a:schemeClr>
+          </a:lnRef>
+          <a:fillRef idx="1">
+            <a:schemeClr val="accent1"/>
+          </a:fillRef>
+          <a:effectRef idx="0">
+            <a:schemeClr val="accent1"/>
+          </a:effectRef>
+          <a:fontRef idx="minor">
+            <a:schemeClr val="lt1"/>
+          </a:fontRef>
+        </p:style>
+        <p:txBody>
+          <a:bodyPr lIns="0" tIns="0" rIns="0" bIns="0" rtlCol="0" anchor="ctr"/>
+          <a:lstStyle/>
+          <a:p>
+            <a:pPr algn="ctr" fontAlgn="base"/>
+            <a:r>
+              <a:rPr lang="es-ES" sz="1000" b="0" i="0">
+                <a:solidFill>
+                  <a:srgbClr val="373637"/>
+                </a:solidFill>
+                <a:effectLst/>
+                <a:latin typeface="Source Sans Pro" panose="020B0503030403020204" pitchFamily="34" charset="0"/>
+              </a:rPr>
+              <a:t>⊙</a:t>
+            </a:r>
+          </a:p>
+        </p:txBody>
+      </p:sp>
+      <p:sp>
+        <p:nvSpPr>
+          <p:cNvPr id="25" name="Rectángulo 24">
+            <a:extLst>
+              <a:ext uri="{FF2B5EF4-FFF2-40B4-BE49-F238E27FC236}">
+                <a16:creationId xmlns:a16="http://schemas.microsoft.com/office/drawing/2014/main" id="{0D41CF6A-2138-8935-F261-B16C5DFBF2CD}"/>
+              </a:ext>
+            </a:extLst>
+          </p:cNvPr>
+          <p:cNvSpPr/>
+          <p:nvPr/>
+        </p:nvSpPr>
+        <p:spPr>
+          <a:xfrm>
+            <a:off x="4572237" y="1863172"/>
+            <a:ext cx="271625" cy="233976"/>
+          </a:xfrm>
+          <a:prstGeom prst="rect">
+            <a:avLst/>
+          </a:prstGeom>
+          <a:solidFill>
+            <a:schemeClr val="bg1"/>
+          </a:solidFill>
+        </p:spPr>
+        <p:style>
+          <a:lnRef idx="2">
+            <a:schemeClr val="accent1">
+              <a:shade val="15000"/>
+            </a:schemeClr>
+          </a:lnRef>
+          <a:fillRef idx="1">
+            <a:schemeClr val="accent1"/>
+          </a:fillRef>
+          <a:effectRef idx="0">
+            <a:schemeClr val="accent1"/>
+          </a:effectRef>
+          <a:fontRef idx="minor">
+            <a:schemeClr val="lt1"/>
+          </a:fontRef>
+        </p:style>
+        <p:txBody>
+          <a:bodyPr lIns="0" tIns="0" rIns="0" bIns="0" rtlCol="0" anchor="ctr"/>
+          <a:lstStyle/>
+          <a:p>
+            <a:pPr algn="ctr"/>
+            <a:r>
+              <a:rPr lang="es-ES" sz="1000" b="0" i="0" dirty="0">
+                <a:solidFill>
+                  <a:srgbClr val="373637"/>
+                </a:solidFill>
+                <a:effectLst/>
+                <a:latin typeface="Source Sans Pro" panose="020B0503030403020204" pitchFamily="34" charset="0"/>
+              </a:rPr>
+              <a:t>⊙</a:t>
+            </a:r>
+          </a:p>
+        </p:txBody>
+      </p:sp>
+      <p:sp>
+        <p:nvSpPr>
+          <p:cNvPr id="26" name="Rectángulo 25">
+            <a:extLst>
+              <a:ext uri="{FF2B5EF4-FFF2-40B4-BE49-F238E27FC236}">
+                <a16:creationId xmlns:a16="http://schemas.microsoft.com/office/drawing/2014/main" id="{CF241A01-BD1B-2055-E65C-895C1D6DC9ED}"/>
+              </a:ext>
+            </a:extLst>
+          </p:cNvPr>
+          <p:cNvSpPr/>
+          <p:nvPr/>
+        </p:nvSpPr>
+        <p:spPr>
+          <a:xfrm>
+            <a:off x="4572237" y="2086058"/>
+            <a:ext cx="271625" cy="233976"/>
+          </a:xfrm>
+          <a:prstGeom prst="rect">
+            <a:avLst/>
+          </a:prstGeom>
+          <a:solidFill>
+            <a:schemeClr val="bg1"/>
+          </a:solidFill>
+        </p:spPr>
+        <p:style>
+          <a:lnRef idx="2">
+            <a:schemeClr val="accent1">
+              <a:shade val="15000"/>
+            </a:schemeClr>
+          </a:lnRef>
+          <a:fillRef idx="1">
+            <a:schemeClr val="accent1"/>
+          </a:fillRef>
+          <a:effectRef idx="0">
+            <a:schemeClr val="accent1"/>
+          </a:effectRef>
+          <a:fontRef idx="minor">
+            <a:schemeClr val="lt1"/>
+          </a:fontRef>
+        </p:style>
+        <p:txBody>
+          <a:bodyPr lIns="0" tIns="0" rIns="0" bIns="0" rtlCol="0" anchor="ctr"/>
+          <a:lstStyle/>
+          <a:p>
+            <a:pPr algn="ctr" fontAlgn="base"/>
+            <a:r>
+              <a:rPr lang="es-ES" sz="1000" b="0" i="0" dirty="0">
+                <a:solidFill>
+                  <a:srgbClr val="373637"/>
+                </a:solidFill>
+                <a:effectLst/>
+                <a:latin typeface="Source Sans Pro" panose="020B0503030403020204" pitchFamily="34" charset="0"/>
+              </a:rPr>
+              <a:t>⊙</a:t>
+            </a:r>
+          </a:p>
+        </p:txBody>
+      </p:sp>
+      <p:sp>
+        <p:nvSpPr>
+          <p:cNvPr id="27" name="Rectángulo 26">
+            <a:extLst>
+              <a:ext uri="{FF2B5EF4-FFF2-40B4-BE49-F238E27FC236}">
+                <a16:creationId xmlns:a16="http://schemas.microsoft.com/office/drawing/2014/main" id="{D25C646F-0A50-CEB1-AAD0-F837D77D61D9}"/>
+              </a:ext>
+            </a:extLst>
+          </p:cNvPr>
+          <p:cNvSpPr/>
+          <p:nvPr/>
+        </p:nvSpPr>
+        <p:spPr>
+          <a:xfrm>
+            <a:off x="4572001" y="2312491"/>
+            <a:ext cx="271625" cy="233976"/>
+          </a:xfrm>
+          <a:prstGeom prst="rect">
+            <a:avLst/>
+          </a:prstGeom>
+          <a:solidFill>
+            <a:schemeClr val="bg1"/>
+          </a:solidFill>
+        </p:spPr>
+        <p:style>
+          <a:lnRef idx="2">
+            <a:schemeClr val="accent1">
+              <a:shade val="15000"/>
+            </a:schemeClr>
+          </a:lnRef>
+          <a:fillRef idx="1">
+            <a:schemeClr val="accent1"/>
+          </a:fillRef>
+          <a:effectRef idx="0">
+            <a:schemeClr val="accent1"/>
+          </a:effectRef>
+          <a:fontRef idx="minor">
+            <a:schemeClr val="lt1"/>
+          </a:fontRef>
+        </p:style>
+        <p:txBody>
+          <a:bodyPr lIns="0" tIns="0" rIns="0" bIns="0" rtlCol="0" anchor="ctr"/>
+          <a:lstStyle/>
+          <a:p>
+            <a:pPr algn="ctr" fontAlgn="base"/>
+            <a:r>
+              <a:rPr lang="es-ES" sz="1000" b="0" i="0">
+                <a:solidFill>
+                  <a:srgbClr val="373637"/>
+                </a:solidFill>
+                <a:effectLst/>
+                <a:latin typeface="Source Sans Pro" panose="020B0503030403020204" pitchFamily="34" charset="0"/>
+              </a:rPr>
+              <a:t>⊙</a:t>
+            </a:r>
+          </a:p>
+        </p:txBody>
+      </p:sp>
+      <p:sp>
+        <p:nvSpPr>
+          <p:cNvPr id="36" name="Rectángulo 35">
+            <a:extLst>
+              <a:ext uri="{FF2B5EF4-FFF2-40B4-BE49-F238E27FC236}">
+                <a16:creationId xmlns:a16="http://schemas.microsoft.com/office/drawing/2014/main" id="{A101C9E4-B671-CEFB-9335-764DE0242A69}"/>
+              </a:ext>
+            </a:extLst>
+          </p:cNvPr>
+          <p:cNvSpPr/>
+          <p:nvPr/>
+        </p:nvSpPr>
+        <p:spPr>
+          <a:xfrm>
+            <a:off x="4571765" y="2801351"/>
+            <a:ext cx="271625" cy="233976"/>
+          </a:xfrm>
+          <a:prstGeom prst="rect">
+            <a:avLst/>
+          </a:prstGeom>
+          <a:solidFill>
+            <a:schemeClr val="bg1"/>
+          </a:solidFill>
+        </p:spPr>
+        <p:style>
+          <a:lnRef idx="2">
+            <a:schemeClr val="accent1">
+              <a:shade val="15000"/>
+            </a:schemeClr>
+          </a:lnRef>
+          <a:fillRef idx="1">
+            <a:schemeClr val="accent1"/>
+          </a:fillRef>
+          <a:effectRef idx="0">
+            <a:schemeClr val="accent1"/>
+          </a:effectRef>
+          <a:fontRef idx="minor">
+            <a:schemeClr val="lt1"/>
+          </a:fontRef>
+        </p:style>
+        <p:txBody>
+          <a:bodyPr lIns="0" tIns="0" rIns="0" bIns="0" rtlCol="0" anchor="ctr"/>
+          <a:lstStyle/>
+          <a:p>
+            <a:pPr algn="ctr" fontAlgn="base"/>
+            <a:r>
+              <a:rPr lang="es-ES" sz="1000" b="0" i="0" dirty="0">
+                <a:solidFill>
+                  <a:srgbClr val="373637"/>
+                </a:solidFill>
+                <a:effectLst/>
+                <a:latin typeface="Source Sans Pro" panose="020B0503030403020204" pitchFamily="34" charset="0"/>
+              </a:rPr>
+              <a:t>⊙</a:t>
+            </a:r>
+          </a:p>
+        </p:txBody>
+      </p:sp>
+      <p:sp>
+        <p:nvSpPr>
+          <p:cNvPr id="37" name="Rectángulo 36">
+            <a:extLst>
+              <a:ext uri="{FF2B5EF4-FFF2-40B4-BE49-F238E27FC236}">
+                <a16:creationId xmlns:a16="http://schemas.microsoft.com/office/drawing/2014/main" id="{E757F73C-0061-210C-1909-3804279A5E76}"/>
+              </a:ext>
+            </a:extLst>
+          </p:cNvPr>
+          <p:cNvSpPr/>
+          <p:nvPr/>
+        </p:nvSpPr>
+        <p:spPr>
+          <a:xfrm>
+            <a:off x="4571529" y="3027784"/>
+            <a:ext cx="271625" cy="233976"/>
+          </a:xfrm>
+          <a:prstGeom prst="rect">
+            <a:avLst/>
+          </a:prstGeom>
+          <a:solidFill>
+            <a:schemeClr val="bg1"/>
+          </a:solidFill>
+        </p:spPr>
+        <p:style>
+          <a:lnRef idx="2">
+            <a:schemeClr val="accent1">
+              <a:shade val="15000"/>
+            </a:schemeClr>
+          </a:lnRef>
+          <a:fillRef idx="1">
+            <a:schemeClr val="accent1"/>
+          </a:fillRef>
+          <a:effectRef idx="0">
+            <a:schemeClr val="accent1"/>
+          </a:effectRef>
+          <a:fontRef idx="minor">
+            <a:schemeClr val="lt1"/>
+          </a:fontRef>
+        </p:style>
+        <p:txBody>
+          <a:bodyPr lIns="0" tIns="0" rIns="0" bIns="0" rtlCol="0" anchor="ctr"/>
+          <a:lstStyle/>
+          <a:p>
+            <a:pPr algn="ctr" fontAlgn="base"/>
+            <a:r>
+              <a:rPr lang="es-ES" sz="1000" b="0" i="0" dirty="0">
+                <a:solidFill>
+                  <a:srgbClr val="373637"/>
+                </a:solidFill>
+                <a:effectLst/>
+                <a:latin typeface="Source Sans Pro" panose="020B0503030403020204" pitchFamily="34" charset="0"/>
+              </a:rPr>
+              <a:t>⊙</a:t>
+            </a:r>
+          </a:p>
+        </p:txBody>
+      </p:sp>
+      <p:sp>
+        <p:nvSpPr>
+          <p:cNvPr id="38" name="Rectángulo 37">
+            <a:extLst>
+              <a:ext uri="{FF2B5EF4-FFF2-40B4-BE49-F238E27FC236}">
+                <a16:creationId xmlns:a16="http://schemas.microsoft.com/office/drawing/2014/main" id="{0EDC7E53-3C2C-AF2F-4AF1-978720370908}"/>
+              </a:ext>
+            </a:extLst>
+          </p:cNvPr>
+          <p:cNvSpPr/>
+          <p:nvPr/>
+        </p:nvSpPr>
+        <p:spPr>
+          <a:xfrm>
+            <a:off x="4571529" y="3261760"/>
+            <a:ext cx="271625" cy="233976"/>
+          </a:xfrm>
+          <a:prstGeom prst="rect">
+            <a:avLst/>
+          </a:prstGeom>
+          <a:solidFill>
+            <a:schemeClr val="bg1"/>
+          </a:solidFill>
+        </p:spPr>
+        <p:style>
+          <a:lnRef idx="2">
+            <a:schemeClr val="accent1">
+              <a:shade val="15000"/>
+            </a:schemeClr>
+          </a:lnRef>
+          <a:fillRef idx="1">
+            <a:schemeClr val="accent1"/>
+          </a:fillRef>
+          <a:effectRef idx="0">
+            <a:schemeClr val="accent1"/>
+          </a:effectRef>
+          <a:fontRef idx="minor">
+            <a:schemeClr val="lt1"/>
+          </a:fontRef>
+        </p:style>
+        <p:txBody>
+          <a:bodyPr lIns="0" tIns="0" rIns="0" bIns="0" rtlCol="0" anchor="ctr"/>
+          <a:lstStyle/>
+          <a:p>
+            <a:pPr algn="ctr" fontAlgn="base"/>
+            <a:r>
+              <a:rPr lang="es-ES" sz="1000" b="0" i="0" dirty="0">
+                <a:solidFill>
+                  <a:srgbClr val="373637"/>
+                </a:solidFill>
+                <a:effectLst/>
+                <a:latin typeface="Source Sans Pro" panose="020B0503030403020204" pitchFamily="34" charset="0"/>
+              </a:rPr>
+              <a:t>⊙</a:t>
+            </a:r>
+          </a:p>
+        </p:txBody>
+      </p:sp>
+      <p:sp>
+        <p:nvSpPr>
+          <p:cNvPr id="39" name="Rectángulo 38">
+            <a:extLst>
+              <a:ext uri="{FF2B5EF4-FFF2-40B4-BE49-F238E27FC236}">
+                <a16:creationId xmlns:a16="http://schemas.microsoft.com/office/drawing/2014/main" id="{C246CCB4-E999-708F-B234-8A0F5EACBB76}"/>
+              </a:ext>
+            </a:extLst>
+          </p:cNvPr>
+          <p:cNvSpPr/>
+          <p:nvPr/>
+        </p:nvSpPr>
+        <p:spPr>
+          <a:xfrm>
+            <a:off x="4571293" y="3488193"/>
+            <a:ext cx="271625" cy="233976"/>
+          </a:xfrm>
+          <a:prstGeom prst="rect">
+            <a:avLst/>
+          </a:prstGeom>
+          <a:solidFill>
+            <a:schemeClr val="bg1"/>
+          </a:solidFill>
+        </p:spPr>
+        <p:style>
+          <a:lnRef idx="2">
+            <a:schemeClr val="accent1">
+              <a:shade val="15000"/>
+            </a:schemeClr>
+          </a:lnRef>
+          <a:fillRef idx="1">
+            <a:schemeClr val="accent1"/>
+          </a:fillRef>
+          <a:effectRef idx="0">
+            <a:schemeClr val="accent1"/>
+          </a:effectRef>
+          <a:fontRef idx="minor">
+            <a:schemeClr val="lt1"/>
+          </a:fontRef>
+        </p:style>
+        <p:txBody>
+          <a:bodyPr lIns="0" tIns="0" rIns="0" bIns="0" rtlCol="0" anchor="ctr"/>
+          <a:lstStyle/>
+          <a:p>
+            <a:pPr algn="ctr"/>
+            <a:r>
+              <a:rPr lang="es-ES" sz="1000" b="0" i="0" dirty="0">
+                <a:solidFill>
+                  <a:srgbClr val="373637"/>
+                </a:solidFill>
+                <a:effectLst/>
+                <a:latin typeface="Source Sans Pro" panose="020B0503030403020204" pitchFamily="34" charset="0"/>
+              </a:rPr>
+              <a:t>⊙</a:t>
+            </a:r>
+          </a:p>
+        </p:txBody>
+      </p:sp>
+      <p:cxnSp>
+        <p:nvCxnSpPr>
+          <p:cNvPr id="40" name="Conector recto de flecha 39">
+            <a:extLst>
+              <a:ext uri="{FF2B5EF4-FFF2-40B4-BE49-F238E27FC236}">
+                <a16:creationId xmlns:a16="http://schemas.microsoft.com/office/drawing/2014/main" id="{8DFED8B3-70DE-F31C-FD26-5BBB12EB7C02}"/>
+              </a:ext>
+            </a:extLst>
+          </p:cNvPr>
+          <p:cNvCxnSpPr>
+            <a:cxnSpLocks/>
+            <a:stCxn id="27" idx="2"/>
+            <a:endCxn id="36" idx="0"/>
+          </p:cNvCxnSpPr>
+          <p:nvPr/>
+        </p:nvCxnSpPr>
+        <p:spPr>
+          <a:xfrm flipH="1">
+            <a:off x="4707578" y="2546467"/>
+            <a:ext cx="236" cy="254884"/>
+          </a:xfrm>
+          <a:prstGeom prst="straightConnector1">
+            <a:avLst/>
+          </a:prstGeom>
+          <a:ln w="19050">
+            <a:solidFill>
+              <a:schemeClr val="tx1"/>
+            </a:solidFill>
+            <a:prstDash val="sysDot"/>
+            <a:tailEnd type="none" w="lg" len="lg"/>
+          </a:ln>
+        </p:spPr>
+        <p:style>
+          <a:lnRef idx="1">
+            <a:schemeClr val="accent1"/>
+          </a:lnRef>
+          <a:fillRef idx="0">
+            <a:schemeClr val="accent1"/>
+          </a:fillRef>
+          <a:effectRef idx="0">
+            <a:schemeClr val="accent1"/>
+          </a:effectRef>
+          <a:fontRef idx="minor">
+            <a:schemeClr val="tx1"/>
+          </a:fontRef>
+        </p:style>
+      </p:cxnSp>
+      <p:sp>
+        <p:nvSpPr>
+          <p:cNvPr id="41" name="Rectángulo 40">
+            <a:extLst>
+              <a:ext uri="{FF2B5EF4-FFF2-40B4-BE49-F238E27FC236}">
+                <a16:creationId xmlns:a16="http://schemas.microsoft.com/office/drawing/2014/main" id="{09582C56-916A-7623-5502-96533A455179}"/>
+              </a:ext>
+            </a:extLst>
+          </p:cNvPr>
+          <p:cNvSpPr/>
+          <p:nvPr/>
+        </p:nvSpPr>
+        <p:spPr>
+          <a:xfrm>
+            <a:off x="6076408" y="1402203"/>
+            <a:ext cx="834709" cy="233977"/>
+          </a:xfrm>
+          <a:prstGeom prst="rect">
+            <a:avLst/>
+          </a:prstGeom>
+          <a:solidFill>
+            <a:schemeClr val="accent1">
+              <a:lumMod val="20000"/>
+              <a:lumOff val="80000"/>
+            </a:schemeClr>
+          </a:solidFill>
+        </p:spPr>
+        <p:style>
+          <a:lnRef idx="2">
+            <a:schemeClr val="accent1">
+              <a:shade val="15000"/>
+            </a:schemeClr>
+          </a:lnRef>
+          <a:fillRef idx="1">
+            <a:schemeClr val="accent1"/>
+          </a:fillRef>
+          <a:effectRef idx="0">
+            <a:schemeClr val="accent1"/>
+          </a:effectRef>
+          <a:fontRef idx="minor">
+            <a:schemeClr val="lt1"/>
+          </a:fontRef>
+        </p:style>
+        <p:txBody>
+          <a:bodyPr rtlCol="0" anchor="ctr"/>
+          <a:lstStyle/>
+          <a:p>
+            <a:pPr algn="ctr"/>
+            <a:r>
+              <a:rPr lang="es-ES" sz="1600" dirty="0">
+                <a:solidFill>
+                  <a:schemeClr val="tx1"/>
+                </a:solidFill>
+              </a:rPr>
+              <a:t>Nora</a:t>
+            </a:r>
+          </a:p>
+        </p:txBody>
+      </p:sp>
+      <p:cxnSp>
+        <p:nvCxnSpPr>
+          <p:cNvPr id="45" name="Conector recto de flecha 44">
+            <a:extLst>
+              <a:ext uri="{FF2B5EF4-FFF2-40B4-BE49-F238E27FC236}">
+                <a16:creationId xmlns:a16="http://schemas.microsoft.com/office/drawing/2014/main" id="{D67427C1-0702-012D-6F1E-5990EFF418E1}"/>
+              </a:ext>
+            </a:extLst>
+          </p:cNvPr>
+          <p:cNvCxnSpPr>
+            <a:cxnSpLocks/>
+            <a:stCxn id="3" idx="3"/>
+            <a:endCxn id="15" idx="1"/>
+          </p:cNvCxnSpPr>
+          <p:nvPr/>
+        </p:nvCxnSpPr>
+        <p:spPr>
+          <a:xfrm>
+            <a:off x="4844098" y="1519751"/>
+            <a:ext cx="398781" cy="1"/>
+          </a:xfrm>
+          <a:prstGeom prst="straightConnector1">
+            <a:avLst/>
+          </a:prstGeom>
+          <a:ln w="19050">
+            <a:solidFill>
+              <a:schemeClr val="tx1"/>
+            </a:solidFill>
+            <a:tailEnd type="triangle" w="med" len="med"/>
+          </a:ln>
+        </p:spPr>
+        <p:style>
+          <a:lnRef idx="1">
+            <a:schemeClr val="accent1"/>
+          </a:lnRef>
+          <a:fillRef idx="0">
+            <a:schemeClr val="accent1"/>
+          </a:fillRef>
+          <a:effectRef idx="0">
+            <a:schemeClr val="accent1"/>
+          </a:effectRef>
+          <a:fontRef idx="minor">
+            <a:schemeClr val="tx1"/>
+          </a:fontRef>
+        </p:style>
+      </p:cxnSp>
+      <p:cxnSp>
+        <p:nvCxnSpPr>
+          <p:cNvPr id="48" name="Conector recto de flecha 47">
+            <a:extLst>
+              <a:ext uri="{FF2B5EF4-FFF2-40B4-BE49-F238E27FC236}">
+                <a16:creationId xmlns:a16="http://schemas.microsoft.com/office/drawing/2014/main" id="{98C53390-F586-432C-1CF7-B4D86FC0E825}"/>
+              </a:ext>
+            </a:extLst>
+          </p:cNvPr>
+          <p:cNvCxnSpPr>
+            <a:cxnSpLocks/>
+            <a:stCxn id="2" idx="3"/>
+            <a:endCxn id="13" idx="1"/>
+          </p:cNvCxnSpPr>
+          <p:nvPr/>
+        </p:nvCxnSpPr>
+        <p:spPr>
+          <a:xfrm>
+            <a:off x="4844334" y="1293318"/>
+            <a:ext cx="398782" cy="1"/>
+          </a:xfrm>
+          <a:prstGeom prst="straightConnector1">
+            <a:avLst/>
+          </a:prstGeom>
+          <a:ln w="19050">
+            <a:solidFill>
+              <a:schemeClr val="tx1"/>
+            </a:solidFill>
+            <a:tailEnd type="triangle" w="med" len="med"/>
+          </a:ln>
+        </p:spPr>
+        <p:style>
+          <a:lnRef idx="1">
+            <a:schemeClr val="accent1"/>
+          </a:lnRef>
+          <a:fillRef idx="0">
+            <a:schemeClr val="accent1"/>
+          </a:fillRef>
+          <a:effectRef idx="0">
+            <a:schemeClr val="accent1"/>
+          </a:effectRef>
+          <a:fontRef idx="minor">
+            <a:schemeClr val="tx1"/>
+          </a:fontRef>
+        </p:style>
+      </p:cxnSp>
+      <p:cxnSp>
+        <p:nvCxnSpPr>
+          <p:cNvPr id="51" name="Conector recto de flecha 50">
+            <a:extLst>
+              <a:ext uri="{FF2B5EF4-FFF2-40B4-BE49-F238E27FC236}">
+                <a16:creationId xmlns:a16="http://schemas.microsoft.com/office/drawing/2014/main" id="{F27362B3-957C-CAF9-1BA1-9352B7CA3573}"/>
+              </a:ext>
+            </a:extLst>
+          </p:cNvPr>
+          <p:cNvCxnSpPr>
+            <a:cxnSpLocks/>
+            <a:stCxn id="24" idx="3"/>
+            <a:endCxn id="17" idx="1"/>
+          </p:cNvCxnSpPr>
+          <p:nvPr/>
+        </p:nvCxnSpPr>
+        <p:spPr>
+          <a:xfrm>
+            <a:off x="4844098" y="1753727"/>
+            <a:ext cx="398780" cy="1"/>
+          </a:xfrm>
+          <a:prstGeom prst="straightConnector1">
+            <a:avLst/>
+          </a:prstGeom>
+          <a:ln w="19050">
+            <a:solidFill>
+              <a:schemeClr val="tx1"/>
+            </a:solidFill>
+            <a:tailEnd type="triangle" w="med" len="med"/>
+          </a:ln>
+        </p:spPr>
+        <p:style>
+          <a:lnRef idx="1">
+            <a:schemeClr val="accent1"/>
+          </a:lnRef>
+          <a:fillRef idx="0">
+            <a:schemeClr val="accent1"/>
+          </a:fillRef>
+          <a:effectRef idx="0">
+            <a:schemeClr val="accent1"/>
+          </a:effectRef>
+          <a:fontRef idx="minor">
+            <a:schemeClr val="tx1"/>
+          </a:fontRef>
+        </p:style>
+      </p:cxnSp>
+      <p:cxnSp>
+        <p:nvCxnSpPr>
+          <p:cNvPr id="56" name="Conector recto de flecha 55">
+            <a:extLst>
+              <a:ext uri="{FF2B5EF4-FFF2-40B4-BE49-F238E27FC236}">
+                <a16:creationId xmlns:a16="http://schemas.microsoft.com/office/drawing/2014/main" id="{D6C83AA2-7BC0-BE7D-51FC-B04F48601D58}"/>
+              </a:ext>
+            </a:extLst>
+          </p:cNvPr>
+          <p:cNvCxnSpPr>
+            <a:cxnSpLocks/>
+            <a:stCxn id="25" idx="3"/>
+            <a:endCxn id="19" idx="1"/>
+          </p:cNvCxnSpPr>
+          <p:nvPr/>
+        </p:nvCxnSpPr>
+        <p:spPr>
+          <a:xfrm>
+            <a:off x="4843862" y="1980160"/>
+            <a:ext cx="398782" cy="1"/>
+          </a:xfrm>
+          <a:prstGeom prst="straightConnector1">
+            <a:avLst/>
+          </a:prstGeom>
+          <a:ln w="19050">
+            <a:solidFill>
+              <a:schemeClr val="tx1"/>
+            </a:solidFill>
+            <a:tailEnd type="triangle" w="med" len="med"/>
+          </a:ln>
+        </p:spPr>
+        <p:style>
+          <a:lnRef idx="1">
+            <a:schemeClr val="accent1"/>
+          </a:lnRef>
+          <a:fillRef idx="0">
+            <a:schemeClr val="accent1"/>
+          </a:fillRef>
+          <a:effectRef idx="0">
+            <a:schemeClr val="accent1"/>
+          </a:effectRef>
+          <a:fontRef idx="minor">
+            <a:schemeClr val="tx1"/>
+          </a:fontRef>
+        </p:style>
+      </p:cxnSp>
+      <p:cxnSp>
+        <p:nvCxnSpPr>
+          <p:cNvPr id="60" name="Conector recto de flecha 59">
+            <a:extLst>
+              <a:ext uri="{FF2B5EF4-FFF2-40B4-BE49-F238E27FC236}">
+                <a16:creationId xmlns:a16="http://schemas.microsoft.com/office/drawing/2014/main" id="{DEF7A993-6153-F9DF-73A4-68405F3CD327}"/>
+              </a:ext>
+            </a:extLst>
+          </p:cNvPr>
+          <p:cNvCxnSpPr>
+            <a:cxnSpLocks/>
+            <a:stCxn id="26" idx="3"/>
+            <a:endCxn id="21" idx="1"/>
+          </p:cNvCxnSpPr>
+          <p:nvPr/>
+        </p:nvCxnSpPr>
+        <p:spPr>
+          <a:xfrm>
+            <a:off x="4843862" y="2203046"/>
+            <a:ext cx="398781" cy="1"/>
+          </a:xfrm>
+          <a:prstGeom prst="straightConnector1">
+            <a:avLst/>
+          </a:prstGeom>
+          <a:ln w="19050">
+            <a:solidFill>
+              <a:schemeClr val="tx1"/>
+            </a:solidFill>
+            <a:tailEnd type="triangle" w="med" len="med"/>
+          </a:ln>
+        </p:spPr>
+        <p:style>
+          <a:lnRef idx="1">
+            <a:schemeClr val="accent1"/>
+          </a:lnRef>
+          <a:fillRef idx="0">
+            <a:schemeClr val="accent1"/>
+          </a:fillRef>
+          <a:effectRef idx="0">
+            <a:schemeClr val="accent1"/>
+          </a:effectRef>
+          <a:fontRef idx="minor">
+            <a:schemeClr val="tx1"/>
+          </a:fontRef>
+        </p:style>
+      </p:cxnSp>
+      <p:cxnSp>
+        <p:nvCxnSpPr>
+          <p:cNvPr id="64" name="Conector recto de flecha 63">
+            <a:extLst>
+              <a:ext uri="{FF2B5EF4-FFF2-40B4-BE49-F238E27FC236}">
+                <a16:creationId xmlns:a16="http://schemas.microsoft.com/office/drawing/2014/main" id="{A7A66F75-58DC-AA9D-D097-CFAFB7C087BA}"/>
+              </a:ext>
+            </a:extLst>
+          </p:cNvPr>
+          <p:cNvCxnSpPr>
+            <a:cxnSpLocks/>
+            <a:stCxn id="27" idx="3"/>
+            <a:endCxn id="23" idx="1"/>
+          </p:cNvCxnSpPr>
+          <p:nvPr/>
+        </p:nvCxnSpPr>
+        <p:spPr>
+          <a:xfrm>
+            <a:off x="4843626" y="2429479"/>
+            <a:ext cx="398782" cy="1"/>
+          </a:xfrm>
+          <a:prstGeom prst="straightConnector1">
+            <a:avLst/>
+          </a:prstGeom>
+          <a:ln w="19050">
+            <a:solidFill>
+              <a:schemeClr val="tx1"/>
+            </a:solidFill>
+            <a:tailEnd type="triangle" w="med" len="med"/>
+          </a:ln>
+        </p:spPr>
+        <p:style>
+          <a:lnRef idx="1">
+            <a:schemeClr val="accent1"/>
+          </a:lnRef>
+          <a:fillRef idx="0">
+            <a:schemeClr val="accent1"/>
+          </a:fillRef>
+          <a:effectRef idx="0">
+            <a:schemeClr val="accent1"/>
+          </a:effectRef>
+          <a:fontRef idx="minor">
+            <a:schemeClr val="tx1"/>
+          </a:fontRef>
+        </p:style>
+      </p:cxnSp>
+      <p:cxnSp>
+        <p:nvCxnSpPr>
+          <p:cNvPr id="69" name="Conector recto de flecha 68">
+            <a:extLst>
+              <a:ext uri="{FF2B5EF4-FFF2-40B4-BE49-F238E27FC236}">
+                <a16:creationId xmlns:a16="http://schemas.microsoft.com/office/drawing/2014/main" id="{B5A78783-4F10-2F19-5297-016C788095BC}"/>
+              </a:ext>
+            </a:extLst>
+          </p:cNvPr>
+          <p:cNvCxnSpPr>
+            <a:cxnSpLocks/>
+            <a:stCxn id="36" idx="3"/>
+            <a:endCxn id="29" idx="1"/>
+          </p:cNvCxnSpPr>
+          <p:nvPr/>
+        </p:nvCxnSpPr>
+        <p:spPr>
+          <a:xfrm>
+            <a:off x="4843390" y="2918339"/>
+            <a:ext cx="398782" cy="1"/>
+          </a:xfrm>
+          <a:prstGeom prst="straightConnector1">
+            <a:avLst/>
+          </a:prstGeom>
+          <a:ln w="19050">
+            <a:solidFill>
+              <a:schemeClr val="tx1"/>
+            </a:solidFill>
+            <a:tailEnd type="triangle" w="med" len="med"/>
+          </a:ln>
+        </p:spPr>
+        <p:style>
+          <a:lnRef idx="1">
+            <a:schemeClr val="accent1"/>
+          </a:lnRef>
+          <a:fillRef idx="0">
+            <a:schemeClr val="accent1"/>
+          </a:fillRef>
+          <a:effectRef idx="0">
+            <a:schemeClr val="accent1"/>
+          </a:effectRef>
+          <a:fontRef idx="minor">
+            <a:schemeClr val="tx1"/>
+          </a:fontRef>
+        </p:style>
+      </p:cxnSp>
+      <p:cxnSp>
+        <p:nvCxnSpPr>
+          <p:cNvPr id="73" name="Conector recto de flecha 72">
+            <a:extLst>
+              <a:ext uri="{FF2B5EF4-FFF2-40B4-BE49-F238E27FC236}">
+                <a16:creationId xmlns:a16="http://schemas.microsoft.com/office/drawing/2014/main" id="{4C7778DF-94EB-D3EC-288E-A83DE6CE20CE}"/>
+              </a:ext>
+            </a:extLst>
+          </p:cNvPr>
+          <p:cNvCxnSpPr>
+            <a:cxnSpLocks/>
+            <a:stCxn id="37" idx="3"/>
+            <a:endCxn id="31" idx="1"/>
+          </p:cNvCxnSpPr>
+          <p:nvPr/>
+        </p:nvCxnSpPr>
+        <p:spPr>
+          <a:xfrm>
+            <a:off x="4843154" y="3144772"/>
+            <a:ext cx="398781" cy="1"/>
+          </a:xfrm>
+          <a:prstGeom prst="straightConnector1">
+            <a:avLst/>
+          </a:prstGeom>
+          <a:ln w="19050">
+            <a:solidFill>
+              <a:schemeClr val="tx1"/>
+            </a:solidFill>
+            <a:tailEnd type="triangle" w="med" len="med"/>
+          </a:ln>
+        </p:spPr>
+        <p:style>
+          <a:lnRef idx="1">
+            <a:schemeClr val="accent1"/>
+          </a:lnRef>
+          <a:fillRef idx="0">
+            <a:schemeClr val="accent1"/>
+          </a:fillRef>
+          <a:effectRef idx="0">
+            <a:schemeClr val="accent1"/>
+          </a:effectRef>
+          <a:fontRef idx="minor">
+            <a:schemeClr val="tx1"/>
+          </a:fontRef>
+        </p:style>
+      </p:cxnSp>
+      <p:cxnSp>
+        <p:nvCxnSpPr>
+          <p:cNvPr id="76" name="Conector recto de flecha 75">
+            <a:extLst>
+              <a:ext uri="{FF2B5EF4-FFF2-40B4-BE49-F238E27FC236}">
+                <a16:creationId xmlns:a16="http://schemas.microsoft.com/office/drawing/2014/main" id="{1881792A-943B-B1DC-AA70-B5D31794F06A}"/>
+              </a:ext>
+            </a:extLst>
+          </p:cNvPr>
+          <p:cNvCxnSpPr>
+            <a:cxnSpLocks/>
+            <a:stCxn id="38" idx="3"/>
+            <a:endCxn id="33" idx="1"/>
+          </p:cNvCxnSpPr>
+          <p:nvPr/>
+        </p:nvCxnSpPr>
+        <p:spPr>
+          <a:xfrm>
+            <a:off x="4843154" y="3378748"/>
+            <a:ext cx="398782" cy="1"/>
+          </a:xfrm>
+          <a:prstGeom prst="straightConnector1">
+            <a:avLst/>
+          </a:prstGeom>
+          <a:ln w="19050">
+            <a:solidFill>
+              <a:schemeClr val="tx1"/>
+            </a:solidFill>
+            <a:tailEnd type="triangle" w="med" len="med"/>
+          </a:ln>
+        </p:spPr>
+        <p:style>
+          <a:lnRef idx="1">
+            <a:schemeClr val="accent1"/>
+          </a:lnRef>
+          <a:fillRef idx="0">
+            <a:schemeClr val="accent1"/>
+          </a:fillRef>
+          <a:effectRef idx="0">
+            <a:schemeClr val="accent1"/>
+          </a:effectRef>
+          <a:fontRef idx="minor">
+            <a:schemeClr val="tx1"/>
+          </a:fontRef>
+        </p:style>
+      </p:cxnSp>
+      <p:cxnSp>
+        <p:nvCxnSpPr>
+          <p:cNvPr id="80" name="Conector recto de flecha 79">
+            <a:extLst>
+              <a:ext uri="{FF2B5EF4-FFF2-40B4-BE49-F238E27FC236}">
+                <a16:creationId xmlns:a16="http://schemas.microsoft.com/office/drawing/2014/main" id="{28CED59D-76CE-E9A2-64D5-D574BF493A04}"/>
+              </a:ext>
+            </a:extLst>
+          </p:cNvPr>
+          <p:cNvCxnSpPr>
+            <a:cxnSpLocks/>
+            <a:stCxn id="39" idx="3"/>
+            <a:endCxn id="35" idx="1"/>
+          </p:cNvCxnSpPr>
+          <p:nvPr/>
+        </p:nvCxnSpPr>
+        <p:spPr>
+          <a:xfrm>
+            <a:off x="4842918" y="3605181"/>
+            <a:ext cx="398781" cy="1"/>
+          </a:xfrm>
+          <a:prstGeom prst="straightConnector1">
+            <a:avLst/>
+          </a:prstGeom>
+          <a:ln w="19050">
+            <a:solidFill>
+              <a:schemeClr val="tx1"/>
+            </a:solidFill>
+            <a:tailEnd type="triangle" w="med" len="med"/>
+          </a:ln>
+        </p:spPr>
+        <p:style>
+          <a:lnRef idx="1">
+            <a:schemeClr val="accent1"/>
+          </a:lnRef>
+          <a:fillRef idx="0">
+            <a:schemeClr val="accent1"/>
+          </a:fillRef>
+          <a:effectRef idx="0">
+            <a:schemeClr val="accent1"/>
+          </a:effectRef>
+          <a:fontRef idx="minor">
+            <a:schemeClr val="tx1"/>
+          </a:fontRef>
+        </p:style>
+      </p:cxnSp>
+    </p:spTree>
+    <p:extLst>
+      <p:ext uri="{BB962C8B-B14F-4D97-AF65-F5344CB8AC3E}">
+        <p14:creationId xmlns:p14="http://schemas.microsoft.com/office/powerpoint/2010/main" val="178761840"/>
+      </p:ext>
+    </p:extLst>
+  </p:cSld>
+  <p:clrMapOvr>
+    <a:masterClrMapping/>
+  </p:clrMapOvr>
+</p:sld>
+</file>
+
 <file path=ppt/theme/theme1.xml><?xml version="1.0" encoding="utf-8"?>
 <a:theme xmlns:a="http://schemas.openxmlformats.org/drawingml/2006/main" name="Office Theme">
   <a:themeElements>
